--- a/TOUR AND TRAVEL BUDDY.pptx
+++ b/TOUR AND TRAVEL BUDDY.pptx
@@ -2,28 +2,31 @@
 <file path=ppt/presentation.xml><?xml version="1.0" encoding="utf-8"?>
 <p:presentation xmlns:a="http://schemas.openxmlformats.org/drawingml/2006/main" xmlns:r="http://schemas.openxmlformats.org/officeDocument/2006/relationships" xmlns:p="http://schemas.openxmlformats.org/presentationml/2006/main" saveSubsetFonts="1">
   <p:sldMasterIdLst>
-    <p:sldMasterId id="2147483894" r:id="rId1"/>
+    <p:sldMasterId id="2147484236" r:id="rId1"/>
   </p:sldMasterIdLst>
   <p:notesMasterIdLst>
-    <p:notesMasterId r:id="rId15"/>
+    <p:notesMasterId r:id="rId18"/>
   </p:notesMasterIdLst>
   <p:handoutMasterIdLst>
-    <p:handoutMasterId r:id="rId16"/>
+    <p:handoutMasterId r:id="rId19"/>
   </p:handoutMasterIdLst>
   <p:sldIdLst>
     <p:sldId id="256" r:id="rId2"/>
-    <p:sldId id="271" r:id="rId3"/>
-    <p:sldId id="278" r:id="rId4"/>
-    <p:sldId id="276" r:id="rId5"/>
-    <p:sldId id="279" r:id="rId6"/>
-    <p:sldId id="277" r:id="rId7"/>
-    <p:sldId id="286" r:id="rId8"/>
-    <p:sldId id="280" r:id="rId9"/>
-    <p:sldId id="281" r:id="rId10"/>
-    <p:sldId id="282" r:id="rId11"/>
-    <p:sldId id="283" r:id="rId12"/>
-    <p:sldId id="284" r:id="rId13"/>
-    <p:sldId id="285" r:id="rId14"/>
+    <p:sldId id="290" r:id="rId3"/>
+    <p:sldId id="271" r:id="rId4"/>
+    <p:sldId id="278" r:id="rId5"/>
+    <p:sldId id="276" r:id="rId6"/>
+    <p:sldId id="286" r:id="rId7"/>
+    <p:sldId id="279" r:id="rId8"/>
+    <p:sldId id="289" r:id="rId9"/>
+    <p:sldId id="277" r:id="rId10"/>
+    <p:sldId id="280" r:id="rId11"/>
+    <p:sldId id="281" r:id="rId12"/>
+    <p:sldId id="282" r:id="rId13"/>
+    <p:sldId id="283" r:id="rId14"/>
+    <p:sldId id="288" r:id="rId15"/>
+    <p:sldId id="284" r:id="rId16"/>
+    <p:sldId id="285" r:id="rId17"/>
   </p:sldIdLst>
   <p:sldSz cx="12188825" cy="6858000"/>
   <p:notesSz cx="6858000" cy="9144000"/>
@@ -128,16 +131,19 @@
         <p14:section name="Untitled Section" id="{A259DD7F-3E0F-49EB-9BDA-87EA97AAD9FD}">
           <p14:sldIdLst>
             <p14:sldId id="256"/>
+            <p14:sldId id="290"/>
             <p14:sldId id="271"/>
             <p14:sldId id="278"/>
             <p14:sldId id="276"/>
+            <p14:sldId id="286"/>
             <p14:sldId id="279"/>
+            <p14:sldId id="289"/>
             <p14:sldId id="277"/>
-            <p14:sldId id="286"/>
             <p14:sldId id="280"/>
             <p14:sldId id="281"/>
             <p14:sldId id="282"/>
             <p14:sldId id="283"/>
+            <p14:sldId id="288"/>
             <p14:sldId id="284"/>
             <p14:sldId id="285"/>
           </p14:sldIdLst>
@@ -225,7 +231,7 @@
             </a:lvl1pPr>
           </a:lstStyle>
           <a:p>
-            <a:endParaRPr/>
+            <a:endParaRPr dirty="0"/>
           </a:p>
         </p:txBody>
       </p:sp>
@@ -258,9 +264,9 @@
           <a:p>
             <a:fld id="{128FCA9C-FF92-4024-BDEC-A6D3B663DC09}" type="datetimeFigureOut">
               <a:rPr lang="en-US"/>
-              <a:t>3/26/2024</a:t>
+              <a:t>4/21/2024</a:t>
             </a:fld>
-            <a:endParaRPr/>
+            <a:endParaRPr dirty="0"/>
           </a:p>
         </p:txBody>
       </p:sp>
@@ -291,7 +297,7 @@
             </a:lvl1pPr>
           </a:lstStyle>
           <a:p>
-            <a:endParaRPr/>
+            <a:endParaRPr dirty="0"/>
           </a:p>
         </p:txBody>
       </p:sp>
@@ -326,7 +332,7 @@
               <a:rPr/>
               <a:t>‹#›</a:t>
             </a:fld>
-            <a:endParaRPr/>
+            <a:endParaRPr dirty="0"/>
           </a:p>
         </p:txBody>
       </p:sp>
@@ -390,7 +396,7 @@
             </a:lvl1pPr>
           </a:lstStyle>
           <a:p>
-            <a:endParaRPr/>
+            <a:endParaRPr dirty="0"/>
           </a:p>
         </p:txBody>
       </p:sp>
@@ -423,9 +429,9 @@
           <a:p>
             <a:fld id="{772AB877-E7B1-4681-847E-D0918612832B}" type="datetimeFigureOut">
               <a:rPr lang="en-US"/>
-              <a:t>3/26/2024</a:t>
+              <a:t>4/21/2024</a:t>
             </a:fld>
-            <a:endParaRPr/>
+            <a:endParaRPr dirty="0"/>
           </a:p>
         </p:txBody>
       </p:sp>
@@ -458,7 +464,7 @@
           <a:bodyPr vert="horz" lIns="91440" tIns="45720" rIns="91440" bIns="45720" rtlCol="0" anchor="ctr"/>
           <a:lstStyle/>
           <a:p>
-            <a:endParaRPr/>
+            <a:endParaRPr dirty="0"/>
           </a:p>
         </p:txBody>
       </p:sp>
@@ -543,7 +549,7 @@
             </a:lvl1pPr>
           </a:lstStyle>
           <a:p>
-            <a:endParaRPr/>
+            <a:endParaRPr dirty="0"/>
           </a:p>
         </p:txBody>
       </p:sp>
@@ -578,7 +584,7 @@
               <a:rPr/>
               <a:t>‹#›</a:t>
             </a:fld>
-            <a:endParaRPr/>
+            <a:endParaRPr dirty="0"/>
           </a:p>
         </p:txBody>
       </p:sp>
@@ -696,7 +702,7 @@
 </file>
 
 <file path=ppt/slideLayouts/slideLayout1.xml><?xml version="1.0" encoding="utf-8"?>
-<p:sldLayout xmlns:a="http://schemas.openxmlformats.org/drawingml/2006/main" xmlns:r="http://schemas.openxmlformats.org/officeDocument/2006/relationships" xmlns:p="http://schemas.openxmlformats.org/presentationml/2006/main" showMasterSp="0" type="title" preserve="1">
+<p:sldLayout xmlns:a="http://schemas.openxmlformats.org/drawingml/2006/main" xmlns:r="http://schemas.openxmlformats.org/officeDocument/2006/relationships" xmlns:p="http://schemas.openxmlformats.org/presentationml/2006/main" type="title" preserve="1">
   <p:cSld name="Title Slide">
     <p:spTree>
       <p:nvGrpSpPr>
@@ -717,7 +723,7 @@
           <p:cNvPr id="2" name="Title 1">
             <a:extLst>
               <a:ext uri="{FF2B5EF4-FFF2-40B4-BE49-F238E27FC236}">
-                <a16:creationId xmlns:a16="http://schemas.microsoft.com/office/drawing/2014/main" id="{00AAAC0B-9181-431B-82B8-FBC87C1E5AE8}"/>
+                <a16:creationId xmlns:a16="http://schemas.microsoft.com/office/drawing/2014/main" id="{9C34E5FC-9F54-4D6D-B11C-8AFA0AC03C71}"/>
               </a:ext>
             </a:extLst>
           </p:cNvPr>
@@ -755,7 +761,7 @@
           <p:cNvPr id="3" name="Subtitle 2">
             <a:extLst>
               <a:ext uri="{FF2B5EF4-FFF2-40B4-BE49-F238E27FC236}">
-                <a16:creationId xmlns:a16="http://schemas.microsoft.com/office/drawing/2014/main" id="{5B6C7B38-60FE-4C6F-87EF-B16116112AE0}"/>
+                <a16:creationId xmlns:a16="http://schemas.microsoft.com/office/drawing/2014/main" id="{6EBE531B-7386-4EDC-B128-0E7C612C7C9C}"/>
               </a:ext>
             </a:extLst>
           </p:cNvPr>
@@ -826,7 +832,7 @@
           <p:cNvPr id="4" name="Date Placeholder 3">
             <a:extLst>
               <a:ext uri="{FF2B5EF4-FFF2-40B4-BE49-F238E27FC236}">
-                <a16:creationId xmlns:a16="http://schemas.microsoft.com/office/drawing/2014/main" id="{BA896551-CBEE-411F-95E4-1DECC6722366}"/>
+                <a16:creationId xmlns:a16="http://schemas.microsoft.com/office/drawing/2014/main" id="{C62EABB4-41DC-4EB1-B8E6-72C98F143BEB}"/>
               </a:ext>
             </a:extLst>
           </p:cNvPr>
@@ -844,7 +850,7 @@
           <a:p>
             <a:fld id="{48A87A34-81AB-432B-8DAE-1953F412C126}" type="datetimeFigureOut">
               <a:rPr lang="en-US" smtClean="0"/>
-              <a:t>3/26/2024</a:t>
+              <a:t>4/21/2024</a:t>
             </a:fld>
             <a:endParaRPr lang="en-US" dirty="0"/>
           </a:p>
@@ -855,7 +861,7 @@
           <p:cNvPr id="5" name="Footer Placeholder 4">
             <a:extLst>
               <a:ext uri="{FF2B5EF4-FFF2-40B4-BE49-F238E27FC236}">
-                <a16:creationId xmlns:a16="http://schemas.microsoft.com/office/drawing/2014/main" id="{DCACF054-065D-41C7-958A-B46AC90009E0}"/>
+                <a16:creationId xmlns:a16="http://schemas.microsoft.com/office/drawing/2014/main" id="{EC68EC7C-78FF-406D-9BE2-F6B83CD4D8AA}"/>
               </a:ext>
             </a:extLst>
           </p:cNvPr>
@@ -880,7 +886,7 @@
           <p:cNvPr id="6" name="Slide Number Placeholder 5">
             <a:extLst>
               <a:ext uri="{FF2B5EF4-FFF2-40B4-BE49-F238E27FC236}">
-                <a16:creationId xmlns:a16="http://schemas.microsoft.com/office/drawing/2014/main" id="{9CBAA8B7-AC8C-48F8-A6B0-35AE1082D6EC}"/>
+                <a16:creationId xmlns:a16="http://schemas.microsoft.com/office/drawing/2014/main" id="{5CA5F9C2-ED7B-4411-9500-55D78C1E90B0}"/>
               </a:ext>
             </a:extLst>
           </p:cNvPr>
@@ -907,34 +913,23 @@
     </p:spTree>
     <p:extLst>
       <p:ext uri="{BB962C8B-B14F-4D97-AF65-F5344CB8AC3E}">
-        <p14:creationId xmlns:p14="http://schemas.microsoft.com/office/powerpoint/2010/main" val="2447380371"/>
+        <p14:creationId xmlns:p14="http://schemas.microsoft.com/office/powerpoint/2010/main" val="1611301560"/>
       </p:ext>
     </p:extLst>
   </p:cSld>
   <p:clrMapOvr>
     <a:masterClrMapping/>
   </p:clrMapOvr>
-  <p:extLst>
+  <p:extLst mod="1">
     <p:ext uri="{DCECCB84-F9BA-43D5-87BE-67443E8EF086}">
-      <p15:sldGuideLst xmlns:p15="http://schemas.microsoft.com/office/powerpoint/2012/main">
-        <p15:guide id="1" orient="horz" pos="2160" userDrawn="1">
-          <p15:clr>
-            <a:srgbClr val="FBAE40"/>
-          </p15:clr>
-        </p15:guide>
-        <p15:guide id="2" pos="3839" userDrawn="1">
-          <p15:clr>
-            <a:srgbClr val="FBAE40"/>
-          </p15:clr>
-        </p15:guide>
-      </p15:sldGuideLst>
+      <p15:sldGuideLst xmlns:p15="http://schemas.microsoft.com/office/powerpoint/2012/main"/>
     </p:ext>
   </p:extLst>
 </p:sldLayout>
 </file>
 
 <file path=ppt/slideLayouts/slideLayout10.xml><?xml version="1.0" encoding="utf-8"?>
-<p:sldLayout xmlns:a="http://schemas.openxmlformats.org/drawingml/2006/main" xmlns:r="http://schemas.openxmlformats.org/officeDocument/2006/relationships" xmlns:p="http://schemas.openxmlformats.org/presentationml/2006/main" showMasterSp="0" type="vertTx" preserve="1">
+<p:sldLayout xmlns:a="http://schemas.openxmlformats.org/drawingml/2006/main" xmlns:r="http://schemas.openxmlformats.org/officeDocument/2006/relationships" xmlns:p="http://schemas.openxmlformats.org/presentationml/2006/main" type="vertTx" preserve="1">
   <p:cSld name="Title and Vertical Text">
     <p:spTree>
       <p:nvGrpSpPr>
@@ -955,7 +950,7 @@
           <p:cNvPr id="2" name="Title 1">
             <a:extLst>
               <a:ext uri="{FF2B5EF4-FFF2-40B4-BE49-F238E27FC236}">
-                <a16:creationId xmlns:a16="http://schemas.microsoft.com/office/drawing/2014/main" id="{9FFD692A-1534-44B7-95F7-44010D534191}"/>
+                <a16:creationId xmlns:a16="http://schemas.microsoft.com/office/drawing/2014/main" id="{37006D5E-2E35-4631-BA60-1DC71CE75EC8}"/>
               </a:ext>
             </a:extLst>
           </p:cNvPr>
@@ -984,7 +979,7 @@
           <p:cNvPr id="3" name="Vertical Text Placeholder 2">
             <a:extLst>
               <a:ext uri="{FF2B5EF4-FFF2-40B4-BE49-F238E27FC236}">
-                <a16:creationId xmlns:a16="http://schemas.microsoft.com/office/drawing/2014/main" id="{822001FC-E679-4E08-8536-D2A0F7323597}"/>
+                <a16:creationId xmlns:a16="http://schemas.microsoft.com/office/drawing/2014/main" id="{501FC652-B227-4AE3-B4A4-49EC5DAD08E6}"/>
               </a:ext>
             </a:extLst>
           </p:cNvPr>
@@ -1042,7 +1037,7 @@
           <p:cNvPr id="4" name="Date Placeholder 3">
             <a:extLst>
               <a:ext uri="{FF2B5EF4-FFF2-40B4-BE49-F238E27FC236}">
-                <a16:creationId xmlns:a16="http://schemas.microsoft.com/office/drawing/2014/main" id="{08D1D712-2715-4884-B95C-76E4F25EC7EF}"/>
+                <a16:creationId xmlns:a16="http://schemas.microsoft.com/office/drawing/2014/main" id="{2D82B83D-0AA4-416C-92F7-E9C9A97530A1}"/>
               </a:ext>
             </a:extLst>
           </p:cNvPr>
@@ -1060,9 +1055,10 @@
           <a:p>
             <a:fld id="{EDF33987-6305-4E2A-BF18-EF013ECE927B}" type="datetimeFigureOut">
               <a:rPr lang="en-US" smtClean="0"/>
-              <a:t>3/26/2024</a:t>
+              <a:pPr/>
+              <a:t>4/21/2024</a:t>
             </a:fld>
-            <a:endParaRPr lang="en-US"/>
+            <a:endParaRPr lang="en-US" dirty="0"/>
           </a:p>
         </p:txBody>
       </p:sp>
@@ -1071,7 +1067,7 @@
           <p:cNvPr id="5" name="Footer Placeholder 4">
             <a:extLst>
               <a:ext uri="{FF2B5EF4-FFF2-40B4-BE49-F238E27FC236}">
-                <a16:creationId xmlns:a16="http://schemas.microsoft.com/office/drawing/2014/main" id="{B932F689-A51A-423B-96D2-FC2A7452A94E}"/>
+                <a16:creationId xmlns:a16="http://schemas.microsoft.com/office/drawing/2014/main" id="{CD112550-BD59-4553-9974-04A04A4B0F7D}"/>
               </a:ext>
             </a:extLst>
           </p:cNvPr>
@@ -1088,10 +1084,9 @@
           <a:lstStyle/>
           <a:p>
             <a:r>
-              <a:rPr lang="en-US"/>
+              <a:rPr lang="en-US" dirty="0"/>
               <a:t>Add a footer</a:t>
             </a:r>
-            <a:endParaRPr lang="en-US" dirty="0"/>
           </a:p>
         </p:txBody>
       </p:sp>
@@ -1100,7 +1095,7 @@
           <p:cNvPr id="6" name="Slide Number Placeholder 5">
             <a:extLst>
               <a:ext uri="{FF2B5EF4-FFF2-40B4-BE49-F238E27FC236}">
-                <a16:creationId xmlns:a16="http://schemas.microsoft.com/office/drawing/2014/main" id="{17632C00-8C42-4EC2-99D1-E681A299CA36}"/>
+                <a16:creationId xmlns:a16="http://schemas.microsoft.com/office/drawing/2014/main" id="{D96C58CF-FE83-4461-812B-C06D61F086A4}"/>
               </a:ext>
             </a:extLst>
           </p:cNvPr>
@@ -1117,17 +1112,18 @@
           <a:lstStyle/>
           <a:p>
             <a:fld id="{F36C87F6-986D-49E6-AF40-1B3A1EE8064D}" type="slidenum">
-              <a:rPr lang="en-IN" smtClean="0"/>
+              <a:rPr lang="en-US" smtClean="0"/>
+              <a:pPr/>
               <a:t>‹#›</a:t>
             </a:fld>
-            <a:endParaRPr lang="en-IN"/>
+            <a:endParaRPr lang="en-US" dirty="0"/>
           </a:p>
         </p:txBody>
       </p:sp>
     </p:spTree>
     <p:extLst>
       <p:ext uri="{BB962C8B-B14F-4D97-AF65-F5344CB8AC3E}">
-        <p14:creationId xmlns:p14="http://schemas.microsoft.com/office/powerpoint/2010/main" val="178514156"/>
+        <p14:creationId xmlns:p14="http://schemas.microsoft.com/office/powerpoint/2010/main" val="478623465"/>
       </p:ext>
     </p:extLst>
   </p:cSld>
@@ -1138,7 +1134,7 @@
 </file>
 
 <file path=ppt/slideLayouts/slideLayout11.xml><?xml version="1.0" encoding="utf-8"?>
-<p:sldLayout xmlns:a="http://schemas.openxmlformats.org/drawingml/2006/main" xmlns:r="http://schemas.openxmlformats.org/officeDocument/2006/relationships" xmlns:p="http://schemas.openxmlformats.org/presentationml/2006/main" showMasterSp="0" type="vertTitleAndTx" preserve="1">
+<p:sldLayout xmlns:a="http://schemas.openxmlformats.org/drawingml/2006/main" xmlns:r="http://schemas.openxmlformats.org/officeDocument/2006/relationships" xmlns:p="http://schemas.openxmlformats.org/presentationml/2006/main" type="vertTitleAndTx" preserve="1">
   <p:cSld name="Vertical Title and Text">
     <p:spTree>
       <p:nvGrpSpPr>
@@ -1159,7 +1155,7 @@
           <p:cNvPr id="2" name="Vertical Title 1">
             <a:extLst>
               <a:ext uri="{FF2B5EF4-FFF2-40B4-BE49-F238E27FC236}">
-                <a16:creationId xmlns:a16="http://schemas.microsoft.com/office/drawing/2014/main" id="{95591871-A77E-4853-A25C-A7C071B4052B}"/>
+                <a16:creationId xmlns:a16="http://schemas.microsoft.com/office/drawing/2014/main" id="{3C7E9160-D90E-49A7-8AA5-6BA59403EC85}"/>
               </a:ext>
             </a:extLst>
           </p:cNvPr>
@@ -1193,7 +1189,7 @@
           <p:cNvPr id="3" name="Vertical Text Placeholder 2">
             <a:extLst>
               <a:ext uri="{FF2B5EF4-FFF2-40B4-BE49-F238E27FC236}">
-                <a16:creationId xmlns:a16="http://schemas.microsoft.com/office/drawing/2014/main" id="{A5D6B078-1B4C-410E-82E7-E7D6BE0E6211}"/>
+                <a16:creationId xmlns:a16="http://schemas.microsoft.com/office/drawing/2014/main" id="{965A9513-6DD0-4395-A2C5-057653831FD6}"/>
               </a:ext>
             </a:extLst>
           </p:cNvPr>
@@ -1256,7 +1252,7 @@
           <p:cNvPr id="4" name="Date Placeholder 3">
             <a:extLst>
               <a:ext uri="{FF2B5EF4-FFF2-40B4-BE49-F238E27FC236}">
-                <a16:creationId xmlns:a16="http://schemas.microsoft.com/office/drawing/2014/main" id="{08C58D7B-EADD-458A-B901-5799D7E2E517}"/>
+                <a16:creationId xmlns:a16="http://schemas.microsoft.com/office/drawing/2014/main" id="{25F06B7D-28BA-43AA-845C-4A694AD6D741}"/>
               </a:ext>
             </a:extLst>
           </p:cNvPr>
@@ -1274,9 +1270,10 @@
           <a:p>
             <a:fld id="{EDF33987-6305-4E2A-BF18-EF013ECE927B}" type="datetimeFigureOut">
               <a:rPr lang="en-US" smtClean="0"/>
-              <a:t>3/26/2024</a:t>
+              <a:pPr/>
+              <a:t>4/21/2024</a:t>
             </a:fld>
-            <a:endParaRPr lang="en-US"/>
+            <a:endParaRPr lang="en-US" dirty="0"/>
           </a:p>
         </p:txBody>
       </p:sp>
@@ -1285,7 +1282,7 @@
           <p:cNvPr id="5" name="Footer Placeholder 4">
             <a:extLst>
               <a:ext uri="{FF2B5EF4-FFF2-40B4-BE49-F238E27FC236}">
-                <a16:creationId xmlns:a16="http://schemas.microsoft.com/office/drawing/2014/main" id="{48783AAF-0BB9-400D-8A0A-98640F7D6F17}"/>
+                <a16:creationId xmlns:a16="http://schemas.microsoft.com/office/drawing/2014/main" id="{7C4237BC-D0AF-4938-A92A-4FA71650AE91}"/>
               </a:ext>
             </a:extLst>
           </p:cNvPr>
@@ -1302,10 +1299,9 @@
           <a:lstStyle/>
           <a:p>
             <a:r>
-              <a:rPr lang="en-US"/>
+              <a:rPr lang="en-US" dirty="0"/>
               <a:t>Add a footer</a:t>
             </a:r>
-            <a:endParaRPr lang="en-US" dirty="0"/>
           </a:p>
         </p:txBody>
       </p:sp>
@@ -1314,7 +1310,7 @@
           <p:cNvPr id="6" name="Slide Number Placeholder 5">
             <a:extLst>
               <a:ext uri="{FF2B5EF4-FFF2-40B4-BE49-F238E27FC236}">
-                <a16:creationId xmlns:a16="http://schemas.microsoft.com/office/drawing/2014/main" id="{DF220E53-BBCF-4694-BC72-392412BB94AB}"/>
+                <a16:creationId xmlns:a16="http://schemas.microsoft.com/office/drawing/2014/main" id="{2238E16A-F457-418D-888D-BA5F24B892FD}"/>
               </a:ext>
             </a:extLst>
           </p:cNvPr>
@@ -1331,17 +1327,18 @@
           <a:lstStyle/>
           <a:p>
             <a:fld id="{F36C87F6-986D-49E6-AF40-1B3A1EE8064D}" type="slidenum">
-              <a:rPr lang="en-IN" smtClean="0"/>
+              <a:rPr lang="en-US" smtClean="0"/>
+              <a:pPr/>
               <a:t>‹#›</a:t>
             </a:fld>
-            <a:endParaRPr lang="en-IN"/>
+            <a:endParaRPr lang="en-US" dirty="0"/>
           </a:p>
         </p:txBody>
       </p:sp>
     </p:spTree>
     <p:extLst>
       <p:ext uri="{BB962C8B-B14F-4D97-AF65-F5344CB8AC3E}">
-        <p14:creationId xmlns:p14="http://schemas.microsoft.com/office/powerpoint/2010/main" val="2763835999"/>
+        <p14:creationId xmlns:p14="http://schemas.microsoft.com/office/powerpoint/2010/main" val="3275241409"/>
       </p:ext>
     </p:extLst>
   </p:cSld>
@@ -1352,7 +1349,7 @@
 </file>
 
 <file path=ppt/slideLayouts/slideLayout2.xml><?xml version="1.0" encoding="utf-8"?>
-<p:sldLayout xmlns:a="http://schemas.openxmlformats.org/drawingml/2006/main" xmlns:r="http://schemas.openxmlformats.org/officeDocument/2006/relationships" xmlns:p="http://schemas.openxmlformats.org/presentationml/2006/main" showMasterSp="0" type="obj" preserve="1">
+<p:sldLayout xmlns:a="http://schemas.openxmlformats.org/drawingml/2006/main" xmlns:r="http://schemas.openxmlformats.org/officeDocument/2006/relationships" xmlns:p="http://schemas.openxmlformats.org/presentationml/2006/main" type="obj" preserve="1">
   <p:cSld name="Title and Content">
     <p:spTree>
       <p:nvGrpSpPr>
@@ -1373,7 +1370,7 @@
           <p:cNvPr id="2" name="Title 1">
             <a:extLst>
               <a:ext uri="{FF2B5EF4-FFF2-40B4-BE49-F238E27FC236}">
-                <a16:creationId xmlns:a16="http://schemas.microsoft.com/office/drawing/2014/main" id="{521E47B4-372E-4B6E-A218-30EB0A35AB82}"/>
+                <a16:creationId xmlns:a16="http://schemas.microsoft.com/office/drawing/2014/main" id="{68F57D50-0628-49BD-B3B1-8CD0986922B0}"/>
               </a:ext>
             </a:extLst>
           </p:cNvPr>
@@ -1402,7 +1399,7 @@
           <p:cNvPr id="3" name="Content Placeholder 2">
             <a:extLst>
               <a:ext uri="{FF2B5EF4-FFF2-40B4-BE49-F238E27FC236}">
-                <a16:creationId xmlns:a16="http://schemas.microsoft.com/office/drawing/2014/main" id="{DAA0920A-0DB0-4A22-BBC0-C261705F9D8F}"/>
+                <a16:creationId xmlns:a16="http://schemas.microsoft.com/office/drawing/2014/main" id="{D2B1811A-5B89-4135-86E3-10D89A98799C}"/>
               </a:ext>
             </a:extLst>
           </p:cNvPr>
@@ -1460,7 +1457,7 @@
           <p:cNvPr id="4" name="Date Placeholder 3">
             <a:extLst>
               <a:ext uri="{FF2B5EF4-FFF2-40B4-BE49-F238E27FC236}">
-                <a16:creationId xmlns:a16="http://schemas.microsoft.com/office/drawing/2014/main" id="{A906FB0F-6321-4361-8E92-F4B474795651}"/>
+                <a16:creationId xmlns:a16="http://schemas.microsoft.com/office/drawing/2014/main" id="{54AD5646-51FF-4823-B490-72A717923897}"/>
               </a:ext>
             </a:extLst>
           </p:cNvPr>
@@ -1478,9 +1475,10 @@
           <a:p>
             <a:fld id="{EDF33987-6305-4E2A-BF18-EF013ECE927B}" type="datetimeFigureOut">
               <a:rPr lang="en-US" smtClean="0"/>
-              <a:t>3/26/2024</a:t>
+              <a:pPr/>
+              <a:t>4/21/2024</a:t>
             </a:fld>
-            <a:endParaRPr lang="en-US"/>
+            <a:endParaRPr lang="en-US" dirty="0"/>
           </a:p>
         </p:txBody>
       </p:sp>
@@ -1489,7 +1487,7 @@
           <p:cNvPr id="5" name="Footer Placeholder 4">
             <a:extLst>
               <a:ext uri="{FF2B5EF4-FFF2-40B4-BE49-F238E27FC236}">
-                <a16:creationId xmlns:a16="http://schemas.microsoft.com/office/drawing/2014/main" id="{7F32F19C-0868-4F35-8C81-16DB936C07FC}"/>
+                <a16:creationId xmlns:a16="http://schemas.microsoft.com/office/drawing/2014/main" id="{116E4929-1506-4CD0-8DF8-05714EE92BEA}"/>
               </a:ext>
             </a:extLst>
           </p:cNvPr>
@@ -1506,10 +1504,9 @@
           <a:lstStyle/>
           <a:p>
             <a:r>
-              <a:rPr lang="en-US"/>
+              <a:rPr lang="en-US" dirty="0"/>
               <a:t>Add a footer</a:t>
             </a:r>
-            <a:endParaRPr lang="en-US" dirty="0"/>
           </a:p>
         </p:txBody>
       </p:sp>
@@ -1518,7 +1515,7 @@
           <p:cNvPr id="6" name="Slide Number Placeholder 5">
             <a:extLst>
               <a:ext uri="{FF2B5EF4-FFF2-40B4-BE49-F238E27FC236}">
-                <a16:creationId xmlns:a16="http://schemas.microsoft.com/office/drawing/2014/main" id="{E7DDEA44-8766-4CE4-B1B5-F9908B30A2B7}"/>
+                <a16:creationId xmlns:a16="http://schemas.microsoft.com/office/drawing/2014/main" id="{26BE2453-379A-4A5D-91B4-62210A39097F}"/>
               </a:ext>
             </a:extLst>
           </p:cNvPr>
@@ -1535,17 +1532,18 @@
           <a:lstStyle/>
           <a:p>
             <a:fld id="{F36C87F6-986D-49E6-AF40-1B3A1EE8064D}" type="slidenum">
-              <a:rPr lang="en-IN" smtClean="0"/>
+              <a:rPr lang="en-US" smtClean="0"/>
+              <a:pPr/>
               <a:t>‹#›</a:t>
             </a:fld>
-            <a:endParaRPr lang="en-IN"/>
+            <a:endParaRPr lang="en-US" dirty="0"/>
           </a:p>
         </p:txBody>
       </p:sp>
     </p:spTree>
     <p:extLst>
       <p:ext uri="{BB962C8B-B14F-4D97-AF65-F5344CB8AC3E}">
-        <p14:creationId xmlns:p14="http://schemas.microsoft.com/office/powerpoint/2010/main" val="3683288345"/>
+        <p14:creationId xmlns:p14="http://schemas.microsoft.com/office/powerpoint/2010/main" val="4289228176"/>
       </p:ext>
     </p:extLst>
   </p:cSld>
@@ -1556,7 +1554,7 @@
 </file>
 
 <file path=ppt/slideLayouts/slideLayout3.xml><?xml version="1.0" encoding="utf-8"?>
-<p:sldLayout xmlns:a="http://schemas.openxmlformats.org/drawingml/2006/main" xmlns:r="http://schemas.openxmlformats.org/officeDocument/2006/relationships" xmlns:p="http://schemas.openxmlformats.org/presentationml/2006/main" showMasterSp="0" type="secHead" preserve="1">
+<p:sldLayout xmlns:a="http://schemas.openxmlformats.org/drawingml/2006/main" xmlns:r="http://schemas.openxmlformats.org/officeDocument/2006/relationships" xmlns:p="http://schemas.openxmlformats.org/presentationml/2006/main" type="secHead" preserve="1">
   <p:cSld name="Section Header">
     <p:spTree>
       <p:nvGrpSpPr>
@@ -1577,7 +1575,7 @@
           <p:cNvPr id="2" name="Title 1">
             <a:extLst>
               <a:ext uri="{FF2B5EF4-FFF2-40B4-BE49-F238E27FC236}">
-                <a16:creationId xmlns:a16="http://schemas.microsoft.com/office/drawing/2014/main" id="{0237C18D-9037-44CB-9AB8-4C45308C6DC6}"/>
+                <a16:creationId xmlns:a16="http://schemas.microsoft.com/office/drawing/2014/main" id="{BC1A21AA-AFF5-4939-870B-626E3DEA964F}"/>
               </a:ext>
             </a:extLst>
           </p:cNvPr>
@@ -1615,7 +1613,7 @@
           <p:cNvPr id="3" name="Text Placeholder 2">
             <a:extLst>
               <a:ext uri="{FF2B5EF4-FFF2-40B4-BE49-F238E27FC236}">
-                <a16:creationId xmlns:a16="http://schemas.microsoft.com/office/drawing/2014/main" id="{8FFF7D90-F015-4823-AD9A-DC34149CB8CE}"/>
+                <a16:creationId xmlns:a16="http://schemas.microsoft.com/office/drawing/2014/main" id="{969935E6-8E7B-4235-B41D-BF0AB628BAA9}"/>
               </a:ext>
             </a:extLst>
           </p:cNvPr>
@@ -1740,7 +1738,7 @@
           <p:cNvPr id="4" name="Date Placeholder 3">
             <a:extLst>
               <a:ext uri="{FF2B5EF4-FFF2-40B4-BE49-F238E27FC236}">
-                <a16:creationId xmlns:a16="http://schemas.microsoft.com/office/drawing/2014/main" id="{E97AA7EB-F260-4479-88B7-C7DAED2B8BF1}"/>
+                <a16:creationId xmlns:a16="http://schemas.microsoft.com/office/drawing/2014/main" id="{9016939E-C678-4E90-B93C-6F25ADACF232}"/>
               </a:ext>
             </a:extLst>
           </p:cNvPr>
@@ -1758,9 +1756,9 @@
           <a:p>
             <a:fld id="{EDF33987-6305-4E2A-BF18-EF013ECE927B}" type="datetimeFigureOut">
               <a:rPr lang="en-US" smtClean="0"/>
-              <a:t>3/26/2024</a:t>
+              <a:t>4/21/2024</a:t>
             </a:fld>
-            <a:endParaRPr lang="en-US"/>
+            <a:endParaRPr lang="en-US" dirty="0"/>
           </a:p>
         </p:txBody>
       </p:sp>
@@ -1769,7 +1767,7 @@
           <p:cNvPr id="5" name="Footer Placeholder 4">
             <a:extLst>
               <a:ext uri="{FF2B5EF4-FFF2-40B4-BE49-F238E27FC236}">
-                <a16:creationId xmlns:a16="http://schemas.microsoft.com/office/drawing/2014/main" id="{AFB6C900-413B-4AEE-A6D5-DABC2171BED7}"/>
+                <a16:creationId xmlns:a16="http://schemas.microsoft.com/office/drawing/2014/main" id="{FD74C25E-0C1F-48E5-9EBC-D5FEBF5BD0BA}"/>
               </a:ext>
             </a:extLst>
           </p:cNvPr>
@@ -1786,10 +1784,9 @@
           <a:lstStyle/>
           <a:p>
             <a:r>
-              <a:rPr lang="en-US"/>
+              <a:rPr lang="en-US" dirty="0"/>
               <a:t>Add a footer</a:t>
             </a:r>
-            <a:endParaRPr lang="en-US" dirty="0"/>
           </a:p>
         </p:txBody>
       </p:sp>
@@ -1798,7 +1795,7 @@
           <p:cNvPr id="6" name="Slide Number Placeholder 5">
             <a:extLst>
               <a:ext uri="{FF2B5EF4-FFF2-40B4-BE49-F238E27FC236}">
-                <a16:creationId xmlns:a16="http://schemas.microsoft.com/office/drawing/2014/main" id="{B94A7D89-1E87-4331-9FC7-DBE7BE568D39}"/>
+                <a16:creationId xmlns:a16="http://schemas.microsoft.com/office/drawing/2014/main" id="{0E935709-D66C-4B06-B24B-A8CA483C29D4}"/>
               </a:ext>
             </a:extLst>
           </p:cNvPr>
@@ -1818,14 +1815,14 @@
               <a:rPr lang="en-IN" smtClean="0"/>
               <a:t>‹#›</a:t>
             </a:fld>
-            <a:endParaRPr lang="en-IN"/>
+            <a:endParaRPr lang="en-IN" dirty="0"/>
           </a:p>
         </p:txBody>
       </p:sp>
     </p:spTree>
     <p:extLst>
       <p:ext uri="{BB962C8B-B14F-4D97-AF65-F5344CB8AC3E}">
-        <p14:creationId xmlns:p14="http://schemas.microsoft.com/office/powerpoint/2010/main" val="2332486479"/>
+        <p14:creationId xmlns:p14="http://schemas.microsoft.com/office/powerpoint/2010/main" val="3740750841"/>
       </p:ext>
     </p:extLst>
   </p:cSld>
@@ -1836,7 +1833,7 @@
 </file>
 
 <file path=ppt/slideLayouts/slideLayout4.xml><?xml version="1.0" encoding="utf-8"?>
-<p:sldLayout xmlns:a="http://schemas.openxmlformats.org/drawingml/2006/main" xmlns:r="http://schemas.openxmlformats.org/officeDocument/2006/relationships" xmlns:p="http://schemas.openxmlformats.org/presentationml/2006/main" showMasterSp="0" type="twoObj" preserve="1">
+<p:sldLayout xmlns:a="http://schemas.openxmlformats.org/drawingml/2006/main" xmlns:r="http://schemas.openxmlformats.org/officeDocument/2006/relationships" xmlns:p="http://schemas.openxmlformats.org/presentationml/2006/main" type="twoObj" preserve="1">
   <p:cSld name="Two Content">
     <p:spTree>
       <p:nvGrpSpPr>
@@ -1857,7 +1854,7 @@
           <p:cNvPr id="2" name="Title 1">
             <a:extLst>
               <a:ext uri="{FF2B5EF4-FFF2-40B4-BE49-F238E27FC236}">
-                <a16:creationId xmlns:a16="http://schemas.microsoft.com/office/drawing/2014/main" id="{53BCD8BD-603B-475B-B010-9B66C600B22A}"/>
+                <a16:creationId xmlns:a16="http://schemas.microsoft.com/office/drawing/2014/main" id="{1F706E75-0EB2-4A34-9528-73903D9268D5}"/>
               </a:ext>
             </a:extLst>
           </p:cNvPr>
@@ -1886,7 +1883,7 @@
           <p:cNvPr id="3" name="Content Placeholder 2">
             <a:extLst>
               <a:ext uri="{FF2B5EF4-FFF2-40B4-BE49-F238E27FC236}">
-                <a16:creationId xmlns:a16="http://schemas.microsoft.com/office/drawing/2014/main" id="{BA9CDAED-061B-4551-83E1-D6D4391B39E1}"/>
+                <a16:creationId xmlns:a16="http://schemas.microsoft.com/office/drawing/2014/main" id="{BA609A3A-FDAC-4017-8889-5A50BA419D8D}"/>
               </a:ext>
             </a:extLst>
           </p:cNvPr>
@@ -1949,7 +1946,7 @@
           <p:cNvPr id="4" name="Content Placeholder 3">
             <a:extLst>
               <a:ext uri="{FF2B5EF4-FFF2-40B4-BE49-F238E27FC236}">
-                <a16:creationId xmlns:a16="http://schemas.microsoft.com/office/drawing/2014/main" id="{C3508910-C2DF-40D9-A5DC-F9C3EBB1FD9D}"/>
+                <a16:creationId xmlns:a16="http://schemas.microsoft.com/office/drawing/2014/main" id="{CCF0A3FF-84E8-4AE2-9CB5-D9A4E10CF1D5}"/>
               </a:ext>
             </a:extLst>
           </p:cNvPr>
@@ -2012,7 +2009,7 @@
           <p:cNvPr id="5" name="Date Placeholder 4">
             <a:extLst>
               <a:ext uri="{FF2B5EF4-FFF2-40B4-BE49-F238E27FC236}">
-                <a16:creationId xmlns:a16="http://schemas.microsoft.com/office/drawing/2014/main" id="{F269533E-E215-4C3D-9D0E-31F099AADE17}"/>
+                <a16:creationId xmlns:a16="http://schemas.microsoft.com/office/drawing/2014/main" id="{E5CFE371-B612-47B8-B963-383055D28690}"/>
               </a:ext>
             </a:extLst>
           </p:cNvPr>
@@ -2030,9 +2027,10 @@
           <a:p>
             <a:fld id="{EDF33987-6305-4E2A-BF18-EF013ECE927B}" type="datetimeFigureOut">
               <a:rPr lang="en-US" smtClean="0"/>
-              <a:t>3/26/2024</a:t>
+              <a:pPr/>
+              <a:t>4/21/2024</a:t>
             </a:fld>
-            <a:endParaRPr lang="en-US"/>
+            <a:endParaRPr lang="en-US" dirty="0"/>
           </a:p>
         </p:txBody>
       </p:sp>
@@ -2041,7 +2039,7 @@
           <p:cNvPr id="6" name="Footer Placeholder 5">
             <a:extLst>
               <a:ext uri="{FF2B5EF4-FFF2-40B4-BE49-F238E27FC236}">
-                <a16:creationId xmlns:a16="http://schemas.microsoft.com/office/drawing/2014/main" id="{CF8C2778-A91E-4D94-87EF-49D39959100B}"/>
+                <a16:creationId xmlns:a16="http://schemas.microsoft.com/office/drawing/2014/main" id="{7D9CF69B-F59F-43E9-85C7-C699E5B019B0}"/>
               </a:ext>
             </a:extLst>
           </p:cNvPr>
@@ -2058,10 +2056,9 @@
           <a:lstStyle/>
           <a:p>
             <a:r>
-              <a:rPr lang="en-US"/>
+              <a:rPr lang="en-US" dirty="0"/>
               <a:t>Add a footer</a:t>
             </a:r>
-            <a:endParaRPr lang="en-US" dirty="0"/>
           </a:p>
         </p:txBody>
       </p:sp>
@@ -2070,7 +2067,7 @@
           <p:cNvPr id="7" name="Slide Number Placeholder 6">
             <a:extLst>
               <a:ext uri="{FF2B5EF4-FFF2-40B4-BE49-F238E27FC236}">
-                <a16:creationId xmlns:a16="http://schemas.microsoft.com/office/drawing/2014/main" id="{724D3D13-6570-4DDE-943D-6B56CCCE8021}"/>
+                <a16:creationId xmlns:a16="http://schemas.microsoft.com/office/drawing/2014/main" id="{87EB832C-B7B4-4EAE-91B8-DD4A5593D06D}"/>
               </a:ext>
             </a:extLst>
           </p:cNvPr>
@@ -2087,17 +2084,18 @@
           <a:lstStyle/>
           <a:p>
             <a:fld id="{F36C87F6-986D-49E6-AF40-1B3A1EE8064D}" type="slidenum">
-              <a:rPr lang="en-IN" smtClean="0"/>
+              <a:rPr lang="en-US" smtClean="0"/>
+              <a:pPr/>
               <a:t>‹#›</a:t>
             </a:fld>
-            <a:endParaRPr lang="en-IN"/>
+            <a:endParaRPr lang="en-US" dirty="0"/>
           </a:p>
         </p:txBody>
       </p:sp>
     </p:spTree>
     <p:extLst>
       <p:ext uri="{BB962C8B-B14F-4D97-AF65-F5344CB8AC3E}">
-        <p14:creationId xmlns:p14="http://schemas.microsoft.com/office/powerpoint/2010/main" val="1083135338"/>
+        <p14:creationId xmlns:p14="http://schemas.microsoft.com/office/powerpoint/2010/main" val="4245255332"/>
       </p:ext>
     </p:extLst>
   </p:cSld>
@@ -2108,7 +2106,7 @@
 </file>
 
 <file path=ppt/slideLayouts/slideLayout5.xml><?xml version="1.0" encoding="utf-8"?>
-<p:sldLayout xmlns:a="http://schemas.openxmlformats.org/drawingml/2006/main" xmlns:r="http://schemas.openxmlformats.org/officeDocument/2006/relationships" xmlns:p="http://schemas.openxmlformats.org/presentationml/2006/main" showMasterSp="0" type="twoTxTwoObj" preserve="1">
+<p:sldLayout xmlns:a="http://schemas.openxmlformats.org/drawingml/2006/main" xmlns:r="http://schemas.openxmlformats.org/officeDocument/2006/relationships" xmlns:p="http://schemas.openxmlformats.org/presentationml/2006/main" type="twoTxTwoObj" preserve="1">
   <p:cSld name="Comparison">
     <p:spTree>
       <p:nvGrpSpPr>
@@ -2129,7 +2127,7 @@
           <p:cNvPr id="2" name="Title 1">
             <a:extLst>
               <a:ext uri="{FF2B5EF4-FFF2-40B4-BE49-F238E27FC236}">
-                <a16:creationId xmlns:a16="http://schemas.microsoft.com/office/drawing/2014/main" id="{A38D5D5E-C382-4CA1-AE0A-5D79C121CEBE}"/>
+                <a16:creationId xmlns:a16="http://schemas.microsoft.com/office/drawing/2014/main" id="{778F0550-5E52-4F51-ADD1-22447D992899}"/>
               </a:ext>
             </a:extLst>
           </p:cNvPr>
@@ -2163,7 +2161,7 @@
           <p:cNvPr id="3" name="Text Placeholder 2">
             <a:extLst>
               <a:ext uri="{FF2B5EF4-FFF2-40B4-BE49-F238E27FC236}">
-                <a16:creationId xmlns:a16="http://schemas.microsoft.com/office/drawing/2014/main" id="{D702B2FF-8395-4576-8D82-E8FD90CC0C34}"/>
+                <a16:creationId xmlns:a16="http://schemas.microsoft.com/office/drawing/2014/main" id="{6FCA9A54-58D7-4F93-8091-41737CD3791C}"/>
               </a:ext>
             </a:extLst>
           </p:cNvPr>
@@ -2234,7 +2232,7 @@
           <p:cNvPr id="4" name="Content Placeholder 3">
             <a:extLst>
               <a:ext uri="{FF2B5EF4-FFF2-40B4-BE49-F238E27FC236}">
-                <a16:creationId xmlns:a16="http://schemas.microsoft.com/office/drawing/2014/main" id="{9CABDF10-35FF-4983-8C8E-2557A97E7E96}"/>
+                <a16:creationId xmlns:a16="http://schemas.microsoft.com/office/drawing/2014/main" id="{90DC5827-ED55-4F9B-B9E8-4B116E95A01E}"/>
               </a:ext>
             </a:extLst>
           </p:cNvPr>
@@ -2297,7 +2295,7 @@
           <p:cNvPr id="5" name="Text Placeholder 4">
             <a:extLst>
               <a:ext uri="{FF2B5EF4-FFF2-40B4-BE49-F238E27FC236}">
-                <a16:creationId xmlns:a16="http://schemas.microsoft.com/office/drawing/2014/main" id="{17244938-1253-4AA8-9C11-925225FE874F}"/>
+                <a16:creationId xmlns:a16="http://schemas.microsoft.com/office/drawing/2014/main" id="{8D9FD573-7B58-408F-B971-43C863DB3D3A}"/>
               </a:ext>
             </a:extLst>
           </p:cNvPr>
@@ -2368,7 +2366,7 @@
           <p:cNvPr id="6" name="Content Placeholder 5">
             <a:extLst>
               <a:ext uri="{FF2B5EF4-FFF2-40B4-BE49-F238E27FC236}">
-                <a16:creationId xmlns:a16="http://schemas.microsoft.com/office/drawing/2014/main" id="{051C2EF8-DC7E-4179-A580-D583EFAC7E4E}"/>
+                <a16:creationId xmlns:a16="http://schemas.microsoft.com/office/drawing/2014/main" id="{4F9D7794-549E-465D-AF15-1A70892D8DB1}"/>
               </a:ext>
             </a:extLst>
           </p:cNvPr>
@@ -2431,7 +2429,7 @@
           <p:cNvPr id="7" name="Date Placeholder 6">
             <a:extLst>
               <a:ext uri="{FF2B5EF4-FFF2-40B4-BE49-F238E27FC236}">
-                <a16:creationId xmlns:a16="http://schemas.microsoft.com/office/drawing/2014/main" id="{A442D552-CAA7-49EE-9EB7-76731DEEDEAA}"/>
+                <a16:creationId xmlns:a16="http://schemas.microsoft.com/office/drawing/2014/main" id="{EAA03D06-9C02-4353-8293-8171760CE9EF}"/>
               </a:ext>
             </a:extLst>
           </p:cNvPr>
@@ -2449,9 +2447,10 @@
           <a:p>
             <a:fld id="{EDF33987-6305-4E2A-BF18-EF013ECE927B}" type="datetimeFigureOut">
               <a:rPr lang="en-US" smtClean="0"/>
-              <a:t>3/26/2024</a:t>
+              <a:pPr/>
+              <a:t>4/21/2024</a:t>
             </a:fld>
-            <a:endParaRPr lang="en-US"/>
+            <a:endParaRPr lang="en-US" dirty="0"/>
           </a:p>
         </p:txBody>
       </p:sp>
@@ -2460,7 +2459,7 @@
           <p:cNvPr id="8" name="Footer Placeholder 7">
             <a:extLst>
               <a:ext uri="{FF2B5EF4-FFF2-40B4-BE49-F238E27FC236}">
-                <a16:creationId xmlns:a16="http://schemas.microsoft.com/office/drawing/2014/main" id="{C6EADDEA-FD2B-450A-A1B7-978DD62DF09D}"/>
+                <a16:creationId xmlns:a16="http://schemas.microsoft.com/office/drawing/2014/main" id="{57E36460-8067-4780-8314-A29A5A133A0F}"/>
               </a:ext>
             </a:extLst>
           </p:cNvPr>
@@ -2477,10 +2476,9 @@
           <a:lstStyle/>
           <a:p>
             <a:r>
-              <a:rPr lang="en-US"/>
+              <a:rPr lang="en-US" dirty="0"/>
               <a:t>Add a footer</a:t>
             </a:r>
-            <a:endParaRPr lang="en-US" dirty="0"/>
           </a:p>
         </p:txBody>
       </p:sp>
@@ -2489,7 +2487,7 @@
           <p:cNvPr id="9" name="Slide Number Placeholder 8">
             <a:extLst>
               <a:ext uri="{FF2B5EF4-FFF2-40B4-BE49-F238E27FC236}">
-                <a16:creationId xmlns:a16="http://schemas.microsoft.com/office/drawing/2014/main" id="{4DB57F24-A9FB-4AC1-9986-A9A62BC0679B}"/>
+                <a16:creationId xmlns:a16="http://schemas.microsoft.com/office/drawing/2014/main" id="{43FFDE59-E19B-4380-A6D5-6E26DD51D8B0}"/>
               </a:ext>
             </a:extLst>
           </p:cNvPr>
@@ -2506,17 +2504,18 @@
           <a:lstStyle/>
           <a:p>
             <a:fld id="{F36C87F6-986D-49E6-AF40-1B3A1EE8064D}" type="slidenum">
-              <a:rPr lang="en-IN" smtClean="0"/>
+              <a:rPr lang="en-US" smtClean="0"/>
+              <a:pPr/>
               <a:t>‹#›</a:t>
             </a:fld>
-            <a:endParaRPr lang="en-IN"/>
+            <a:endParaRPr lang="en-US" dirty="0"/>
           </a:p>
         </p:txBody>
       </p:sp>
     </p:spTree>
     <p:extLst>
       <p:ext uri="{BB962C8B-B14F-4D97-AF65-F5344CB8AC3E}">
-        <p14:creationId xmlns:p14="http://schemas.microsoft.com/office/powerpoint/2010/main" val="4106206016"/>
+        <p14:creationId xmlns:p14="http://schemas.microsoft.com/office/powerpoint/2010/main" val="1312938594"/>
       </p:ext>
     </p:extLst>
   </p:cSld>
@@ -2527,7 +2526,7 @@
 </file>
 
 <file path=ppt/slideLayouts/slideLayout6.xml><?xml version="1.0" encoding="utf-8"?>
-<p:sldLayout xmlns:a="http://schemas.openxmlformats.org/drawingml/2006/main" xmlns:r="http://schemas.openxmlformats.org/officeDocument/2006/relationships" xmlns:p="http://schemas.openxmlformats.org/presentationml/2006/main" showMasterSp="0" type="titleOnly" preserve="1">
+<p:sldLayout xmlns:a="http://schemas.openxmlformats.org/drawingml/2006/main" xmlns:r="http://schemas.openxmlformats.org/officeDocument/2006/relationships" xmlns:p="http://schemas.openxmlformats.org/presentationml/2006/main" type="titleOnly" preserve="1">
   <p:cSld name="Title Only">
     <p:spTree>
       <p:nvGrpSpPr>
@@ -2548,7 +2547,7 @@
           <p:cNvPr id="2" name="Title 1">
             <a:extLst>
               <a:ext uri="{FF2B5EF4-FFF2-40B4-BE49-F238E27FC236}">
-                <a16:creationId xmlns:a16="http://schemas.microsoft.com/office/drawing/2014/main" id="{0C9B15A5-31C3-497D-B891-0D66B90EADEF}"/>
+                <a16:creationId xmlns:a16="http://schemas.microsoft.com/office/drawing/2014/main" id="{5721C0C1-6084-437D-B5CB-28B119A1EA26}"/>
               </a:ext>
             </a:extLst>
           </p:cNvPr>
@@ -2577,7 +2576,7 @@
           <p:cNvPr id="3" name="Date Placeholder 2">
             <a:extLst>
               <a:ext uri="{FF2B5EF4-FFF2-40B4-BE49-F238E27FC236}">
-                <a16:creationId xmlns:a16="http://schemas.microsoft.com/office/drawing/2014/main" id="{EDD4DAF5-89E5-4D28-BC64-9F940B68F368}"/>
+                <a16:creationId xmlns:a16="http://schemas.microsoft.com/office/drawing/2014/main" id="{53C4FFA0-DBF0-4873-B5A1-E78CDDD4CC30}"/>
               </a:ext>
             </a:extLst>
           </p:cNvPr>
@@ -2595,9 +2594,9 @@
           <a:p>
             <a:fld id="{EDF33987-6305-4E2A-BF18-EF013ECE927B}" type="datetimeFigureOut">
               <a:rPr lang="en-US" smtClean="0"/>
-              <a:t>3/26/2024</a:t>
+              <a:t>4/21/2024</a:t>
             </a:fld>
-            <a:endParaRPr lang="en-US"/>
+            <a:endParaRPr lang="en-US" dirty="0"/>
           </a:p>
         </p:txBody>
       </p:sp>
@@ -2606,7 +2605,7 @@
           <p:cNvPr id="4" name="Footer Placeholder 3">
             <a:extLst>
               <a:ext uri="{FF2B5EF4-FFF2-40B4-BE49-F238E27FC236}">
-                <a16:creationId xmlns:a16="http://schemas.microsoft.com/office/drawing/2014/main" id="{990D8DB8-F5C3-413B-8D65-F421FB610702}"/>
+                <a16:creationId xmlns:a16="http://schemas.microsoft.com/office/drawing/2014/main" id="{2AC2DD58-2C3B-497E-8F2D-9A6644D0B7E3}"/>
               </a:ext>
             </a:extLst>
           </p:cNvPr>
@@ -2623,10 +2622,9 @@
           <a:lstStyle/>
           <a:p>
             <a:r>
-              <a:rPr lang="en-US"/>
+              <a:rPr lang="en-US" dirty="0"/>
               <a:t>Add a footer</a:t>
             </a:r>
-            <a:endParaRPr lang="en-US" dirty="0"/>
           </a:p>
         </p:txBody>
       </p:sp>
@@ -2635,7 +2633,7 @@
           <p:cNvPr id="5" name="Slide Number Placeholder 4">
             <a:extLst>
               <a:ext uri="{FF2B5EF4-FFF2-40B4-BE49-F238E27FC236}">
-                <a16:creationId xmlns:a16="http://schemas.microsoft.com/office/drawing/2014/main" id="{CD450BE5-51AD-4379-B6F4-7881E8C4A811}"/>
+                <a16:creationId xmlns:a16="http://schemas.microsoft.com/office/drawing/2014/main" id="{74299A6C-A66E-43F3-80A4-4666B610789F}"/>
               </a:ext>
             </a:extLst>
           </p:cNvPr>
@@ -2655,14 +2653,14 @@
               <a:rPr lang="en-IN" smtClean="0"/>
               <a:t>‹#›</a:t>
             </a:fld>
-            <a:endParaRPr lang="en-IN"/>
+            <a:endParaRPr lang="en-IN" dirty="0"/>
           </a:p>
         </p:txBody>
       </p:sp>
     </p:spTree>
     <p:extLst>
       <p:ext uri="{BB962C8B-B14F-4D97-AF65-F5344CB8AC3E}">
-        <p14:creationId xmlns:p14="http://schemas.microsoft.com/office/powerpoint/2010/main" val="2828564204"/>
+        <p14:creationId xmlns:p14="http://schemas.microsoft.com/office/powerpoint/2010/main" val="3939510898"/>
       </p:ext>
     </p:extLst>
   </p:cSld>
@@ -2673,7 +2671,7 @@
 </file>
 
 <file path=ppt/slideLayouts/slideLayout7.xml><?xml version="1.0" encoding="utf-8"?>
-<p:sldLayout xmlns:a="http://schemas.openxmlformats.org/drawingml/2006/main" xmlns:r="http://schemas.openxmlformats.org/officeDocument/2006/relationships" xmlns:p="http://schemas.openxmlformats.org/presentationml/2006/main" showMasterSp="0" type="blank" preserve="1">
+<p:sldLayout xmlns:a="http://schemas.openxmlformats.org/drawingml/2006/main" xmlns:r="http://schemas.openxmlformats.org/officeDocument/2006/relationships" xmlns:p="http://schemas.openxmlformats.org/presentationml/2006/main" type="blank" preserve="1">
   <p:cSld name="Blank">
     <p:spTree>
       <p:nvGrpSpPr>
@@ -2694,7 +2692,7 @@
           <p:cNvPr id="2" name="Date Placeholder 1">
             <a:extLst>
               <a:ext uri="{FF2B5EF4-FFF2-40B4-BE49-F238E27FC236}">
-                <a16:creationId xmlns:a16="http://schemas.microsoft.com/office/drawing/2014/main" id="{C2CE15F5-F82D-4A67-83F3-F0965C484B15}"/>
+                <a16:creationId xmlns:a16="http://schemas.microsoft.com/office/drawing/2014/main" id="{75499519-8CFA-4374-90BF-34AD8CD61345}"/>
               </a:ext>
             </a:extLst>
           </p:cNvPr>
@@ -2712,9 +2710,9 @@
           <a:p>
             <a:fld id="{EDF33987-6305-4E2A-BF18-EF013ECE927B}" type="datetimeFigureOut">
               <a:rPr lang="en-US" smtClean="0"/>
-              <a:t>3/26/2024</a:t>
+              <a:t>4/21/2024</a:t>
             </a:fld>
-            <a:endParaRPr lang="en-US"/>
+            <a:endParaRPr lang="en-US" dirty="0"/>
           </a:p>
         </p:txBody>
       </p:sp>
@@ -2723,7 +2721,7 @@
           <p:cNvPr id="3" name="Footer Placeholder 2">
             <a:extLst>
               <a:ext uri="{FF2B5EF4-FFF2-40B4-BE49-F238E27FC236}">
-                <a16:creationId xmlns:a16="http://schemas.microsoft.com/office/drawing/2014/main" id="{F0D55F12-CA6C-48CA-9197-89B21DE7CBEB}"/>
+                <a16:creationId xmlns:a16="http://schemas.microsoft.com/office/drawing/2014/main" id="{E241AF81-7198-4E58-99FE-27171D64878A}"/>
               </a:ext>
             </a:extLst>
           </p:cNvPr>
@@ -2740,10 +2738,9 @@
           <a:lstStyle/>
           <a:p>
             <a:r>
-              <a:rPr lang="en-US"/>
+              <a:rPr lang="en-US" dirty="0"/>
               <a:t>Add a footer</a:t>
             </a:r>
-            <a:endParaRPr lang="en-US" dirty="0"/>
           </a:p>
         </p:txBody>
       </p:sp>
@@ -2752,7 +2749,7 @@
           <p:cNvPr id="4" name="Slide Number Placeholder 3">
             <a:extLst>
               <a:ext uri="{FF2B5EF4-FFF2-40B4-BE49-F238E27FC236}">
-                <a16:creationId xmlns:a16="http://schemas.microsoft.com/office/drawing/2014/main" id="{28328BEF-733B-43BF-B387-173A4187DF76}"/>
+                <a16:creationId xmlns:a16="http://schemas.microsoft.com/office/drawing/2014/main" id="{0B7A0784-1786-44E9-A713-EFCA3707E34D}"/>
               </a:ext>
             </a:extLst>
           </p:cNvPr>
@@ -2772,14 +2769,14 @@
               <a:rPr lang="en-IN" smtClean="0"/>
               <a:t>‹#›</a:t>
             </a:fld>
-            <a:endParaRPr lang="en-IN"/>
+            <a:endParaRPr lang="en-IN" dirty="0"/>
           </a:p>
         </p:txBody>
       </p:sp>
     </p:spTree>
     <p:extLst>
       <p:ext uri="{BB962C8B-B14F-4D97-AF65-F5344CB8AC3E}">
-        <p14:creationId xmlns:p14="http://schemas.microsoft.com/office/powerpoint/2010/main" val="2888065359"/>
+        <p14:creationId xmlns:p14="http://schemas.microsoft.com/office/powerpoint/2010/main" val="2175413794"/>
       </p:ext>
     </p:extLst>
   </p:cSld>
@@ -2790,7 +2787,7 @@
 </file>
 
 <file path=ppt/slideLayouts/slideLayout8.xml><?xml version="1.0" encoding="utf-8"?>
-<p:sldLayout xmlns:a="http://schemas.openxmlformats.org/drawingml/2006/main" xmlns:r="http://schemas.openxmlformats.org/officeDocument/2006/relationships" xmlns:p="http://schemas.openxmlformats.org/presentationml/2006/main" showMasterSp="0" type="objTx" preserve="1">
+<p:sldLayout xmlns:a="http://schemas.openxmlformats.org/drawingml/2006/main" xmlns:r="http://schemas.openxmlformats.org/officeDocument/2006/relationships" xmlns:p="http://schemas.openxmlformats.org/presentationml/2006/main" type="objTx" preserve="1">
   <p:cSld name="Content with Caption">
     <p:spTree>
       <p:nvGrpSpPr>
@@ -2811,7 +2808,7 @@
           <p:cNvPr id="2" name="Title 1">
             <a:extLst>
               <a:ext uri="{FF2B5EF4-FFF2-40B4-BE49-F238E27FC236}">
-                <a16:creationId xmlns:a16="http://schemas.microsoft.com/office/drawing/2014/main" id="{A152AF63-066A-49DF-AF03-8A04CF1BACF1}"/>
+                <a16:creationId xmlns:a16="http://schemas.microsoft.com/office/drawing/2014/main" id="{AA3BAD20-4807-4FA3-A5E4-3D15E96EBA0A}"/>
               </a:ext>
             </a:extLst>
           </p:cNvPr>
@@ -2849,7 +2846,7 @@
           <p:cNvPr id="3" name="Content Placeholder 2">
             <a:extLst>
               <a:ext uri="{FF2B5EF4-FFF2-40B4-BE49-F238E27FC236}">
-                <a16:creationId xmlns:a16="http://schemas.microsoft.com/office/drawing/2014/main" id="{8A38DDF7-907D-4F6F-920A-9A9E2BBF198C}"/>
+                <a16:creationId xmlns:a16="http://schemas.microsoft.com/office/drawing/2014/main" id="{968D8DD4-0DDC-40E0-A783-383C192F7FD7}"/>
               </a:ext>
             </a:extLst>
           </p:cNvPr>
@@ -2940,7 +2937,7 @@
           <p:cNvPr id="4" name="Text Placeholder 3">
             <a:extLst>
               <a:ext uri="{FF2B5EF4-FFF2-40B4-BE49-F238E27FC236}">
-                <a16:creationId xmlns:a16="http://schemas.microsoft.com/office/drawing/2014/main" id="{850CAE19-0C84-4445-890A-89811688821A}"/>
+                <a16:creationId xmlns:a16="http://schemas.microsoft.com/office/drawing/2014/main" id="{816FB4D9-63D4-40FA-BB8E-43A0EEAD61C7}"/>
               </a:ext>
             </a:extLst>
           </p:cNvPr>
@@ -3011,7 +3008,7 @@
           <p:cNvPr id="5" name="Date Placeholder 4">
             <a:extLst>
               <a:ext uri="{FF2B5EF4-FFF2-40B4-BE49-F238E27FC236}">
-                <a16:creationId xmlns:a16="http://schemas.microsoft.com/office/drawing/2014/main" id="{3AF76597-0291-4220-816B-5C702ECAFFE0}"/>
+                <a16:creationId xmlns:a16="http://schemas.microsoft.com/office/drawing/2014/main" id="{6218B833-F5B8-45A2-A888-9F66C00CD4D5}"/>
               </a:ext>
             </a:extLst>
           </p:cNvPr>
@@ -3029,9 +3026,10 @@
           <a:p>
             <a:fld id="{EDF33987-6305-4E2A-BF18-EF013ECE927B}" type="datetimeFigureOut">
               <a:rPr lang="en-US" smtClean="0"/>
-              <a:t>3/26/2024</a:t>
+              <a:pPr/>
+              <a:t>4/21/2024</a:t>
             </a:fld>
-            <a:endParaRPr lang="en-US"/>
+            <a:endParaRPr lang="en-US" dirty="0"/>
           </a:p>
         </p:txBody>
       </p:sp>
@@ -3040,7 +3038,7 @@
           <p:cNvPr id="6" name="Footer Placeholder 5">
             <a:extLst>
               <a:ext uri="{FF2B5EF4-FFF2-40B4-BE49-F238E27FC236}">
-                <a16:creationId xmlns:a16="http://schemas.microsoft.com/office/drawing/2014/main" id="{59A5ED53-477D-4932-B9F0-04AF165F90B1}"/>
+                <a16:creationId xmlns:a16="http://schemas.microsoft.com/office/drawing/2014/main" id="{9717CE47-157E-4D8B-80A6-D1E92E7A381D}"/>
               </a:ext>
             </a:extLst>
           </p:cNvPr>
@@ -3057,10 +3055,9 @@
           <a:lstStyle/>
           <a:p>
             <a:r>
-              <a:rPr lang="en-US"/>
+              <a:rPr lang="en-US" dirty="0"/>
               <a:t>Add a footer</a:t>
             </a:r>
-            <a:endParaRPr lang="en-US" dirty="0"/>
           </a:p>
         </p:txBody>
       </p:sp>
@@ -3069,7 +3066,7 @@
           <p:cNvPr id="7" name="Slide Number Placeholder 6">
             <a:extLst>
               <a:ext uri="{FF2B5EF4-FFF2-40B4-BE49-F238E27FC236}">
-                <a16:creationId xmlns:a16="http://schemas.microsoft.com/office/drawing/2014/main" id="{D4DC44D2-1EC8-4561-8780-5B5515145368}"/>
+                <a16:creationId xmlns:a16="http://schemas.microsoft.com/office/drawing/2014/main" id="{72EA6C72-80B3-4A36-A620-FFC6829EDF81}"/>
               </a:ext>
             </a:extLst>
           </p:cNvPr>
@@ -3086,17 +3083,18 @@
           <a:lstStyle/>
           <a:p>
             <a:fld id="{F36C87F6-986D-49E6-AF40-1B3A1EE8064D}" type="slidenum">
-              <a:rPr lang="en-IN" smtClean="0"/>
+              <a:rPr lang="en-US" smtClean="0"/>
+              <a:pPr/>
               <a:t>‹#›</a:t>
             </a:fld>
-            <a:endParaRPr lang="en-IN"/>
+            <a:endParaRPr lang="en-US" dirty="0"/>
           </a:p>
         </p:txBody>
       </p:sp>
     </p:spTree>
     <p:extLst>
       <p:ext uri="{BB962C8B-B14F-4D97-AF65-F5344CB8AC3E}">
-        <p14:creationId xmlns:p14="http://schemas.microsoft.com/office/powerpoint/2010/main" val="3371954169"/>
+        <p14:creationId xmlns:p14="http://schemas.microsoft.com/office/powerpoint/2010/main" val="370410601"/>
       </p:ext>
     </p:extLst>
   </p:cSld>
@@ -3107,7 +3105,7 @@
 </file>
 
 <file path=ppt/slideLayouts/slideLayout9.xml><?xml version="1.0" encoding="utf-8"?>
-<p:sldLayout xmlns:a="http://schemas.openxmlformats.org/drawingml/2006/main" xmlns:r="http://schemas.openxmlformats.org/officeDocument/2006/relationships" xmlns:p="http://schemas.openxmlformats.org/presentationml/2006/main" showMasterSp="0" type="picTx" preserve="1">
+<p:sldLayout xmlns:a="http://schemas.openxmlformats.org/drawingml/2006/main" xmlns:r="http://schemas.openxmlformats.org/officeDocument/2006/relationships" xmlns:p="http://schemas.openxmlformats.org/presentationml/2006/main" type="picTx" preserve="1">
   <p:cSld name="Picture with Caption">
     <p:spTree>
       <p:nvGrpSpPr>
@@ -3128,7 +3126,7 @@
           <p:cNvPr id="2" name="Title 1">
             <a:extLst>
               <a:ext uri="{FF2B5EF4-FFF2-40B4-BE49-F238E27FC236}">
-                <a16:creationId xmlns:a16="http://schemas.microsoft.com/office/drawing/2014/main" id="{568B728F-B168-4020-81B9-3681370F2AD2}"/>
+                <a16:creationId xmlns:a16="http://schemas.microsoft.com/office/drawing/2014/main" id="{D5C4D9A1-4945-41EA-92B9-600511881AA9}"/>
               </a:ext>
             </a:extLst>
           </p:cNvPr>
@@ -3166,7 +3164,7 @@
           <p:cNvPr id="3" name="Picture Placeholder 2">
             <a:extLst>
               <a:ext uri="{FF2B5EF4-FFF2-40B4-BE49-F238E27FC236}">
-                <a16:creationId xmlns:a16="http://schemas.microsoft.com/office/drawing/2014/main" id="{9388D4DD-5D99-496C-8710-A96024D21C8D}"/>
+                <a16:creationId xmlns:a16="http://schemas.microsoft.com/office/drawing/2014/main" id="{AB8213F9-1998-49A4-9FAF-98AE35DFB7F6}"/>
               </a:ext>
             </a:extLst>
           </p:cNvPr>
@@ -3224,7 +3222,7 @@
             </a:lvl9pPr>
           </a:lstStyle>
           <a:p>
-            <a:endParaRPr lang="en-IN"/>
+            <a:endParaRPr lang="en-IN" dirty="0"/>
           </a:p>
         </p:txBody>
       </p:sp>
@@ -3233,7 +3231,7 @@
           <p:cNvPr id="4" name="Text Placeholder 3">
             <a:extLst>
               <a:ext uri="{FF2B5EF4-FFF2-40B4-BE49-F238E27FC236}">
-                <a16:creationId xmlns:a16="http://schemas.microsoft.com/office/drawing/2014/main" id="{450F66FB-7A6E-4B07-8162-653C0290B491}"/>
+                <a16:creationId xmlns:a16="http://schemas.microsoft.com/office/drawing/2014/main" id="{8CD5C672-6743-4C0C-B00C-ADEE003B85BD}"/>
               </a:ext>
             </a:extLst>
           </p:cNvPr>
@@ -3304,7 +3302,7 @@
           <p:cNvPr id="5" name="Date Placeholder 4">
             <a:extLst>
               <a:ext uri="{FF2B5EF4-FFF2-40B4-BE49-F238E27FC236}">
-                <a16:creationId xmlns:a16="http://schemas.microsoft.com/office/drawing/2014/main" id="{B42171C2-9A4D-4CFE-A957-4E9B7E03CD5E}"/>
+                <a16:creationId xmlns:a16="http://schemas.microsoft.com/office/drawing/2014/main" id="{60A96F4F-DD90-4613-AE87-856FA333B457}"/>
               </a:ext>
             </a:extLst>
           </p:cNvPr>
@@ -3322,9 +3320,9 @@
           <a:p>
             <a:fld id="{EDF33987-6305-4E2A-BF18-EF013ECE927B}" type="datetimeFigureOut">
               <a:rPr lang="en-US" smtClean="0"/>
-              <a:t>3/26/2024</a:t>
+              <a:t>4/21/2024</a:t>
             </a:fld>
-            <a:endParaRPr lang="en-US"/>
+            <a:endParaRPr lang="en-US" dirty="0"/>
           </a:p>
         </p:txBody>
       </p:sp>
@@ -3333,7 +3331,7 @@
           <p:cNvPr id="6" name="Footer Placeholder 5">
             <a:extLst>
               <a:ext uri="{FF2B5EF4-FFF2-40B4-BE49-F238E27FC236}">
-                <a16:creationId xmlns:a16="http://schemas.microsoft.com/office/drawing/2014/main" id="{BFCFDCE7-2F63-491E-917F-7AAF0AB248DE}"/>
+                <a16:creationId xmlns:a16="http://schemas.microsoft.com/office/drawing/2014/main" id="{CCD8DB2F-9014-4B45-8F2A-7C56C63D0A1D}"/>
               </a:ext>
             </a:extLst>
           </p:cNvPr>
@@ -3350,10 +3348,9 @@
           <a:lstStyle/>
           <a:p>
             <a:r>
-              <a:rPr lang="en-US"/>
+              <a:rPr lang="en-US" dirty="0"/>
               <a:t>Add a footer</a:t>
             </a:r>
-            <a:endParaRPr lang="en-US" dirty="0"/>
           </a:p>
         </p:txBody>
       </p:sp>
@@ -3362,7 +3359,7 @@
           <p:cNvPr id="7" name="Slide Number Placeholder 6">
             <a:extLst>
               <a:ext uri="{FF2B5EF4-FFF2-40B4-BE49-F238E27FC236}">
-                <a16:creationId xmlns:a16="http://schemas.microsoft.com/office/drawing/2014/main" id="{476E91BE-77BE-4D33-9A75-AD1F97EB1587}"/>
+                <a16:creationId xmlns:a16="http://schemas.microsoft.com/office/drawing/2014/main" id="{BA5C7F7A-2179-4265-BB10-A85DD8197827}"/>
               </a:ext>
             </a:extLst>
           </p:cNvPr>
@@ -3382,14 +3379,14 @@
               <a:rPr lang="en-IN" smtClean="0"/>
               <a:t>‹#›</a:t>
             </a:fld>
-            <a:endParaRPr lang="en-IN"/>
+            <a:endParaRPr lang="en-IN" dirty="0"/>
           </a:p>
         </p:txBody>
       </p:sp>
     </p:spTree>
     <p:extLst>
       <p:ext uri="{BB962C8B-B14F-4D97-AF65-F5344CB8AC3E}">
-        <p14:creationId xmlns:p14="http://schemas.microsoft.com/office/powerpoint/2010/main" val="200889040"/>
+        <p14:creationId xmlns:p14="http://schemas.microsoft.com/office/powerpoint/2010/main" val="4014643738"/>
       </p:ext>
     </p:extLst>
   </p:cSld>
@@ -3404,34 +3401,15 @@
   <p:cSld>
     <p:bg>
       <p:bgPr>
-        <a:gradFill flip="none" rotWithShape="1">
-          <a:gsLst>
-            <a:gs pos="1000">
-              <a:schemeClr val="bg1">
-                <a:alpha val="94000"/>
-              </a:schemeClr>
-            </a:gs>
-            <a:gs pos="74000">
-              <a:schemeClr val="accent1">
-                <a:lumMod val="20000"/>
-                <a:lumOff val="80000"/>
-              </a:schemeClr>
-            </a:gs>
-            <a:gs pos="83000">
-              <a:schemeClr val="accent1">
-                <a:lumMod val="60000"/>
-                <a:lumOff val="40000"/>
-              </a:schemeClr>
-            </a:gs>
-            <a:gs pos="100000">
-              <a:schemeClr val="accent1">
-                <a:lumMod val="75000"/>
-              </a:schemeClr>
-            </a:gs>
-          </a:gsLst>
-          <a:lin ang="5400000" scaled="1"/>
-          <a:tileRect/>
-        </a:gradFill>
+        <a:blipFill dpi="0" rotWithShape="1">
+          <a:blip r:embed="rId13">
+            <a:lum/>
+          </a:blip>
+          <a:srcRect/>
+          <a:stretch>
+            <a:fillRect/>
+          </a:stretch>
+        </a:blipFill>
         <a:effectLst/>
       </p:bgPr>
     </p:bg>
@@ -3454,7 +3432,7 @@
           <p:cNvPr id="2" name="Title Placeholder 1">
             <a:extLst>
               <a:ext uri="{FF2B5EF4-FFF2-40B4-BE49-F238E27FC236}">
-                <a16:creationId xmlns:a16="http://schemas.microsoft.com/office/drawing/2014/main" id="{BE0EA12D-D126-4FE0-A939-288EEF5F2AB8}"/>
+                <a16:creationId xmlns:a16="http://schemas.microsoft.com/office/drawing/2014/main" id="{BADCB592-B7B1-445C-AFAD-1D683263F055}"/>
               </a:ext>
             </a:extLst>
           </p:cNvPr>
@@ -3493,7 +3471,7 @@
           <p:cNvPr id="3" name="Text Placeholder 2">
             <a:extLst>
               <a:ext uri="{FF2B5EF4-FFF2-40B4-BE49-F238E27FC236}">
-                <a16:creationId xmlns:a16="http://schemas.microsoft.com/office/drawing/2014/main" id="{1660C560-3299-48A6-9113-29FF9D707462}"/>
+                <a16:creationId xmlns:a16="http://schemas.microsoft.com/office/drawing/2014/main" id="{49DF35DF-ED16-45A1-9801-EAF86E31CEB1}"/>
               </a:ext>
             </a:extLst>
           </p:cNvPr>
@@ -3561,7 +3539,7 @@
           <p:cNvPr id="4" name="Date Placeholder 3">
             <a:extLst>
               <a:ext uri="{FF2B5EF4-FFF2-40B4-BE49-F238E27FC236}">
-                <a16:creationId xmlns:a16="http://schemas.microsoft.com/office/drawing/2014/main" id="{FB94604D-10A6-40C8-81C1-6C00C5DB5F7C}"/>
+                <a16:creationId xmlns:a16="http://schemas.microsoft.com/office/drawing/2014/main" id="{35EBBBE2-69A8-4219-BC42-B6B2C7E6DFFB}"/>
               </a:ext>
             </a:extLst>
           </p:cNvPr>
@@ -3598,9 +3576,9 @@
             <a:fld id="{EDF33987-6305-4E2A-BF18-EF013ECE927B}" type="datetimeFigureOut">
               <a:rPr lang="en-US" smtClean="0"/>
               <a:pPr/>
-              <a:t>3/26/2024</a:t>
+              <a:t>4/21/2024</a:t>
             </a:fld>
-            <a:endParaRPr lang="en-US"/>
+            <a:endParaRPr lang="en-US" dirty="0"/>
           </a:p>
         </p:txBody>
       </p:sp>
@@ -3609,7 +3587,7 @@
           <p:cNvPr id="5" name="Footer Placeholder 4">
             <a:extLst>
               <a:ext uri="{FF2B5EF4-FFF2-40B4-BE49-F238E27FC236}">
-                <a16:creationId xmlns:a16="http://schemas.microsoft.com/office/drawing/2014/main" id="{348AA1F2-6D9B-4E76-A360-40F1B5A2D1FC}"/>
+                <a16:creationId xmlns:a16="http://schemas.microsoft.com/office/drawing/2014/main" id="{E3D857CD-49DD-43FD-878A-C7CAED9B514C}"/>
               </a:ext>
             </a:extLst>
           </p:cNvPr>
@@ -3644,10 +3622,9 @@
           </a:lstStyle>
           <a:p>
             <a:r>
-              <a:rPr lang="en-US"/>
+              <a:rPr lang="en-US" dirty="0"/>
               <a:t>Add a footer</a:t>
             </a:r>
-            <a:endParaRPr lang="en-US" dirty="0"/>
           </a:p>
         </p:txBody>
       </p:sp>
@@ -3656,7 +3633,7 @@
           <p:cNvPr id="6" name="Slide Number Placeholder 5">
             <a:extLst>
               <a:ext uri="{FF2B5EF4-FFF2-40B4-BE49-F238E27FC236}">
-                <a16:creationId xmlns:a16="http://schemas.microsoft.com/office/drawing/2014/main" id="{A359307F-7CAF-4E4A-9B82-73F419A0D6B5}"/>
+                <a16:creationId xmlns:a16="http://schemas.microsoft.com/office/drawing/2014/main" id="{E54776A5-DAD0-4B97-80A2-15FD0CC37E91}"/>
               </a:ext>
             </a:extLst>
           </p:cNvPr>
@@ -3695,30 +3672,30 @@
               <a:pPr/>
               <a:t>‹#›</a:t>
             </a:fld>
-            <a:endParaRPr lang="en-US"/>
+            <a:endParaRPr lang="en-US" dirty="0"/>
           </a:p>
         </p:txBody>
       </p:sp>
     </p:spTree>
     <p:extLst>
       <p:ext uri="{BB962C8B-B14F-4D97-AF65-F5344CB8AC3E}">
-        <p14:creationId xmlns:p14="http://schemas.microsoft.com/office/powerpoint/2010/main" val="3402924975"/>
+        <p14:creationId xmlns:p14="http://schemas.microsoft.com/office/powerpoint/2010/main" val="2569377059"/>
       </p:ext>
     </p:extLst>
   </p:cSld>
   <p:clrMap bg1="lt1" tx1="dk1" bg2="lt2" tx2="dk2" accent1="accent1" accent2="accent2" accent3="accent3" accent4="accent4" accent5="accent5" accent6="accent6" hlink="hlink" folHlink="folHlink"/>
   <p:sldLayoutIdLst>
-    <p:sldLayoutId id="2147483895" r:id="rId1"/>
-    <p:sldLayoutId id="2147483896" r:id="rId2"/>
-    <p:sldLayoutId id="2147483897" r:id="rId3"/>
-    <p:sldLayoutId id="2147483898" r:id="rId4"/>
-    <p:sldLayoutId id="2147483899" r:id="rId5"/>
-    <p:sldLayoutId id="2147483900" r:id="rId6"/>
-    <p:sldLayoutId id="2147483901" r:id="rId7"/>
-    <p:sldLayoutId id="2147483902" r:id="rId8"/>
-    <p:sldLayoutId id="2147483903" r:id="rId9"/>
-    <p:sldLayoutId id="2147483904" r:id="rId10"/>
-    <p:sldLayoutId id="2147483905" r:id="rId11"/>
+    <p:sldLayoutId id="2147484237" r:id="rId1"/>
+    <p:sldLayoutId id="2147484238" r:id="rId2"/>
+    <p:sldLayoutId id="2147484239" r:id="rId3"/>
+    <p:sldLayoutId id="2147484240" r:id="rId4"/>
+    <p:sldLayoutId id="2147484241" r:id="rId5"/>
+    <p:sldLayoutId id="2147484242" r:id="rId6"/>
+    <p:sldLayoutId id="2147484243" r:id="rId7"/>
+    <p:sldLayoutId id="2147484244" r:id="rId8"/>
+    <p:sldLayoutId id="2147484245" r:id="rId9"/>
+    <p:sldLayoutId id="2147484246" r:id="rId10"/>
+    <p:sldLayoutId id="2147484247" r:id="rId11"/>
   </p:sldLayoutIdLst>
   <p:txStyles>
     <p:titleStyle>
@@ -4000,27 +3977,16 @@
       </a:lvl9pPr>
     </p:otherStyle>
   </p:txStyles>
-  <p:extLst>
+  <p:extLst mod="1">
     <p:ext uri="{27BBF7A9-308A-43DC-89C8-2F10F3537804}">
-      <p15:sldGuideLst xmlns:p15="http://schemas.microsoft.com/office/powerpoint/2012/main">
-        <p15:guide id="1" orient="horz" pos="2160" userDrawn="1">
-          <p15:clr>
-            <a:srgbClr val="F26B43"/>
-          </p15:clr>
-        </p15:guide>
-        <p15:guide id="2" pos="3839" userDrawn="1">
-          <p15:clr>
-            <a:srgbClr val="F26B43"/>
-          </p15:clr>
-        </p15:guide>
-      </p15:sldGuideLst>
+      <p15:sldGuideLst xmlns:p15="http://schemas.microsoft.com/office/powerpoint/2012/main"/>
     </p:ext>
   </p:extLst>
 </p:sldMaster>
 </file>
 
 <file path=ppt/slides/slide1.xml><?xml version="1.0" encoding="utf-8"?>
-<p:sld xmlns:a="http://schemas.openxmlformats.org/drawingml/2006/main" xmlns:r="http://schemas.openxmlformats.org/officeDocument/2006/relationships" xmlns:p="http://schemas.openxmlformats.org/presentationml/2006/main" showMasterSp="0">
+<p:sld xmlns:a="http://schemas.openxmlformats.org/drawingml/2006/main" xmlns:r="http://schemas.openxmlformats.org/officeDocument/2006/relationships" xmlns:p="http://schemas.openxmlformats.org/presentationml/2006/main">
   <p:cSld>
     <p:spTree>
       <p:nvGrpSpPr>
@@ -4048,8 +4014,8 @@
         </p:nvSpPr>
         <p:spPr>
           <a:xfrm>
-            <a:off x="369776" y="0"/>
-            <a:ext cx="11449272" cy="3048001"/>
+            <a:off x="369776" y="1"/>
+            <a:ext cx="11449272" cy="2348880"/>
           </a:xfrm>
         </p:spPr>
         <p:txBody>
@@ -4082,7 +4048,7 @@
         <p:spPr>
           <a:xfrm>
             <a:off x="189756" y="4941168"/>
-            <a:ext cx="4824536" cy="757130"/>
+            <a:ext cx="4824536" cy="1089529"/>
           </a:xfrm>
           <a:prstGeom prst="rect">
             <a:avLst/>
@@ -4101,7 +4067,7 @@
               </a:lnSpc>
             </a:pPr>
             <a:r>
-              <a:rPr lang="en-US" sz="2400" dirty="0">
+              <a:rPr lang="en-US" sz="2400" b="1" dirty="0">
                 <a:latin typeface="Times New Roman" panose="02020603050405020304" pitchFamily="18" charset="0"/>
                 <a:cs typeface="Times New Roman" panose="02020603050405020304" pitchFamily="18" charset="0"/>
               </a:rPr>
@@ -4109,24 +4075,31 @@
             </a:r>
           </a:p>
           <a:p>
-            <a:pPr>
+            <a:pPr lvl="1">
               <a:lnSpc>
                 <a:spcPct val="90000"/>
               </a:lnSpc>
             </a:pPr>
             <a:r>
-              <a:rPr lang="en-US" sz="2400" dirty="0" err="1">
-                <a:latin typeface="Calibri" panose="020F0502020204030204" pitchFamily="34" charset="0"/>
-                <a:cs typeface="Calibri" panose="020F0502020204030204" pitchFamily="34" charset="0"/>
-              </a:rPr>
-              <a:t>Ms</a:t>
-            </a:r>
-            <a:r>
               <a:rPr lang="en-US" sz="2400" dirty="0">
                 <a:latin typeface="Calibri" panose="020F0502020204030204" pitchFamily="34" charset="0"/>
                 <a:cs typeface="Calibri" panose="020F0502020204030204" pitchFamily="34" charset="0"/>
               </a:rPr>
-              <a:t> Rachana Yadav</a:t>
+              <a:t>Ms. Rachana Yadav</a:t>
+            </a:r>
+          </a:p>
+          <a:p>
+            <a:pPr lvl="1">
+              <a:lnSpc>
+                <a:spcPct val="90000"/>
+              </a:lnSpc>
+            </a:pPr>
+            <a:r>
+              <a:rPr lang="en-US" sz="2400" dirty="0">
+                <a:latin typeface="Calibri" panose="020F0502020204030204" pitchFamily="34" charset="0"/>
+                <a:cs typeface="Calibri" panose="020F0502020204030204" pitchFamily="34" charset="0"/>
+              </a:rPr>
+              <a:t>Assistant professor (SOET)</a:t>
             </a:r>
             <a:endParaRPr lang="en-IN" sz="2400" dirty="0">
               <a:latin typeface="Calibri" panose="020F0502020204030204" pitchFamily="34" charset="0"/>
@@ -4169,7 +4142,7 @@
               </a:lnSpc>
             </a:pPr>
             <a:r>
-              <a:rPr lang="en-US" sz="2400" dirty="0">
+              <a:rPr lang="en-US" sz="2400" b="1" dirty="0">
                 <a:latin typeface="Times New Roman" panose="02020603050405020304" pitchFamily="18" charset="0"/>
                 <a:cs typeface="Times New Roman" panose="02020603050405020304" pitchFamily="18" charset="0"/>
               </a:rPr>
@@ -4294,6 +4267,53 @@
             <a:endParaRPr lang="en-US" sz="2400" dirty="0">
               <a:latin typeface="Calibri" panose="020F0502020204030204" pitchFamily="34" charset="0"/>
               <a:cs typeface="Calibri" panose="020F0502020204030204" pitchFamily="34" charset="0"/>
+            </a:endParaRPr>
+          </a:p>
+        </p:txBody>
+      </p:sp>
+      <p:sp>
+        <p:nvSpPr>
+          <p:cNvPr id="3" name="TextBox 2">
+            <a:extLst>
+              <a:ext uri="{FF2B5EF4-FFF2-40B4-BE49-F238E27FC236}">
+                <a16:creationId xmlns:a16="http://schemas.microsoft.com/office/drawing/2014/main" id="{09E130C8-67EE-43D6-8379-25F50EC933D6}"/>
+              </a:ext>
+            </a:extLst>
+          </p:cNvPr>
+          <p:cNvSpPr txBox="1"/>
+          <p:nvPr/>
+        </p:nvSpPr>
+        <p:spPr>
+          <a:xfrm>
+            <a:off x="1845940" y="2528729"/>
+            <a:ext cx="8280920" cy="769441"/>
+          </a:xfrm>
+          <a:prstGeom prst="rect">
+            <a:avLst/>
+          </a:prstGeom>
+          <a:noFill/>
+        </p:spPr>
+        <p:txBody>
+          <a:bodyPr wrap="square" rtlCol="0">
+            <a:spAutoFit/>
+          </a:bodyPr>
+          <a:lstStyle/>
+          <a:p>
+            <a:pPr algn="ctr"/>
+            <a:r>
+              <a:rPr lang="en-US" sz="4400" dirty="0">
+                <a:solidFill>
+                  <a:srgbClr val="8387BA"/>
+                </a:solidFill>
+                <a:latin typeface="Britannic Bold" panose="020B0903060703020204" pitchFamily="34" charset="0"/>
+              </a:rPr>
+              <a:t>TEAM NAME:- EXPLORER</a:t>
+            </a:r>
+            <a:endParaRPr lang="en-IN" sz="4400" dirty="0">
+              <a:solidFill>
+                <a:srgbClr val="8387BA"/>
+              </a:solidFill>
+              <a:latin typeface="Britannic Bold" panose="020B0903060703020204" pitchFamily="34" charset="0"/>
             </a:endParaRPr>
           </a:p>
         </p:txBody>
@@ -4308,11 +4328,23 @@
   <p:clrMapOvr>
     <a:masterClrMapping/>
   </p:clrMapOvr>
+  <mc:AlternateContent xmlns:mc="http://schemas.openxmlformats.org/markup-compatibility/2006">
+    <mc:Choice xmlns:p14="http://schemas.microsoft.com/office/powerpoint/2010/main" Requires="p14">
+      <p:transition spd="slow" p14:dur="1500">
+        <p:split orient="vert"/>
+      </p:transition>
+    </mc:Choice>
+    <mc:Fallback>
+      <p:transition spd="slow">
+        <p:split orient="vert"/>
+      </p:transition>
+    </mc:Fallback>
+  </mc:AlternateContent>
 </p:sld>
 </file>
 
 <file path=ppt/slides/slide10.xml><?xml version="1.0" encoding="utf-8"?>
-<p:sld xmlns:a="http://schemas.openxmlformats.org/drawingml/2006/main" xmlns:r="http://schemas.openxmlformats.org/officeDocument/2006/relationships" xmlns:p="http://schemas.openxmlformats.org/presentationml/2006/main" showMasterSp="0">
+<p:sld xmlns:a="http://schemas.openxmlformats.org/drawingml/2006/main" xmlns:r="http://schemas.openxmlformats.org/officeDocument/2006/relationships" xmlns:p="http://schemas.openxmlformats.org/presentationml/2006/main">
   <p:cSld>
     <p:spTree>
       <p:nvGrpSpPr>
@@ -4333,6 +4365,368 @@
           <p:cNvPr id="5" name="Title 4">
             <a:extLst>
               <a:ext uri="{FF2B5EF4-FFF2-40B4-BE49-F238E27FC236}">
+                <a16:creationId xmlns:a16="http://schemas.microsoft.com/office/drawing/2014/main" id="{92385B50-F978-4141-A49F-E9CF5823D4D4}"/>
+              </a:ext>
+            </a:extLst>
+          </p:cNvPr>
+          <p:cNvSpPr>
+            <a:spLocks noGrp="1"/>
+          </p:cNvSpPr>
+          <p:nvPr>
+            <p:ph type="title"/>
+          </p:nvPr>
+        </p:nvSpPr>
+        <p:spPr>
+          <a:xfrm>
+            <a:off x="1217614" y="274638"/>
+            <a:ext cx="9753600" cy="838201"/>
+          </a:xfrm>
+        </p:spPr>
+        <p:txBody>
+          <a:bodyPr/>
+          <a:lstStyle/>
+          <a:p>
+            <a:pPr algn="ctr"/>
+            <a:r>
+              <a:rPr lang="en-US" dirty="0">
+                <a:latin typeface="Times New Roman" panose="02020603050405020304" pitchFamily="18" charset="0"/>
+                <a:cs typeface="Times New Roman" panose="02020603050405020304" pitchFamily="18" charset="0"/>
+              </a:rPr>
+              <a:t>PROJECT SCREENSHOTS</a:t>
+            </a:r>
+            <a:endParaRPr lang="en-IN" dirty="0">
+              <a:latin typeface="Times New Roman" panose="02020603050405020304" pitchFamily="18" charset="0"/>
+              <a:cs typeface="Times New Roman" panose="02020603050405020304" pitchFamily="18" charset="0"/>
+            </a:endParaRPr>
+          </a:p>
+        </p:txBody>
+      </p:sp>
+      <p:sp>
+        <p:nvSpPr>
+          <p:cNvPr id="7" name="Text Placeholder 6">
+            <a:extLst>
+              <a:ext uri="{FF2B5EF4-FFF2-40B4-BE49-F238E27FC236}">
+                <a16:creationId xmlns:a16="http://schemas.microsoft.com/office/drawing/2014/main" id="{46933066-71BB-4578-BC0F-42F8030C9EE6}"/>
+              </a:ext>
+            </a:extLst>
+          </p:cNvPr>
+          <p:cNvSpPr>
+            <a:spLocks noGrp="1"/>
+          </p:cNvSpPr>
+          <p:nvPr>
+            <p:ph type="body" idx="1"/>
+          </p:nvPr>
+        </p:nvSpPr>
+        <p:spPr>
+          <a:xfrm>
+            <a:off x="979767" y="1412776"/>
+            <a:ext cx="4709160" cy="436477"/>
+          </a:xfrm>
+        </p:spPr>
+        <p:txBody>
+          <a:bodyPr>
+            <a:normAutofit/>
+          </a:bodyPr>
+          <a:lstStyle/>
+          <a:p>
+            <a:r>
+              <a:rPr lang="en-US" dirty="0">
+                <a:latin typeface="Bell MT" panose="02020503060305020303" pitchFamily="18" charset="0"/>
+              </a:rPr>
+              <a:t>LOGIN PAGE :-</a:t>
+            </a:r>
+            <a:endParaRPr lang="en-IN" dirty="0">
+              <a:latin typeface="Bell MT" panose="02020503060305020303" pitchFamily="18" charset="0"/>
+            </a:endParaRPr>
+          </a:p>
+        </p:txBody>
+      </p:sp>
+      <p:pic>
+        <p:nvPicPr>
+          <p:cNvPr id="12" name="Content Placeholder 11">
+            <a:extLst>
+              <a:ext uri="{FF2B5EF4-FFF2-40B4-BE49-F238E27FC236}">
+                <a16:creationId xmlns:a16="http://schemas.microsoft.com/office/drawing/2014/main" id="{BF94A858-ED4F-4C02-8258-9983BF737775}"/>
+              </a:ext>
+            </a:extLst>
+          </p:cNvPr>
+          <p:cNvPicPr>
+            <a:picLocks noGrp="1" noChangeAspect="1"/>
+          </p:cNvPicPr>
+          <p:nvPr>
+            <p:ph sz="half" idx="2"/>
+          </p:nvPr>
+        </p:nvPicPr>
+        <p:blipFill>
+          <a:blip r:embed="rId2">
+            <a:extLst>
+              <a:ext uri="{28A0092B-C50C-407E-A947-70E740481C1C}">
+                <a14:useLocalDpi xmlns:a14="http://schemas.microsoft.com/office/drawing/2010/main" val="0"/>
+              </a:ext>
+            </a:extLst>
+          </a:blip>
+          <a:stretch>
+            <a:fillRect/>
+          </a:stretch>
+        </p:blipFill>
+        <p:spPr>
+          <a:xfrm>
+            <a:off x="1053852" y="1772816"/>
+            <a:ext cx="9217024" cy="4105808"/>
+          </a:xfrm>
+        </p:spPr>
+      </p:pic>
+      <p:sp>
+        <p:nvSpPr>
+          <p:cNvPr id="9" name="Text Placeholder 8">
+            <a:extLst>
+              <a:ext uri="{FF2B5EF4-FFF2-40B4-BE49-F238E27FC236}">
+                <a16:creationId xmlns:a16="http://schemas.microsoft.com/office/drawing/2014/main" id="{C3094028-2E10-4589-96F5-0DFE37E98F71}"/>
+              </a:ext>
+            </a:extLst>
+          </p:cNvPr>
+          <p:cNvSpPr>
+            <a:spLocks noGrp="1"/>
+          </p:cNvSpPr>
+          <p:nvPr>
+            <p:ph type="body" sz="quarter" idx="3"/>
+          </p:nvPr>
+        </p:nvSpPr>
+        <p:spPr>
+          <a:xfrm>
+            <a:off x="1006330" y="5878624"/>
+            <a:ext cx="11161240" cy="838201"/>
+          </a:xfrm>
+        </p:spPr>
+        <p:txBody>
+          <a:bodyPr>
+            <a:normAutofit/>
+          </a:bodyPr>
+          <a:lstStyle/>
+          <a:p>
+            <a:r>
+              <a:rPr lang="en-US" dirty="0">
+                <a:latin typeface="Calibri" panose="020F0502020204030204" pitchFamily="34" charset="0"/>
+                <a:cs typeface="Calibri" panose="020F0502020204030204" pitchFamily="34" charset="0"/>
+              </a:rPr>
+              <a:t>DESCRIPTION:-Login page of tour and travel management system</a:t>
+            </a:r>
+            <a:endParaRPr lang="en-IN" dirty="0">
+              <a:latin typeface="Calibri" panose="020F0502020204030204" pitchFamily="34" charset="0"/>
+              <a:cs typeface="Calibri" panose="020F0502020204030204" pitchFamily="34" charset="0"/>
+            </a:endParaRPr>
+          </a:p>
+        </p:txBody>
+      </p:sp>
+    </p:spTree>
+    <p:extLst>
+      <p:ext uri="{BB962C8B-B14F-4D97-AF65-F5344CB8AC3E}">
+        <p14:creationId xmlns:p14="http://schemas.microsoft.com/office/powerpoint/2010/main" val="370328437"/>
+      </p:ext>
+    </p:extLst>
+  </p:cSld>
+  <p:clrMapOvr>
+    <a:masterClrMapping/>
+  </p:clrMapOvr>
+  <mc:AlternateContent xmlns:mc="http://schemas.openxmlformats.org/markup-compatibility/2006">
+    <mc:Choice xmlns:p14="http://schemas.microsoft.com/office/powerpoint/2010/main" Requires="p14">
+      <p:transition spd="slow" p14:dur="1250">
+        <p14:switch dir="r"/>
+      </p:transition>
+    </mc:Choice>
+    <mc:Fallback>
+      <p:transition spd="slow">
+        <p:fade/>
+      </p:transition>
+    </mc:Fallback>
+  </mc:AlternateContent>
+</p:sld>
+</file>
+
+<file path=ppt/slides/slide11.xml><?xml version="1.0" encoding="utf-8"?>
+<p:sld xmlns:a="http://schemas.openxmlformats.org/drawingml/2006/main" xmlns:r="http://schemas.openxmlformats.org/officeDocument/2006/relationships" xmlns:p="http://schemas.openxmlformats.org/presentationml/2006/main">
+  <p:cSld>
+    <p:spTree>
+      <p:nvGrpSpPr>
+        <p:cNvPr id="1" name=""/>
+        <p:cNvGrpSpPr/>
+        <p:nvPr/>
+      </p:nvGrpSpPr>
+      <p:grpSpPr>
+        <a:xfrm>
+          <a:off x="0" y="0"/>
+          <a:ext cx="0" cy="0"/>
+          <a:chOff x="0" y="0"/>
+          <a:chExt cx="0" cy="0"/>
+        </a:xfrm>
+      </p:grpSpPr>
+      <p:sp>
+        <p:nvSpPr>
+          <p:cNvPr id="2" name="Title 1">
+            <a:extLst>
+              <a:ext uri="{FF2B5EF4-FFF2-40B4-BE49-F238E27FC236}">
+                <a16:creationId xmlns:a16="http://schemas.microsoft.com/office/drawing/2014/main" id="{97006F3E-30FE-4407-9891-17C5F5385799}"/>
+              </a:ext>
+            </a:extLst>
+          </p:cNvPr>
+          <p:cNvSpPr>
+            <a:spLocks noGrp="1"/>
+          </p:cNvSpPr>
+          <p:nvPr>
+            <p:ph type="title"/>
+          </p:nvPr>
+        </p:nvSpPr>
+        <p:spPr>
+          <a:xfrm>
+            <a:off x="334913" y="-158832"/>
+            <a:ext cx="3763995" cy="995544"/>
+          </a:xfrm>
+        </p:spPr>
+        <p:txBody>
+          <a:bodyPr>
+            <a:normAutofit/>
+          </a:bodyPr>
+          <a:lstStyle/>
+          <a:p>
+            <a:r>
+              <a:rPr lang="en-US" sz="2400" dirty="0">
+                <a:latin typeface="Bell MT" panose="02020503060305020303" pitchFamily="18" charset="0"/>
+              </a:rPr>
+              <a:t>HOME PAGE :-</a:t>
+            </a:r>
+            <a:endParaRPr lang="en-IN" sz="2400" dirty="0">
+              <a:latin typeface="Bell MT" panose="02020503060305020303" pitchFamily="18" charset="0"/>
+            </a:endParaRPr>
+          </a:p>
+        </p:txBody>
+      </p:sp>
+      <p:pic>
+        <p:nvPicPr>
+          <p:cNvPr id="9" name="Content Placeholder 8">
+            <a:extLst>
+              <a:ext uri="{FF2B5EF4-FFF2-40B4-BE49-F238E27FC236}">
+                <a16:creationId xmlns:a16="http://schemas.microsoft.com/office/drawing/2014/main" id="{AF616A64-0DDF-422B-80D1-5F4C5C236C8C}"/>
+              </a:ext>
+            </a:extLst>
+          </p:cNvPr>
+          <p:cNvPicPr>
+            <a:picLocks noGrp="1" noChangeAspect="1"/>
+          </p:cNvPicPr>
+          <p:nvPr>
+            <p:ph sz="half" idx="1"/>
+          </p:nvPr>
+        </p:nvPicPr>
+        <p:blipFill>
+          <a:blip r:embed="rId2">
+            <a:extLst>
+              <a:ext uri="{28A0092B-C50C-407E-A947-70E740481C1C}">
+                <a14:useLocalDpi xmlns:a14="http://schemas.microsoft.com/office/drawing/2010/main" val="0"/>
+              </a:ext>
+            </a:extLst>
+          </a:blip>
+          <a:stretch>
+            <a:fillRect/>
+          </a:stretch>
+        </p:blipFill>
+        <p:spPr>
+          <a:xfrm>
+            <a:off x="333772" y="548680"/>
+            <a:ext cx="11305256" cy="5472608"/>
+          </a:xfrm>
+        </p:spPr>
+      </p:pic>
+      <p:sp>
+        <p:nvSpPr>
+          <p:cNvPr id="7" name="Content Placeholder 6">
+            <a:extLst>
+              <a:ext uri="{FF2B5EF4-FFF2-40B4-BE49-F238E27FC236}">
+                <a16:creationId xmlns:a16="http://schemas.microsoft.com/office/drawing/2014/main" id="{8B5254E7-DD96-44DC-A5B0-B6F291A643EC}"/>
+              </a:ext>
+            </a:extLst>
+          </p:cNvPr>
+          <p:cNvSpPr>
+            <a:spLocks noGrp="1"/>
+          </p:cNvSpPr>
+          <p:nvPr>
+            <p:ph sz="half" idx="2"/>
+          </p:nvPr>
+        </p:nvSpPr>
+        <p:spPr>
+          <a:xfrm>
+            <a:off x="441784" y="6165304"/>
+            <a:ext cx="11305256" cy="692696"/>
+          </a:xfrm>
+        </p:spPr>
+        <p:txBody>
+          <a:bodyPr>
+            <a:normAutofit/>
+          </a:bodyPr>
+          <a:lstStyle/>
+          <a:p>
+            <a:pPr marL="45720" indent="0">
+              <a:buNone/>
+            </a:pPr>
+            <a:r>
+              <a:rPr lang="en-US" dirty="0">
+                <a:latin typeface="Calibri" panose="020F0502020204030204" pitchFamily="34" charset="0"/>
+                <a:cs typeface="Calibri" panose="020F0502020204030204" pitchFamily="34" charset="0"/>
+              </a:rPr>
+              <a:t>DESCRIPTION:- HOME PAGE OF TOUR AND TRAVEL MANAGEMENT SYSTEM</a:t>
+            </a:r>
+            <a:endParaRPr lang="en-IN" dirty="0">
+              <a:latin typeface="Calibri" panose="020F0502020204030204" pitchFamily="34" charset="0"/>
+              <a:cs typeface="Calibri" panose="020F0502020204030204" pitchFamily="34" charset="0"/>
+            </a:endParaRPr>
+          </a:p>
+        </p:txBody>
+      </p:sp>
+    </p:spTree>
+    <p:extLst>
+      <p:ext uri="{BB962C8B-B14F-4D97-AF65-F5344CB8AC3E}">
+        <p14:creationId xmlns:p14="http://schemas.microsoft.com/office/powerpoint/2010/main" val="732604892"/>
+      </p:ext>
+    </p:extLst>
+  </p:cSld>
+  <p:clrMapOvr>
+    <a:masterClrMapping/>
+  </p:clrMapOvr>
+  <mc:AlternateContent xmlns:mc="http://schemas.openxmlformats.org/markup-compatibility/2006">
+    <mc:Choice xmlns:p14="http://schemas.microsoft.com/office/powerpoint/2010/main" Requires="p14">
+      <p:transition spd="slow" p14:dur="800">
+        <p14:flythrough/>
+      </p:transition>
+    </mc:Choice>
+    <mc:Fallback>
+      <p:transition spd="slow">
+        <p:fade/>
+      </p:transition>
+    </mc:Fallback>
+  </mc:AlternateContent>
+</p:sld>
+</file>
+
+<file path=ppt/slides/slide12.xml><?xml version="1.0" encoding="utf-8"?>
+<p:sld xmlns:a="http://schemas.openxmlformats.org/drawingml/2006/main" xmlns:r="http://schemas.openxmlformats.org/officeDocument/2006/relationships" xmlns:p="http://schemas.openxmlformats.org/presentationml/2006/main">
+  <p:cSld>
+    <p:spTree>
+      <p:nvGrpSpPr>
+        <p:cNvPr id="1" name=""/>
+        <p:cNvGrpSpPr/>
+        <p:nvPr/>
+      </p:nvGrpSpPr>
+      <p:grpSpPr>
+        <a:xfrm>
+          <a:off x="0" y="0"/>
+          <a:ext cx="0" cy="0"/>
+          <a:chOff x="0" y="0"/>
+          <a:chExt cx="0" cy="0"/>
+        </a:xfrm>
+      </p:grpSpPr>
+      <p:sp>
+        <p:nvSpPr>
+          <p:cNvPr id="5" name="Title 4">
+            <a:extLst>
+              <a:ext uri="{FF2B5EF4-FFF2-40B4-BE49-F238E27FC236}">
                 <a16:creationId xmlns:a16="http://schemas.microsoft.com/office/drawing/2014/main" id="{B7583C4C-CFB6-416F-A2FF-612BEB4B234C}"/>
               </a:ext>
             </a:extLst>
@@ -4360,19 +4754,7 @@
               <a:rPr lang="en-US" sz="3200" dirty="0">
                 <a:latin typeface="Bell MT" panose="02020503060305020303" pitchFamily="18" charset="0"/>
               </a:rPr>
-              <a:t>TOUR </a:t>
-            </a:r>
-            <a:r>
-              <a:rPr lang="en-US" sz="3200" dirty="0" err="1">
-                <a:latin typeface="Bell MT" panose="02020503060305020303" pitchFamily="18" charset="0"/>
-              </a:rPr>
-              <a:t>PACKaGES</a:t>
-            </a:r>
-            <a:r>
-              <a:rPr lang="en-US" sz="3200" dirty="0">
-                <a:latin typeface="Bell MT" panose="02020503060305020303" pitchFamily="18" charset="0"/>
-              </a:rPr>
-              <a:t>:-</a:t>
+              <a:t>TOUR PACKAGES:-</a:t>
             </a:r>
             <a:endParaRPr lang="en-IN" sz="3200" dirty="0">
               <a:latin typeface="Bell MT" panose="02020503060305020303" pitchFamily="18" charset="0"/>
@@ -4555,11 +4937,23 @@
   <p:clrMapOvr>
     <a:masterClrMapping/>
   </p:clrMapOvr>
+  <mc:AlternateContent xmlns:mc="http://schemas.openxmlformats.org/markup-compatibility/2006">
+    <mc:Choice xmlns:p14="http://schemas.microsoft.com/office/powerpoint/2010/main" Requires="p14">
+      <p:transition spd="slow" p14:dur="800">
+        <p:circle/>
+      </p:transition>
+    </mc:Choice>
+    <mc:Fallback>
+      <p:transition spd="slow">
+        <p:circle/>
+      </p:transition>
+    </mc:Fallback>
+  </mc:AlternateContent>
 </p:sld>
 </file>
 
-<file path=ppt/slides/slide11.xml><?xml version="1.0" encoding="utf-8"?>
-<p:sld xmlns:a="http://schemas.openxmlformats.org/drawingml/2006/main" xmlns:r="http://schemas.openxmlformats.org/officeDocument/2006/relationships" xmlns:p="http://schemas.openxmlformats.org/presentationml/2006/main" showMasterSp="0">
+<file path=ppt/slides/slide13.xml><?xml version="1.0" encoding="utf-8"?>
+<p:sld xmlns:a="http://schemas.openxmlformats.org/drawingml/2006/main" xmlns:r="http://schemas.openxmlformats.org/officeDocument/2006/relationships" xmlns:p="http://schemas.openxmlformats.org/presentationml/2006/main">
   <p:cSld>
     <p:spTree>
       <p:nvGrpSpPr>
@@ -4593,49 +4987,8 @@
         </p:nvSpPr>
         <p:spPr>
           <a:xfrm>
-            <a:off x="1217614" y="274638"/>
+            <a:off x="411426" y="463719"/>
             <a:ext cx="9753600" cy="922114"/>
-          </a:xfrm>
-        </p:spPr>
-        <p:txBody>
-          <a:bodyPr/>
-          <a:lstStyle/>
-          <a:p>
-            <a:pPr algn="ctr"/>
-            <a:r>
-              <a:rPr lang="en-US" dirty="0">
-                <a:latin typeface="Times New Roman" panose="02020603050405020304" pitchFamily="18" charset="0"/>
-                <a:cs typeface="Times New Roman" panose="02020603050405020304" pitchFamily="18" charset="0"/>
-              </a:rPr>
-              <a:t>FUTURE SCOPE</a:t>
-            </a:r>
-            <a:endParaRPr lang="en-IN" dirty="0">
-              <a:latin typeface="Times New Roman" panose="02020603050405020304" pitchFamily="18" charset="0"/>
-              <a:cs typeface="Times New Roman" panose="02020603050405020304" pitchFamily="18" charset="0"/>
-            </a:endParaRPr>
-          </a:p>
-        </p:txBody>
-      </p:sp>
-      <p:sp>
-        <p:nvSpPr>
-          <p:cNvPr id="8" name="Content Placeholder 7">
-            <a:extLst>
-              <a:ext uri="{FF2B5EF4-FFF2-40B4-BE49-F238E27FC236}">
-                <a16:creationId xmlns:a16="http://schemas.microsoft.com/office/drawing/2014/main" id="{6E649C2B-FBE9-4861-8148-6AB551217E90}"/>
-              </a:ext>
-            </a:extLst>
-          </p:cNvPr>
-          <p:cNvSpPr>
-            <a:spLocks noGrp="1"/>
-          </p:cNvSpPr>
-          <p:nvPr>
-            <p:ph idx="1"/>
-          </p:nvPr>
-        </p:nvSpPr>
-        <p:spPr>
-          <a:xfrm>
-            <a:off x="333772" y="2060848"/>
-            <a:ext cx="11233248" cy="4680520"/>
           </a:xfrm>
         </p:spPr>
         <p:txBody>
@@ -4644,46 +4997,55 @@
           </a:bodyPr>
           <a:lstStyle/>
           <a:p>
-            <a:pPr algn="just">
-              <a:buFont typeface="Wingdings" panose="05000000000000000000" pitchFamily="2" charset="2"/>
-              <a:buChar char="Ø"/>
-            </a:pPr>
-            <a:r>
-              <a:rPr lang="en-US" sz="3200" dirty="0">
+            <a:r>
+              <a:rPr lang="en-US" sz="2400" dirty="0">
                 <a:latin typeface="Bell MT" panose="02020503060305020303" pitchFamily="18" charset="0"/>
+                <a:cs typeface="Times New Roman" panose="02020603050405020304" pitchFamily="18" charset="0"/>
               </a:rPr>
-              <a:t>We will include more functionality as per the user requirements.</a:t>
-            </a:r>
-          </a:p>
-          <a:p>
-            <a:pPr algn="just">
-              <a:buFont typeface="Wingdings" panose="05000000000000000000" pitchFamily="2" charset="2"/>
-              <a:buChar char="Ø"/>
-            </a:pPr>
-            <a:r>
-              <a:rPr lang="en-US" sz="3200" dirty="0">
-                <a:latin typeface="Bell MT" panose="02020503060305020303" pitchFamily="18" charset="0"/>
-              </a:rPr>
-              <a:t>We want to improved our home page, as it is the main thing which attracts all user.</a:t>
-            </a:r>
-          </a:p>
-          <a:p>
-            <a:pPr algn="just">
-              <a:buFont typeface="Wingdings" panose="05000000000000000000" pitchFamily="2" charset="2"/>
-              <a:buChar char="Ø"/>
-            </a:pPr>
-            <a:r>
-              <a:rPr lang="en-US" sz="3200" dirty="0">
-                <a:latin typeface="Bell MT" panose="02020503060305020303" pitchFamily="18" charset="0"/>
-              </a:rPr>
-              <a:t>Not a single website is ever consider as complete forever firstly because there is always something new requirement also are growing day by day.</a:t>
-            </a:r>
-            <a:endParaRPr lang="en-IN" sz="3200" dirty="0">
+              <a:t>Payment:-</a:t>
+            </a:r>
+            <a:endParaRPr lang="en-IN" sz="2400" dirty="0">
               <a:latin typeface="Bell MT" panose="02020503060305020303" pitchFamily="18" charset="0"/>
+              <a:cs typeface="Times New Roman" panose="02020603050405020304" pitchFamily="18" charset="0"/>
             </a:endParaRPr>
           </a:p>
         </p:txBody>
       </p:sp>
+      <p:pic>
+        <p:nvPicPr>
+          <p:cNvPr id="3" name="Content Placeholder 2">
+            <a:extLst>
+              <a:ext uri="{FF2B5EF4-FFF2-40B4-BE49-F238E27FC236}">
+                <a16:creationId xmlns:a16="http://schemas.microsoft.com/office/drawing/2014/main" id="{915F2722-32B4-4FBB-8617-895652FA8097}"/>
+              </a:ext>
+            </a:extLst>
+          </p:cNvPr>
+          <p:cNvPicPr>
+            <a:picLocks noGrp="1" noChangeAspect="1"/>
+          </p:cNvPicPr>
+          <p:nvPr>
+            <p:ph idx="1"/>
+          </p:nvPr>
+        </p:nvPicPr>
+        <p:blipFill>
+          <a:blip r:embed="rId2">
+            <a:extLst>
+              <a:ext uri="{28A0092B-C50C-407E-A947-70E740481C1C}">
+                <a14:useLocalDpi xmlns:a14="http://schemas.microsoft.com/office/drawing/2010/main" val="0"/>
+              </a:ext>
+            </a:extLst>
+          </a:blip>
+          <a:stretch>
+            <a:fillRect/>
+          </a:stretch>
+        </p:blipFill>
+        <p:spPr>
+          <a:xfrm>
+            <a:off x="693811" y="1124744"/>
+            <a:ext cx="10369153" cy="5400600"/>
+          </a:xfrm>
+        </p:spPr>
+      </p:pic>
     </p:spTree>
     <p:extLst>
       <p:ext uri="{BB962C8B-B14F-4D97-AF65-F5344CB8AC3E}">
@@ -4694,11 +5056,23 @@
   <p:clrMapOvr>
     <a:masterClrMapping/>
   </p:clrMapOvr>
+  <mc:AlternateContent xmlns:mc="http://schemas.openxmlformats.org/markup-compatibility/2006">
+    <mc:Choice xmlns:p14="http://schemas.microsoft.com/office/powerpoint/2010/main" Requires="p14">
+      <p:transition spd="slow" p14:dur="900">
+        <p14:warp dir="in"/>
+      </p:transition>
+    </mc:Choice>
+    <mc:Fallback>
+      <p:transition spd="slow">
+        <p:fade/>
+      </p:transition>
+    </mc:Fallback>
+  </mc:AlternateContent>
 </p:sld>
 </file>
 
-<file path=ppt/slides/slide12.xml><?xml version="1.0" encoding="utf-8"?>
-<p:sld xmlns:a="http://schemas.openxmlformats.org/drawingml/2006/main" xmlns:r="http://schemas.openxmlformats.org/officeDocument/2006/relationships" xmlns:p="http://schemas.openxmlformats.org/presentationml/2006/main" showMasterSp="0">
+<file path=ppt/slides/slide14.xml><?xml version="1.0" encoding="utf-8"?>
+<p:sld xmlns:a="http://schemas.openxmlformats.org/drawingml/2006/main" xmlns:r="http://schemas.openxmlformats.org/officeDocument/2006/relationships" xmlns:p="http://schemas.openxmlformats.org/presentationml/2006/main">
   <p:cSld>
     <p:spTree>
       <p:nvGrpSpPr>
@@ -4716,10 +5090,10 @@
       </p:grpSpPr>
       <p:sp>
         <p:nvSpPr>
-          <p:cNvPr id="2" name="Title 1">
-            <a:extLst>
-              <a:ext uri="{FF2B5EF4-FFF2-40B4-BE49-F238E27FC236}">
-                <a16:creationId xmlns:a16="http://schemas.microsoft.com/office/drawing/2014/main" id="{45FD8F3B-B511-461A-A3AA-3C66C208D8CD}"/>
+          <p:cNvPr id="7" name="Title 6">
+            <a:extLst>
+              <a:ext uri="{FF2B5EF4-FFF2-40B4-BE49-F238E27FC236}">
+                <a16:creationId xmlns:a16="http://schemas.microsoft.com/office/drawing/2014/main" id="{FF18B765-DBA9-4363-B9A2-B93468E10F3E}"/>
               </a:ext>
             </a:extLst>
           </p:cNvPr>
@@ -4730,112 +5104,129 @@
             <p:ph type="title"/>
           </p:nvPr>
         </p:nvSpPr>
-        <p:spPr/>
+        <p:spPr>
+          <a:xfrm>
+            <a:off x="1217614" y="274638"/>
+            <a:ext cx="9753600" cy="922114"/>
+          </a:xfrm>
+        </p:spPr>
+        <p:txBody>
+          <a:bodyPr/>
+          <a:lstStyle/>
+          <a:p>
+            <a:pPr algn="ctr"/>
+            <a:r>
+              <a:rPr lang="en-US" dirty="0">
+                <a:latin typeface="Times New Roman" panose="02020603050405020304" pitchFamily="18" charset="0"/>
+                <a:cs typeface="Times New Roman" panose="02020603050405020304" pitchFamily="18" charset="0"/>
+              </a:rPr>
+              <a:t>FUTURE SCOPE</a:t>
+            </a:r>
+            <a:endParaRPr lang="en-IN" dirty="0">
+              <a:latin typeface="Times New Roman" panose="02020603050405020304" pitchFamily="18" charset="0"/>
+              <a:cs typeface="Times New Roman" panose="02020603050405020304" pitchFamily="18" charset="0"/>
+            </a:endParaRPr>
+          </a:p>
+        </p:txBody>
+      </p:sp>
+      <p:sp>
+        <p:nvSpPr>
+          <p:cNvPr id="8" name="Content Placeholder 7">
+            <a:extLst>
+              <a:ext uri="{FF2B5EF4-FFF2-40B4-BE49-F238E27FC236}">
+                <a16:creationId xmlns:a16="http://schemas.microsoft.com/office/drawing/2014/main" id="{6E649C2B-FBE9-4861-8148-6AB551217E90}"/>
+              </a:ext>
+            </a:extLst>
+          </p:cNvPr>
+          <p:cNvSpPr>
+            <a:spLocks noGrp="1"/>
+          </p:cNvSpPr>
+          <p:nvPr>
+            <p:ph idx="1"/>
+          </p:nvPr>
+        </p:nvSpPr>
+        <p:spPr>
+          <a:xfrm>
+            <a:off x="333772" y="2060848"/>
+            <a:ext cx="11233248" cy="4680520"/>
+          </a:xfrm>
+        </p:spPr>
         <p:txBody>
           <a:bodyPr>
             <a:normAutofit/>
           </a:bodyPr>
           <a:lstStyle/>
           <a:p>
-            <a:pPr algn="ctr"/>
-            <a:r>
-              <a:rPr lang="en-US" sz="4400" dirty="0">
-                <a:latin typeface="Times New Roman" panose="02020603050405020304" pitchFamily="18" charset="0"/>
-                <a:cs typeface="Times New Roman" panose="02020603050405020304" pitchFamily="18" charset="0"/>
-              </a:rPr>
-              <a:t>REFERENCES</a:t>
-            </a:r>
-            <a:endParaRPr lang="en-IN" sz="4400" dirty="0">
-              <a:latin typeface="Times New Roman" panose="02020603050405020304" pitchFamily="18" charset="0"/>
-              <a:cs typeface="Times New Roman" panose="02020603050405020304" pitchFamily="18" charset="0"/>
-            </a:endParaRPr>
-          </a:p>
-        </p:txBody>
-      </p:sp>
-      <p:sp>
-        <p:nvSpPr>
-          <p:cNvPr id="3" name="Content Placeholder 2">
-            <a:extLst>
-              <a:ext uri="{FF2B5EF4-FFF2-40B4-BE49-F238E27FC236}">
-                <a16:creationId xmlns:a16="http://schemas.microsoft.com/office/drawing/2014/main" id="{5D4838ED-2BF2-431C-81E6-A360D85E29BE}"/>
-              </a:ext>
-            </a:extLst>
-          </p:cNvPr>
-          <p:cNvSpPr>
-            <a:spLocks noGrp="1"/>
-          </p:cNvSpPr>
-          <p:nvPr>
-            <p:ph idx="1"/>
-          </p:nvPr>
-        </p:nvSpPr>
-        <p:spPr>
-          <a:xfrm>
-            <a:off x="981844" y="2495884"/>
-            <a:ext cx="9753600" cy="4343400"/>
-          </a:xfrm>
-        </p:spPr>
-        <p:txBody>
-          <a:bodyPr/>
-          <a:lstStyle/>
-          <a:p>
-            <a:pPr>
+            <a:pPr algn="just">
               <a:buFont typeface="Wingdings" panose="05000000000000000000" pitchFamily="2" charset="2"/>
               <a:buChar char="Ø"/>
             </a:pPr>
             <a:r>
-              <a:rPr lang="fr-FR" dirty="0">
-                <a:hlinkClick r:id="rId2"/>
+              <a:rPr lang="en-US" sz="3200" dirty="0">
+                <a:latin typeface="Bell MT" panose="02020503060305020303" pitchFamily="18" charset="0"/>
               </a:rPr>
-              <a:t> https://www.wikipedia.com</a:t>
-            </a:r>
-            <a:endParaRPr lang="fr-FR" dirty="0"/>
-          </a:p>
-          <a:p>
-            <a:pPr>
+              <a:t>We will include more functionality as per the user requirements.</a:t>
+            </a:r>
+          </a:p>
+          <a:p>
+            <a:pPr algn="just">
               <a:buFont typeface="Wingdings" panose="05000000000000000000" pitchFamily="2" charset="2"/>
               <a:buChar char="Ø"/>
             </a:pPr>
             <a:r>
-              <a:rPr lang="fr-FR" dirty="0">
-                <a:hlinkClick r:id="rId3"/>
+              <a:rPr lang="en-US" sz="3200" dirty="0">
+                <a:latin typeface="Bell MT" panose="02020503060305020303" pitchFamily="18" charset="0"/>
               </a:rPr>
-              <a:t> https://www.indiaToursOnline.com</a:t>
-            </a:r>
-            <a:endParaRPr lang="fr-FR" dirty="0"/>
-          </a:p>
-          <a:p>
-            <a:pPr>
+              <a:t>We want to improved our home page, as it is the main thing which attracts all user.</a:t>
+            </a:r>
+          </a:p>
+          <a:p>
+            <a:pPr algn="just">
               <a:buFont typeface="Wingdings" panose="05000000000000000000" pitchFamily="2" charset="2"/>
               <a:buChar char="Ø"/>
             </a:pPr>
             <a:r>
-              <a:rPr lang="fr-FR" dirty="0">
-                <a:hlinkClick r:id="rId4"/>
+              <a:rPr lang="en-US" sz="3200" dirty="0">
+                <a:latin typeface="Bell MT" panose="02020503060305020303" pitchFamily="18" charset="0"/>
               </a:rPr>
-              <a:t> https://www.realitytoursandtravel.com</a:t>
-            </a:r>
-            <a:endParaRPr lang="fr-FR" dirty="0"/>
-          </a:p>
-          <a:p>
-            <a:endParaRPr lang="en-IN" dirty="0"/>
+              <a:t>Not a single website is ever consider as complete forever firstly because there is always something new requirement also are growing day by day.</a:t>
+            </a:r>
+          </a:p>
+          <a:p>
+            <a:pPr algn="just">
+              <a:buFont typeface="Wingdings" panose="05000000000000000000" pitchFamily="2" charset="2"/>
+              <a:buChar char="Ø"/>
+            </a:pPr>
+            <a:r>
+              <a:rPr lang="en-US" sz="3200" dirty="0">
+                <a:latin typeface="Bell MT" panose="02020503060305020303" pitchFamily="18" charset="0"/>
+              </a:rPr>
+              <a:t>Adding a chat option to interact with other travelers and admin</a:t>
+            </a:r>
+            <a:endParaRPr lang="en-IN" sz="3200" dirty="0">
+              <a:latin typeface="Bell MT" panose="02020503060305020303" pitchFamily="18" charset="0"/>
+            </a:endParaRPr>
           </a:p>
         </p:txBody>
       </p:sp>
     </p:spTree>
     <p:extLst>
       <p:ext uri="{BB962C8B-B14F-4D97-AF65-F5344CB8AC3E}">
-        <p14:creationId xmlns:p14="http://schemas.microsoft.com/office/powerpoint/2010/main" val="1285772647"/>
+        <p14:creationId xmlns:p14="http://schemas.microsoft.com/office/powerpoint/2010/main" val="4273128296"/>
       </p:ext>
     </p:extLst>
   </p:cSld>
   <p:clrMapOvr>
     <a:masterClrMapping/>
   </p:clrMapOvr>
+  <p:transition spd="slow">
+    <p:wipe/>
+  </p:transition>
 </p:sld>
 </file>
 
-<file path=ppt/slides/slide13.xml><?xml version="1.0" encoding="utf-8"?>
-<p:sld xmlns:a="http://schemas.openxmlformats.org/drawingml/2006/main" xmlns:r="http://schemas.openxmlformats.org/officeDocument/2006/relationships" xmlns:p="http://schemas.openxmlformats.org/presentationml/2006/main" showMasterSp="0">
+<file path=ppt/slides/slide15.xml><?xml version="1.0" encoding="utf-8"?>
+<p:sld xmlns:a="http://schemas.openxmlformats.org/drawingml/2006/main" xmlns:r="http://schemas.openxmlformats.org/officeDocument/2006/relationships" xmlns:p="http://schemas.openxmlformats.org/presentationml/2006/main">
   <p:cSld>
     <p:spTree>
       <p:nvGrpSpPr>
@@ -4856,7 +5247,7 @@
           <p:cNvPr id="2" name="Title 1">
             <a:extLst>
               <a:ext uri="{FF2B5EF4-FFF2-40B4-BE49-F238E27FC236}">
-                <a16:creationId xmlns:a16="http://schemas.microsoft.com/office/drawing/2014/main" id="{0CBFA234-E111-4DD4-98C5-0F34449F62A1}"/>
+                <a16:creationId xmlns:a16="http://schemas.microsoft.com/office/drawing/2014/main" id="{45FD8F3B-B511-461A-A3AA-3C66C208D8CD}"/>
               </a:ext>
             </a:extLst>
           </p:cNvPr>
@@ -4869,8 +5260,8 @@
         </p:nvSpPr>
         <p:spPr>
           <a:xfrm>
-            <a:off x="2349996" y="1196752"/>
-            <a:ext cx="9485314" cy="3960440"/>
+            <a:off x="1826078" y="188640"/>
+            <a:ext cx="8909366" cy="1280890"/>
           </a:xfrm>
         </p:spPr>
         <p:txBody>
@@ -4879,28 +5270,168 @@
           </a:bodyPr>
           <a:lstStyle/>
           <a:p>
-            <a:r>
-              <a:rPr lang="en-US" sz="9600" dirty="0">
-                <a:solidFill>
-                  <a:schemeClr val="tx1"/>
-                </a:solidFill>
-                <a:latin typeface="Algerian" panose="04020705040A02060702" pitchFamily="82" charset="0"/>
+            <a:pPr algn="ctr"/>
+            <a:r>
+              <a:rPr lang="en-US" sz="6000" dirty="0">
+                <a:latin typeface="Times New Roman" panose="02020603050405020304" pitchFamily="18" charset="0"/>
+                <a:cs typeface="Times New Roman" panose="02020603050405020304" pitchFamily="18" charset="0"/>
               </a:rPr>
-              <a:t>THANK YOU</a:t>
-            </a:r>
-            <a:endParaRPr lang="en-IN" sz="9600" dirty="0">
-              <a:solidFill>
-                <a:schemeClr val="tx1"/>
-              </a:solidFill>
-              <a:latin typeface="Algerian" panose="04020705040A02060702" pitchFamily="82" charset="0"/>
+              <a:t>REFERENCES</a:t>
+            </a:r>
+            <a:endParaRPr lang="en-IN" sz="6000" dirty="0">
+              <a:latin typeface="Times New Roman" panose="02020603050405020304" pitchFamily="18" charset="0"/>
+              <a:cs typeface="Times New Roman" panose="02020603050405020304" pitchFamily="18" charset="0"/>
             </a:endParaRPr>
+          </a:p>
+        </p:txBody>
+      </p:sp>
+      <p:sp>
+        <p:nvSpPr>
+          <p:cNvPr id="3" name="Content Placeholder 2">
+            <a:extLst>
+              <a:ext uri="{FF2B5EF4-FFF2-40B4-BE49-F238E27FC236}">
+                <a16:creationId xmlns:a16="http://schemas.microsoft.com/office/drawing/2014/main" id="{5D4838ED-2BF2-431C-81E6-A360D85E29BE}"/>
+              </a:ext>
+            </a:extLst>
+          </p:cNvPr>
+          <p:cNvSpPr>
+            <a:spLocks noGrp="1"/>
+          </p:cNvSpPr>
+          <p:nvPr>
+            <p:ph idx="1"/>
+          </p:nvPr>
+        </p:nvSpPr>
+        <p:spPr>
+          <a:xfrm>
+            <a:off x="969218" y="1988840"/>
+            <a:ext cx="9753600" cy="4343400"/>
+          </a:xfrm>
+        </p:spPr>
+        <p:txBody>
+          <a:bodyPr>
+            <a:normAutofit/>
+          </a:bodyPr>
+          <a:lstStyle/>
+          <a:p>
+            <a:pPr>
+              <a:buFont typeface="Wingdings" panose="05000000000000000000" pitchFamily="2" charset="2"/>
+              <a:buChar char="Ø"/>
+            </a:pPr>
+            <a:r>
+              <a:rPr lang="fr-FR" dirty="0">
+                <a:hlinkClick r:id="rId2"/>
+              </a:rPr>
+              <a:t> https://www.wikipedia.com</a:t>
+            </a:r>
+            <a:endParaRPr lang="fr-FR" dirty="0"/>
+          </a:p>
+          <a:p>
+            <a:pPr>
+              <a:buFont typeface="Wingdings" panose="05000000000000000000" pitchFamily="2" charset="2"/>
+              <a:buChar char="Ø"/>
+            </a:pPr>
+            <a:r>
+              <a:rPr lang="fr-FR" dirty="0">
+                <a:hlinkClick r:id="rId3"/>
+              </a:rPr>
+              <a:t> https://www.indiaToursOnline.com</a:t>
+            </a:r>
+            <a:endParaRPr lang="fr-FR" dirty="0"/>
+          </a:p>
+          <a:p>
+            <a:pPr>
+              <a:buFont typeface="Wingdings" panose="05000000000000000000" pitchFamily="2" charset="2"/>
+              <a:buChar char="Ø"/>
+            </a:pPr>
+            <a:r>
+              <a:rPr lang="fr-FR" dirty="0">
+                <a:hlinkClick r:id="rId4"/>
+              </a:rPr>
+              <a:t> https://www.realitytoursandtravel.com</a:t>
+            </a:r>
+            <a:endParaRPr lang="fr-FR" dirty="0"/>
+          </a:p>
+          <a:p>
+            <a:pPr lvl="0">
+              <a:buFont typeface="Wingdings" panose="05000000000000000000" pitchFamily="2" charset="2"/>
+              <a:buChar char="Ø"/>
+            </a:pPr>
+            <a:r>
+              <a:rPr lang="en-IN" u="sng" dirty="0">
+                <a:hlinkClick r:id="rId5"/>
+              </a:rPr>
+              <a:t> https://www.expedia.com</a:t>
+            </a:r>
+            <a:endParaRPr lang="en-IN" dirty="0"/>
+          </a:p>
+          <a:p>
+            <a:pPr lvl="0">
+              <a:buFont typeface="Wingdings" panose="05000000000000000000" pitchFamily="2" charset="2"/>
+              <a:buChar char="Ø"/>
+            </a:pPr>
+            <a:r>
+              <a:rPr lang="en-IN" u="sng" dirty="0">
+                <a:hlinkClick r:id="rId6"/>
+              </a:rPr>
+              <a:t> https://www.booking.com</a:t>
+            </a:r>
+            <a:endParaRPr lang="en-IN" dirty="0"/>
+          </a:p>
+          <a:p>
+            <a:pPr lvl="0">
+              <a:buFont typeface="Wingdings" panose="05000000000000000000" pitchFamily="2" charset="2"/>
+              <a:buChar char="Ø"/>
+            </a:pPr>
+            <a:r>
+              <a:rPr lang="en-IN" u="sng" dirty="0">
+                <a:hlinkClick r:id="rId7"/>
+              </a:rPr>
+              <a:t> https://www.airbnb.com</a:t>
+            </a:r>
+            <a:endParaRPr lang="en-IN" dirty="0"/>
+          </a:p>
+          <a:p>
+            <a:pPr lvl="0">
+              <a:buFont typeface="Wingdings" panose="05000000000000000000" pitchFamily="2" charset="2"/>
+              <a:buChar char="Ø"/>
+            </a:pPr>
+            <a:r>
+              <a:rPr lang="en-IN" u="sng" dirty="0">
+                <a:hlinkClick r:id="rId8"/>
+              </a:rPr>
+              <a:t> https://www.travelocity.com</a:t>
+            </a:r>
+            <a:endParaRPr lang="en-IN" dirty="0"/>
+          </a:p>
+          <a:p>
+            <a:pPr lvl="0">
+              <a:buFont typeface="Wingdings" panose="05000000000000000000" pitchFamily="2" charset="2"/>
+              <a:buChar char="Ø"/>
+            </a:pPr>
+            <a:r>
+              <a:rPr lang="en-IN" u="sng" dirty="0">
+                <a:hlinkClick r:id="rId9"/>
+              </a:rPr>
+              <a:t> https://www.orbitz.com</a:t>
+            </a:r>
+            <a:endParaRPr lang="en-IN" dirty="0"/>
+          </a:p>
+          <a:p>
+            <a:pPr>
+              <a:buFont typeface="Wingdings" panose="05000000000000000000" pitchFamily="2" charset="2"/>
+              <a:buChar char="Ø"/>
+            </a:pPr>
+            <a:endParaRPr lang="fr-FR" dirty="0"/>
+          </a:p>
+          <a:p>
+            <a:endParaRPr lang="en-IN" dirty="0"/>
           </a:p>
         </p:txBody>
       </p:sp>
     </p:spTree>
     <p:extLst>
       <p:ext uri="{BB962C8B-B14F-4D97-AF65-F5344CB8AC3E}">
-        <p14:creationId xmlns:p14="http://schemas.microsoft.com/office/powerpoint/2010/main" val="1538269293"/>
+        <p14:creationId xmlns:p14="http://schemas.microsoft.com/office/powerpoint/2010/main" val="1285772647"/>
       </p:ext>
     </p:extLst>
   </p:cSld>
@@ -4909,17 +5440,21 @@
   </p:clrMapOvr>
   <mc:AlternateContent xmlns:mc="http://schemas.openxmlformats.org/markup-compatibility/2006">
     <mc:Choice xmlns:p14="http://schemas.microsoft.com/office/powerpoint/2010/main" Requires="p14">
-      <p:transition p14:dur="0" advTm="36000000"/>
+      <p:transition spd="med" p14:dur="700">
+        <p:fade/>
+      </p:transition>
     </mc:Choice>
     <mc:Fallback>
-      <p:transition advTm="36000000"/>
+      <p:transition spd="med">
+        <p:fade/>
+      </p:transition>
     </mc:Fallback>
   </mc:AlternateContent>
 </p:sld>
 </file>
 
-<file path=ppt/slides/slide2.xml><?xml version="1.0" encoding="utf-8"?>
-<p:sld xmlns:a="http://schemas.openxmlformats.org/drawingml/2006/main" xmlns:r="http://schemas.openxmlformats.org/officeDocument/2006/relationships" xmlns:p="http://schemas.openxmlformats.org/presentationml/2006/main" showMasterSp="0">
+<file path=ppt/slides/slide16.xml><?xml version="1.0" encoding="utf-8"?>
+<p:sld xmlns:a="http://schemas.openxmlformats.org/drawingml/2006/main" xmlns:r="http://schemas.openxmlformats.org/officeDocument/2006/relationships" xmlns:p="http://schemas.openxmlformats.org/presentationml/2006/main">
   <p:cSld>
     <p:spTree>
       <p:nvGrpSpPr>
@@ -4937,7 +5472,13 @@
       </p:grpSpPr>
       <p:sp>
         <p:nvSpPr>
-          <p:cNvPr id="2" name="Title 1"/>
+          <p:cNvPr id="2" name="Title 1">
+            <a:extLst>
+              <a:ext uri="{FF2B5EF4-FFF2-40B4-BE49-F238E27FC236}">
+                <a16:creationId xmlns:a16="http://schemas.microsoft.com/office/drawing/2014/main" id="{0CBFA234-E111-4DD4-98C5-0F34449F62A1}"/>
+              </a:ext>
+            </a:extLst>
+          </p:cNvPr>
           <p:cNvSpPr>
             <a:spLocks noGrp="1"/>
           </p:cNvSpPr>
@@ -4947,8 +5488,8 @@
         </p:nvSpPr>
         <p:spPr>
           <a:xfrm>
-            <a:off x="549796" y="0"/>
-            <a:ext cx="9753600" cy="1325562"/>
+            <a:off x="2349996" y="1196752"/>
+            <a:ext cx="9485314" cy="3960440"/>
           </a:xfrm>
         </p:spPr>
         <p:txBody>
@@ -4957,98 +5498,51 @@
           </a:bodyPr>
           <a:lstStyle/>
           <a:p>
-            <a:pPr algn="ctr"/>
-            <a:r>
-              <a:rPr lang="en-US" sz="6000" dirty="0">
-                <a:latin typeface="Times New Roman" panose="02020603050405020304" pitchFamily="18" charset="0"/>
-                <a:cs typeface="Times New Roman" panose="02020603050405020304" pitchFamily="18" charset="0"/>
+            <a:r>
+              <a:rPr lang="en-US" sz="9600" dirty="0">
+                <a:solidFill>
+                  <a:schemeClr val="tx1"/>
+                </a:solidFill>
+                <a:latin typeface="Algerian" panose="04020705040A02060702" pitchFamily="82" charset="0"/>
               </a:rPr>
-              <a:t>introduction</a:t>
-            </a:r>
-          </a:p>
-        </p:txBody>
-      </p:sp>
-      <p:sp>
-        <p:nvSpPr>
-          <p:cNvPr id="3" name="Content Placeholder 2"/>
-          <p:cNvSpPr>
-            <a:spLocks noGrp="1"/>
-          </p:cNvSpPr>
-          <p:nvPr>
-            <p:ph idx="1"/>
-          </p:nvPr>
-        </p:nvSpPr>
-        <p:spPr>
-          <a:xfrm>
-            <a:off x="477788" y="1484784"/>
-            <a:ext cx="11089232" cy="4968552"/>
-          </a:xfrm>
-        </p:spPr>
-        <p:txBody>
-          <a:bodyPr>
-            <a:normAutofit/>
-          </a:bodyPr>
-          <a:lstStyle/>
-          <a:p>
-            <a:pPr algn="just">
-              <a:buFont typeface="Wingdings" panose="05000000000000000000" pitchFamily="2" charset="2"/>
-              <a:buChar char="§"/>
-            </a:pPr>
-            <a:r>
-              <a:rPr lang="en-US" dirty="0">
-                <a:latin typeface="Calibri" panose="020F0502020204030204" pitchFamily="34" charset="0"/>
-                <a:cs typeface="Calibri" panose="020F0502020204030204" pitchFamily="34" charset="0"/>
-              </a:rPr>
-              <a:t>The Travel Buddy is a Java-based project designed to streamline and automate various aspects of travel planning and management. By leveraging advanced technology and user-friendly interfaces, the Travel Buddy aims to enhance efficiency, convenience, and cost-effectiveness for both travelers and travel administrators.</a:t>
-            </a:r>
-          </a:p>
-          <a:p>
-            <a:pPr algn="just">
-              <a:buFont typeface="Wingdings" panose="05000000000000000000" pitchFamily="2" charset="2"/>
-              <a:buChar char="§"/>
-            </a:pPr>
-            <a:r>
-              <a:rPr lang="en-US" dirty="0">
-                <a:latin typeface="Calibri" panose="020F0502020204030204" pitchFamily="34" charset="0"/>
-                <a:cs typeface="Calibri" panose="020F0502020204030204" pitchFamily="34" charset="0"/>
-              </a:rPr>
-              <a:t>Moreover, the Travel Buddy simplifies the process of itinerary management by providing intuitive tools for booking flights, hotels, rental cars, and other travel services. </a:t>
-            </a:r>
-          </a:p>
-          <a:p>
-            <a:pPr algn="just">
-              <a:buFont typeface="Wingdings" panose="05000000000000000000" pitchFamily="2" charset="2"/>
-              <a:buChar char="§"/>
-            </a:pPr>
-            <a:r>
-              <a:rPr lang="en-US" dirty="0">
-                <a:latin typeface="Calibri" panose="020F0502020204030204" pitchFamily="34" charset="0"/>
-                <a:cs typeface="Calibri" panose="020F0502020204030204" pitchFamily="34" charset="0"/>
-              </a:rPr>
-              <a:t>Overall, the Travel Management System offers a comprehensive solution for managing all aspects of corporate or personal travel. </a:t>
-            </a:r>
-            <a:endParaRPr lang="en-US" dirty="0"/>
-          </a:p>
-          <a:p>
-            <a:endParaRPr lang="en-US" dirty="0"/>
+              <a:t>THANK YOU</a:t>
+            </a:r>
+            <a:endParaRPr lang="en-IN" sz="9600" dirty="0">
+              <a:solidFill>
+                <a:schemeClr val="tx1"/>
+              </a:solidFill>
+              <a:latin typeface="Algerian" panose="04020705040A02060702" pitchFamily="82" charset="0"/>
+            </a:endParaRPr>
           </a:p>
         </p:txBody>
       </p:sp>
     </p:spTree>
     <p:extLst>
       <p:ext uri="{BB962C8B-B14F-4D97-AF65-F5344CB8AC3E}">
-        <p14:creationId xmlns:p14="http://schemas.microsoft.com/office/powerpoint/2010/main" val="1413815826"/>
+        <p14:creationId xmlns:p14="http://schemas.microsoft.com/office/powerpoint/2010/main" val="1538269293"/>
       </p:ext>
     </p:extLst>
   </p:cSld>
   <p:clrMapOvr>
     <a:masterClrMapping/>
   </p:clrMapOvr>
+  <mc:AlternateContent xmlns:mc="http://schemas.openxmlformats.org/markup-compatibility/2006">
+    <mc:Choice xmlns:p15="http://schemas.microsoft.com/office/powerpoint/2012/main" Requires="p15">
+      <p:transition xmlns:p14="http://schemas.microsoft.com/office/powerpoint/2010/main" spd="slow" p14:dur="3250" advTm="36000000">
+        <p15:prstTrans prst="origami"/>
+      </p:transition>
+    </mc:Choice>
+    <mc:Fallback>
+      <p:transition spd="slow" advTm="36000000">
+        <p:fade/>
+      </p:transition>
+    </mc:Fallback>
+  </mc:AlternateContent>
 </p:sld>
 </file>
 
-<file path=ppt/slides/slide3.xml><?xml version="1.0" encoding="utf-8"?>
-<p:sld xmlns:a="http://schemas.openxmlformats.org/drawingml/2006/main" xmlns:r="http://schemas.openxmlformats.org/officeDocument/2006/relationships" xmlns:p="http://schemas.openxmlformats.org/presentationml/2006/main" showMasterSp="0">
+<file path=ppt/slides/slide2.xml><?xml version="1.0" encoding="utf-8"?>
+<p:sld xmlns:a="http://schemas.openxmlformats.org/drawingml/2006/main" xmlns:r="http://schemas.openxmlformats.org/officeDocument/2006/relationships" xmlns:p="http://schemas.openxmlformats.org/presentationml/2006/main">
   <p:cSld>
     <p:spTree>
       <p:nvGrpSpPr>
@@ -5069,7 +5563,7 @@
           <p:cNvPr id="2" name="Title 1">
             <a:extLst>
               <a:ext uri="{FF2B5EF4-FFF2-40B4-BE49-F238E27FC236}">
-                <a16:creationId xmlns:a16="http://schemas.microsoft.com/office/drawing/2014/main" id="{EDEA65C5-6213-4911-ACD0-DC4199EB8F91}"/>
+                <a16:creationId xmlns:a16="http://schemas.microsoft.com/office/drawing/2014/main" id="{63F3BF1D-5874-45F8-9E19-06C1DF57F0D9}"/>
               </a:ext>
             </a:extLst>
           </p:cNvPr>
@@ -5082,49 +5576,8 @@
         </p:nvSpPr>
         <p:spPr>
           <a:xfrm>
-            <a:off x="1209012" y="188640"/>
-            <a:ext cx="9753600" cy="1008112"/>
-          </a:xfrm>
-        </p:spPr>
-        <p:txBody>
-          <a:bodyPr/>
-          <a:lstStyle/>
-          <a:p>
-            <a:pPr algn="ctr"/>
-            <a:r>
-              <a:rPr lang="en-US" dirty="0">
-                <a:latin typeface="Times New Roman" panose="02020603050405020304" pitchFamily="18" charset="0"/>
-                <a:cs typeface="Times New Roman" panose="02020603050405020304" pitchFamily="18" charset="0"/>
-              </a:rPr>
-              <a:t>Problem statement</a:t>
-            </a:r>
-            <a:endParaRPr lang="en-IN" dirty="0">
-              <a:latin typeface="Times New Roman" panose="02020603050405020304" pitchFamily="18" charset="0"/>
-              <a:cs typeface="Times New Roman" panose="02020603050405020304" pitchFamily="18" charset="0"/>
-            </a:endParaRPr>
-          </a:p>
-        </p:txBody>
-      </p:sp>
-      <p:sp>
-        <p:nvSpPr>
-          <p:cNvPr id="3" name="Content Placeholder 2">
-            <a:extLst>
-              <a:ext uri="{FF2B5EF4-FFF2-40B4-BE49-F238E27FC236}">
-                <a16:creationId xmlns:a16="http://schemas.microsoft.com/office/drawing/2014/main" id="{1E7BF937-486F-467A-8740-2A04E92F4806}"/>
-              </a:ext>
-            </a:extLst>
-          </p:cNvPr>
-          <p:cNvSpPr>
-            <a:spLocks noGrp="1"/>
-          </p:cNvSpPr>
-          <p:nvPr>
-            <p:ph idx="1"/>
-          </p:nvPr>
-        </p:nvSpPr>
-        <p:spPr>
-          <a:xfrm>
-            <a:off x="361176" y="1628800"/>
-            <a:ext cx="11449272" cy="4351338"/>
+            <a:off x="837982" y="18901"/>
+            <a:ext cx="10512862" cy="1325563"/>
           </a:xfrm>
         </p:spPr>
         <p:txBody>
@@ -5133,63 +5586,1092 @@
           </a:bodyPr>
           <a:lstStyle/>
           <a:p>
-            <a:pPr marL="571500" indent="-571500" algn="just">
-              <a:buFont typeface="+mj-lt"/>
-              <a:buAutoNum type="romanUcPeriod"/>
-            </a:pPr>
-            <a:r>
-              <a:rPr lang="en-US" dirty="0"/>
-              <a:t>The purpose of website is established fact that Internet users are increasing today. Today One of the main purposes of the website is to facilitate the offline customer online because customers cannot spend their precious time in markets trying to find out the best deal.</a:t>
-            </a:r>
-          </a:p>
-          <a:p>
-            <a:pPr marL="571500" indent="-571500" algn="just">
-              <a:buFont typeface="+mj-lt"/>
-              <a:buAutoNum type="romanUcPeriod"/>
-            </a:pPr>
-            <a:r>
-              <a:rPr lang="en-US" dirty="0"/>
-              <a:t>Our priority will be our customers and their travel requirements.</a:t>
-            </a:r>
-          </a:p>
-          <a:p>
-            <a:pPr marL="571500" indent="-571500" algn="just">
-              <a:buFont typeface="+mj-lt"/>
-              <a:buAutoNum type="romanUcPeriod"/>
-            </a:pPr>
-            <a:r>
-              <a:rPr lang="en-US" dirty="0"/>
-              <a:t> There will be many users visiting the portal and hence we require a strong and reliable frontend which can withhold the users on our site.</a:t>
-            </a:r>
-          </a:p>
-          <a:p>
-            <a:pPr marL="571500" indent="-571500" algn="just">
-              <a:buFont typeface="+mj-lt"/>
-              <a:buAutoNum type="romanUcPeriod"/>
-            </a:pPr>
-            <a:r>
-              <a:rPr lang="en-US" dirty="0"/>
-              <a:t>We will be putting an effort to provide the right choice to the people when they plan a holiday and beware them from the false advertising.</a:t>
-            </a:r>
-            <a:endParaRPr lang="en-IN" dirty="0"/>
-          </a:p>
-        </p:txBody>
-      </p:sp>
+            <a:pPr algn="ctr"/>
+            <a:r>
+              <a:rPr lang="en-US" sz="6000" dirty="0">
+                <a:latin typeface="Times New Roman" panose="02020603050405020304" pitchFamily="18" charset="0"/>
+                <a:cs typeface="Times New Roman" panose="02020603050405020304" pitchFamily="18" charset="0"/>
+              </a:rPr>
+              <a:t>CONTENT</a:t>
+            </a:r>
+            <a:endParaRPr lang="en-IN" sz="6000" dirty="0">
+              <a:latin typeface="Times New Roman" panose="02020603050405020304" pitchFamily="18" charset="0"/>
+              <a:cs typeface="Times New Roman" panose="02020603050405020304" pitchFamily="18" charset="0"/>
+            </a:endParaRPr>
+          </a:p>
+        </p:txBody>
+      </p:sp>
+      <p:graphicFrame>
+        <p:nvGraphicFramePr>
+          <p:cNvPr id="4" name="Content Placeholder 3">
+            <a:extLst>
+              <a:ext uri="{FF2B5EF4-FFF2-40B4-BE49-F238E27FC236}">
+                <a16:creationId xmlns:a16="http://schemas.microsoft.com/office/drawing/2014/main" id="{B1E4F9EC-3E46-4CE6-82F5-1A49A5247DD6}"/>
+              </a:ext>
+            </a:extLst>
+          </p:cNvPr>
+          <p:cNvGraphicFramePr>
+            <a:graphicFrameLocks noGrp="1"/>
+          </p:cNvGraphicFramePr>
+          <p:nvPr>
+            <p:ph idx="1"/>
+            <p:extLst>
+              <p:ext uri="{D42A27DB-BD31-4B8C-83A1-F6EECF244321}">
+                <p14:modId xmlns:p14="http://schemas.microsoft.com/office/powerpoint/2010/main" val="1603162110"/>
+              </p:ext>
+            </p:extLst>
+          </p:nvPr>
+        </p:nvGraphicFramePr>
+        <p:xfrm>
+          <a:off x="2277988" y="1317328"/>
+          <a:ext cx="7344816" cy="4947777"/>
+        </p:xfrm>
+        <a:graphic>
+          <a:graphicData uri="http://schemas.openxmlformats.org/drawingml/2006/table">
+            <a:tbl>
+              <a:tblPr firstRow="1" bandRow="1">
+                <a:tableStyleId>{2D5ABB26-0587-4C30-8999-92F81FD0307C}</a:tableStyleId>
+              </a:tblPr>
+              <a:tblGrid>
+                <a:gridCol w="1484672">
+                  <a:extLst>
+                    <a:ext uri="{9D8B030D-6E8A-4147-A177-3AD203B41FA5}">
+                      <a16:colId xmlns:a16="http://schemas.microsoft.com/office/drawing/2014/main" val="1454279347"/>
+                    </a:ext>
+                  </a:extLst>
+                </a:gridCol>
+                <a:gridCol w="5860144">
+                  <a:extLst>
+                    <a:ext uri="{9D8B030D-6E8A-4147-A177-3AD203B41FA5}">
+                      <a16:colId xmlns:a16="http://schemas.microsoft.com/office/drawing/2014/main" val="1980933519"/>
+                    </a:ext>
+                  </a:extLst>
+                </a:gridCol>
+              </a:tblGrid>
+              <a:tr h="549753">
+                <a:tc>
+                  <a:txBody>
+                    <a:bodyPr/>
+                    <a:lstStyle/>
+                    <a:p>
+                      <a:pPr algn="ctr"/>
+                      <a:r>
+                        <a:rPr lang="en-US" sz="2800" dirty="0"/>
+                        <a:t>S NO.</a:t>
+                      </a:r>
+                      <a:endParaRPr lang="en-IN" sz="2800" dirty="0"/>
+                    </a:p>
+                  </a:txBody>
+                  <a:tcPr>
+                    <a:lnL w="12700" cap="flat" cmpd="sng" algn="ctr">
+                      <a:solidFill>
+                        <a:schemeClr val="tx1"/>
+                      </a:solidFill>
+                      <a:prstDash val="solid"/>
+                      <a:round/>
+                      <a:headEnd type="none" w="med" len="med"/>
+                      <a:tailEnd type="none" w="med" len="med"/>
+                    </a:lnL>
+                    <a:lnR w="12700" cap="flat" cmpd="sng" algn="ctr">
+                      <a:solidFill>
+                        <a:schemeClr val="tx1"/>
+                      </a:solidFill>
+                      <a:prstDash val="solid"/>
+                      <a:round/>
+                      <a:headEnd type="none" w="med" len="med"/>
+                      <a:tailEnd type="none" w="med" len="med"/>
+                    </a:lnR>
+                    <a:lnT w="12700" cap="flat" cmpd="sng" algn="ctr">
+                      <a:solidFill>
+                        <a:schemeClr val="tx1"/>
+                      </a:solidFill>
+                      <a:prstDash val="solid"/>
+                      <a:round/>
+                      <a:headEnd type="none" w="med" len="med"/>
+                      <a:tailEnd type="none" w="med" len="med"/>
+                    </a:lnT>
+                    <a:lnB w="12700" cap="flat" cmpd="sng" algn="ctr">
+                      <a:solidFill>
+                        <a:schemeClr val="tx1"/>
+                      </a:solidFill>
+                      <a:prstDash val="solid"/>
+                      <a:round/>
+                      <a:headEnd type="none" w="med" len="med"/>
+                      <a:tailEnd type="none" w="med" len="med"/>
+                    </a:lnB>
+                    <a:solidFill>
+                      <a:srgbClr val="D676A3"/>
+                    </a:solidFill>
+                  </a:tcPr>
+                </a:tc>
+                <a:tc>
+                  <a:txBody>
+                    <a:bodyPr/>
+                    <a:lstStyle/>
+                    <a:p>
+                      <a:pPr algn="ctr"/>
+                      <a:r>
+                        <a:rPr lang="en-US" sz="2800" dirty="0"/>
+                        <a:t>TITLE</a:t>
+                      </a:r>
+                    </a:p>
+                  </a:txBody>
+                  <a:tcPr>
+                    <a:lnL w="12700" cap="flat" cmpd="sng" algn="ctr">
+                      <a:solidFill>
+                        <a:schemeClr val="tx1"/>
+                      </a:solidFill>
+                      <a:prstDash val="solid"/>
+                      <a:round/>
+                      <a:headEnd type="none" w="med" len="med"/>
+                      <a:tailEnd type="none" w="med" len="med"/>
+                    </a:lnL>
+                    <a:lnR w="12700" cap="flat" cmpd="sng" algn="ctr">
+                      <a:solidFill>
+                        <a:schemeClr val="tx1"/>
+                      </a:solidFill>
+                      <a:prstDash val="solid"/>
+                      <a:round/>
+                      <a:headEnd type="none" w="med" len="med"/>
+                      <a:tailEnd type="none" w="med" len="med"/>
+                    </a:lnR>
+                    <a:lnT w="12700" cap="flat" cmpd="sng" algn="ctr">
+                      <a:solidFill>
+                        <a:schemeClr val="tx1"/>
+                      </a:solidFill>
+                      <a:prstDash val="solid"/>
+                      <a:round/>
+                      <a:headEnd type="none" w="med" len="med"/>
+                      <a:tailEnd type="none" w="med" len="med"/>
+                    </a:lnT>
+                    <a:lnB w="12700" cap="flat" cmpd="sng" algn="ctr">
+                      <a:solidFill>
+                        <a:schemeClr val="tx1"/>
+                      </a:solidFill>
+                      <a:prstDash val="solid"/>
+                      <a:round/>
+                      <a:headEnd type="none" w="med" len="med"/>
+                      <a:tailEnd type="none" w="med" len="med"/>
+                    </a:lnB>
+                    <a:solidFill>
+                      <a:srgbClr val="D676A3"/>
+                    </a:solidFill>
+                  </a:tcPr>
+                </a:tc>
+                <a:extLst>
+                  <a:ext uri="{0D108BD9-81ED-4DB2-BD59-A6C34878D82A}">
+                    <a16:rowId xmlns:a16="http://schemas.microsoft.com/office/drawing/2014/main" val="742725573"/>
+                  </a:ext>
+                </a:extLst>
+              </a:tr>
+              <a:tr h="549753">
+                <a:tc>
+                  <a:txBody>
+                    <a:bodyPr/>
+                    <a:lstStyle/>
+                    <a:p>
+                      <a:pPr algn="ctr"/>
+                      <a:r>
+                        <a:rPr lang="en-US" sz="2800" dirty="0"/>
+                        <a:t>1</a:t>
+                      </a:r>
+                    </a:p>
+                  </a:txBody>
+                  <a:tcPr>
+                    <a:lnL w="12700" cap="flat" cmpd="sng" algn="ctr">
+                      <a:solidFill>
+                        <a:schemeClr val="tx1"/>
+                      </a:solidFill>
+                      <a:prstDash val="solid"/>
+                      <a:round/>
+                      <a:headEnd type="none" w="med" len="med"/>
+                      <a:tailEnd type="none" w="med" len="med"/>
+                    </a:lnL>
+                    <a:lnR w="12700" cap="flat" cmpd="sng" algn="ctr">
+                      <a:solidFill>
+                        <a:schemeClr val="tx1"/>
+                      </a:solidFill>
+                      <a:prstDash val="solid"/>
+                      <a:round/>
+                      <a:headEnd type="none" w="med" len="med"/>
+                      <a:tailEnd type="none" w="med" len="med"/>
+                    </a:lnR>
+                    <a:lnT w="12700" cap="flat" cmpd="sng" algn="ctr">
+                      <a:solidFill>
+                        <a:schemeClr val="tx1"/>
+                      </a:solidFill>
+                      <a:prstDash val="solid"/>
+                      <a:round/>
+                      <a:headEnd type="none" w="med" len="med"/>
+                      <a:tailEnd type="none" w="med" len="med"/>
+                    </a:lnT>
+                    <a:lnB w="12700" cap="flat" cmpd="sng" algn="ctr">
+                      <a:solidFill>
+                        <a:schemeClr val="tx1"/>
+                      </a:solidFill>
+                      <a:prstDash val="solid"/>
+                      <a:round/>
+                      <a:headEnd type="none" w="med" len="med"/>
+                      <a:tailEnd type="none" w="med" len="med"/>
+                    </a:lnB>
+                  </a:tcPr>
+                </a:tc>
+                <a:tc>
+                  <a:txBody>
+                    <a:bodyPr/>
+                    <a:lstStyle/>
+                    <a:p>
+                      <a:pPr algn="ctr"/>
+                      <a:r>
+                        <a:rPr lang="en-US" sz="2800" dirty="0"/>
+                        <a:t>Introduction</a:t>
+                      </a:r>
+                    </a:p>
+                  </a:txBody>
+                  <a:tcPr>
+                    <a:lnL w="12700" cap="flat" cmpd="sng" algn="ctr">
+                      <a:solidFill>
+                        <a:schemeClr val="tx1"/>
+                      </a:solidFill>
+                      <a:prstDash val="solid"/>
+                      <a:round/>
+                      <a:headEnd type="none" w="med" len="med"/>
+                      <a:tailEnd type="none" w="med" len="med"/>
+                    </a:lnL>
+                    <a:lnR w="12700" cap="flat" cmpd="sng" algn="ctr">
+                      <a:solidFill>
+                        <a:schemeClr val="tx1"/>
+                      </a:solidFill>
+                      <a:prstDash val="solid"/>
+                      <a:round/>
+                      <a:headEnd type="none" w="med" len="med"/>
+                      <a:tailEnd type="none" w="med" len="med"/>
+                    </a:lnR>
+                    <a:lnT w="12700" cap="flat" cmpd="sng" algn="ctr">
+                      <a:solidFill>
+                        <a:schemeClr val="tx1"/>
+                      </a:solidFill>
+                      <a:prstDash val="solid"/>
+                      <a:round/>
+                      <a:headEnd type="none" w="med" len="med"/>
+                      <a:tailEnd type="none" w="med" len="med"/>
+                    </a:lnT>
+                    <a:lnB w="12700" cap="flat" cmpd="sng" algn="ctr">
+                      <a:solidFill>
+                        <a:schemeClr val="tx1"/>
+                      </a:solidFill>
+                      <a:prstDash val="solid"/>
+                      <a:round/>
+                      <a:headEnd type="none" w="med" len="med"/>
+                      <a:tailEnd type="none" w="med" len="med"/>
+                    </a:lnB>
+                  </a:tcPr>
+                </a:tc>
+                <a:extLst>
+                  <a:ext uri="{0D108BD9-81ED-4DB2-BD59-A6C34878D82A}">
+                    <a16:rowId xmlns:a16="http://schemas.microsoft.com/office/drawing/2014/main" val="528447021"/>
+                  </a:ext>
+                </a:extLst>
+              </a:tr>
+              <a:tr h="549753">
+                <a:tc>
+                  <a:txBody>
+                    <a:bodyPr/>
+                    <a:lstStyle/>
+                    <a:p>
+                      <a:pPr algn="ctr"/>
+                      <a:r>
+                        <a:rPr lang="en-US" sz="2800" dirty="0"/>
+                        <a:t>2</a:t>
+                      </a:r>
+                      <a:endParaRPr lang="en-IN" sz="2800" dirty="0"/>
+                    </a:p>
+                  </a:txBody>
+                  <a:tcPr>
+                    <a:lnL w="12700" cap="flat" cmpd="sng" algn="ctr">
+                      <a:solidFill>
+                        <a:schemeClr val="tx1"/>
+                      </a:solidFill>
+                      <a:prstDash val="solid"/>
+                      <a:round/>
+                      <a:headEnd type="none" w="med" len="med"/>
+                      <a:tailEnd type="none" w="med" len="med"/>
+                    </a:lnL>
+                    <a:lnR w="12700" cap="flat" cmpd="sng" algn="ctr">
+                      <a:solidFill>
+                        <a:schemeClr val="tx1"/>
+                      </a:solidFill>
+                      <a:prstDash val="solid"/>
+                      <a:round/>
+                      <a:headEnd type="none" w="med" len="med"/>
+                      <a:tailEnd type="none" w="med" len="med"/>
+                    </a:lnR>
+                    <a:lnT w="12700" cap="flat" cmpd="sng" algn="ctr">
+                      <a:solidFill>
+                        <a:schemeClr val="tx1"/>
+                      </a:solidFill>
+                      <a:prstDash val="solid"/>
+                      <a:round/>
+                      <a:headEnd type="none" w="med" len="med"/>
+                      <a:tailEnd type="none" w="med" len="med"/>
+                    </a:lnT>
+                    <a:lnB w="12700" cap="flat" cmpd="sng" algn="ctr">
+                      <a:solidFill>
+                        <a:schemeClr val="tx1"/>
+                      </a:solidFill>
+                      <a:prstDash val="solid"/>
+                      <a:round/>
+                      <a:headEnd type="none" w="med" len="med"/>
+                      <a:tailEnd type="none" w="med" len="med"/>
+                    </a:lnB>
+                  </a:tcPr>
+                </a:tc>
+                <a:tc>
+                  <a:txBody>
+                    <a:bodyPr/>
+                    <a:lstStyle/>
+                    <a:p>
+                      <a:pPr algn="ctr"/>
+                      <a:r>
+                        <a:rPr lang="en-US" sz="2800" dirty="0"/>
+                        <a:t>Problem Statement</a:t>
+                      </a:r>
+                    </a:p>
+                  </a:txBody>
+                  <a:tcPr>
+                    <a:lnL w="12700" cap="flat" cmpd="sng" algn="ctr">
+                      <a:solidFill>
+                        <a:schemeClr val="tx1"/>
+                      </a:solidFill>
+                      <a:prstDash val="solid"/>
+                      <a:round/>
+                      <a:headEnd type="none" w="med" len="med"/>
+                      <a:tailEnd type="none" w="med" len="med"/>
+                    </a:lnL>
+                    <a:lnR w="12700" cap="flat" cmpd="sng" algn="ctr">
+                      <a:solidFill>
+                        <a:schemeClr val="tx1"/>
+                      </a:solidFill>
+                      <a:prstDash val="solid"/>
+                      <a:round/>
+                      <a:headEnd type="none" w="med" len="med"/>
+                      <a:tailEnd type="none" w="med" len="med"/>
+                    </a:lnR>
+                    <a:lnT w="12700" cap="flat" cmpd="sng" algn="ctr">
+                      <a:solidFill>
+                        <a:schemeClr val="tx1"/>
+                      </a:solidFill>
+                      <a:prstDash val="solid"/>
+                      <a:round/>
+                      <a:headEnd type="none" w="med" len="med"/>
+                      <a:tailEnd type="none" w="med" len="med"/>
+                    </a:lnT>
+                    <a:lnB w="12700" cap="flat" cmpd="sng" algn="ctr">
+                      <a:solidFill>
+                        <a:schemeClr val="tx1"/>
+                      </a:solidFill>
+                      <a:prstDash val="solid"/>
+                      <a:round/>
+                      <a:headEnd type="none" w="med" len="med"/>
+                      <a:tailEnd type="none" w="med" len="med"/>
+                    </a:lnB>
+                  </a:tcPr>
+                </a:tc>
+                <a:extLst>
+                  <a:ext uri="{0D108BD9-81ED-4DB2-BD59-A6C34878D82A}">
+                    <a16:rowId xmlns:a16="http://schemas.microsoft.com/office/drawing/2014/main" val="1453492670"/>
+                  </a:ext>
+                </a:extLst>
+              </a:tr>
+              <a:tr h="549753">
+                <a:tc>
+                  <a:txBody>
+                    <a:bodyPr/>
+                    <a:lstStyle/>
+                    <a:p>
+                      <a:pPr algn="ctr"/>
+                      <a:r>
+                        <a:rPr lang="en-US" sz="2800" dirty="0"/>
+                        <a:t>3</a:t>
+                      </a:r>
+                      <a:endParaRPr lang="en-IN" sz="2800" dirty="0"/>
+                    </a:p>
+                  </a:txBody>
+                  <a:tcPr>
+                    <a:lnL w="12700" cap="flat" cmpd="sng" algn="ctr">
+                      <a:solidFill>
+                        <a:schemeClr val="tx1"/>
+                      </a:solidFill>
+                      <a:prstDash val="solid"/>
+                      <a:round/>
+                      <a:headEnd type="none" w="med" len="med"/>
+                      <a:tailEnd type="none" w="med" len="med"/>
+                    </a:lnL>
+                    <a:lnR w="12700" cap="flat" cmpd="sng" algn="ctr">
+                      <a:solidFill>
+                        <a:schemeClr val="tx1"/>
+                      </a:solidFill>
+                      <a:prstDash val="solid"/>
+                      <a:round/>
+                      <a:headEnd type="none" w="med" len="med"/>
+                      <a:tailEnd type="none" w="med" len="med"/>
+                    </a:lnR>
+                    <a:lnT w="12700" cap="flat" cmpd="sng" algn="ctr">
+                      <a:solidFill>
+                        <a:schemeClr val="tx1"/>
+                      </a:solidFill>
+                      <a:prstDash val="solid"/>
+                      <a:round/>
+                      <a:headEnd type="none" w="med" len="med"/>
+                      <a:tailEnd type="none" w="med" len="med"/>
+                    </a:lnT>
+                    <a:lnB w="12700" cap="flat" cmpd="sng" algn="ctr">
+                      <a:solidFill>
+                        <a:schemeClr val="tx1"/>
+                      </a:solidFill>
+                      <a:prstDash val="solid"/>
+                      <a:round/>
+                      <a:headEnd type="none" w="med" len="med"/>
+                      <a:tailEnd type="none" w="med" len="med"/>
+                    </a:lnB>
+                  </a:tcPr>
+                </a:tc>
+                <a:tc>
+                  <a:txBody>
+                    <a:bodyPr/>
+                    <a:lstStyle/>
+                    <a:p>
+                      <a:pPr algn="ctr"/>
+                      <a:r>
+                        <a:rPr lang="en-US" sz="2800" dirty="0"/>
+                        <a:t>Techniques Used</a:t>
+                      </a:r>
+                    </a:p>
+                  </a:txBody>
+                  <a:tcPr>
+                    <a:lnL w="12700" cap="flat" cmpd="sng" algn="ctr">
+                      <a:solidFill>
+                        <a:schemeClr val="tx1"/>
+                      </a:solidFill>
+                      <a:prstDash val="solid"/>
+                      <a:round/>
+                      <a:headEnd type="none" w="med" len="med"/>
+                      <a:tailEnd type="none" w="med" len="med"/>
+                    </a:lnL>
+                    <a:lnR w="12700" cap="flat" cmpd="sng" algn="ctr">
+                      <a:solidFill>
+                        <a:schemeClr val="tx1"/>
+                      </a:solidFill>
+                      <a:prstDash val="solid"/>
+                      <a:round/>
+                      <a:headEnd type="none" w="med" len="med"/>
+                      <a:tailEnd type="none" w="med" len="med"/>
+                    </a:lnR>
+                    <a:lnT w="12700" cap="flat" cmpd="sng" algn="ctr">
+                      <a:solidFill>
+                        <a:schemeClr val="tx1"/>
+                      </a:solidFill>
+                      <a:prstDash val="solid"/>
+                      <a:round/>
+                      <a:headEnd type="none" w="med" len="med"/>
+                      <a:tailEnd type="none" w="med" len="med"/>
+                    </a:lnT>
+                    <a:lnB w="12700" cap="flat" cmpd="sng" algn="ctr">
+                      <a:solidFill>
+                        <a:schemeClr val="tx1"/>
+                      </a:solidFill>
+                      <a:prstDash val="solid"/>
+                      <a:round/>
+                      <a:headEnd type="none" w="med" len="med"/>
+                      <a:tailEnd type="none" w="med" len="med"/>
+                    </a:lnB>
+                  </a:tcPr>
+                </a:tc>
+                <a:extLst>
+                  <a:ext uri="{0D108BD9-81ED-4DB2-BD59-A6C34878D82A}">
+                    <a16:rowId xmlns:a16="http://schemas.microsoft.com/office/drawing/2014/main" val="1446698030"/>
+                  </a:ext>
+                </a:extLst>
+              </a:tr>
+              <a:tr h="549753">
+                <a:tc>
+                  <a:txBody>
+                    <a:bodyPr/>
+                    <a:lstStyle/>
+                    <a:p>
+                      <a:pPr algn="ctr"/>
+                      <a:r>
+                        <a:rPr lang="en-US" sz="2800" dirty="0"/>
+                        <a:t>4</a:t>
+                      </a:r>
+                      <a:endParaRPr lang="en-IN" sz="2800" dirty="0"/>
+                    </a:p>
+                  </a:txBody>
+                  <a:tcPr>
+                    <a:lnL w="12700" cap="flat" cmpd="sng" algn="ctr">
+                      <a:solidFill>
+                        <a:schemeClr val="tx1"/>
+                      </a:solidFill>
+                      <a:prstDash val="solid"/>
+                      <a:round/>
+                      <a:headEnd type="none" w="med" len="med"/>
+                      <a:tailEnd type="none" w="med" len="med"/>
+                    </a:lnL>
+                    <a:lnR w="12700" cap="flat" cmpd="sng" algn="ctr">
+                      <a:solidFill>
+                        <a:schemeClr val="tx1"/>
+                      </a:solidFill>
+                      <a:prstDash val="solid"/>
+                      <a:round/>
+                      <a:headEnd type="none" w="med" len="med"/>
+                      <a:tailEnd type="none" w="med" len="med"/>
+                    </a:lnR>
+                    <a:lnT w="12700" cap="flat" cmpd="sng" algn="ctr">
+                      <a:solidFill>
+                        <a:schemeClr val="tx1"/>
+                      </a:solidFill>
+                      <a:prstDash val="solid"/>
+                      <a:round/>
+                      <a:headEnd type="none" w="med" len="med"/>
+                      <a:tailEnd type="none" w="med" len="med"/>
+                    </a:lnT>
+                    <a:lnB w="12700" cap="flat" cmpd="sng" algn="ctr">
+                      <a:solidFill>
+                        <a:schemeClr val="tx1"/>
+                      </a:solidFill>
+                      <a:prstDash val="solid"/>
+                      <a:round/>
+                      <a:headEnd type="none" w="med" len="med"/>
+                      <a:tailEnd type="none" w="med" len="med"/>
+                    </a:lnB>
+                  </a:tcPr>
+                </a:tc>
+                <a:tc>
+                  <a:txBody>
+                    <a:bodyPr/>
+                    <a:lstStyle/>
+                    <a:p>
+                      <a:pPr algn="ctr"/>
+                      <a:r>
+                        <a:rPr lang="en-US" sz="2800" dirty="0"/>
+                        <a:t>Diagrams</a:t>
+                      </a:r>
+                    </a:p>
+                  </a:txBody>
+                  <a:tcPr>
+                    <a:lnL w="12700" cap="flat" cmpd="sng" algn="ctr">
+                      <a:solidFill>
+                        <a:schemeClr val="tx1"/>
+                      </a:solidFill>
+                      <a:prstDash val="solid"/>
+                      <a:round/>
+                      <a:headEnd type="none" w="med" len="med"/>
+                      <a:tailEnd type="none" w="med" len="med"/>
+                    </a:lnL>
+                    <a:lnR w="12700" cap="flat" cmpd="sng" algn="ctr">
+                      <a:solidFill>
+                        <a:schemeClr val="tx1"/>
+                      </a:solidFill>
+                      <a:prstDash val="solid"/>
+                      <a:round/>
+                      <a:headEnd type="none" w="med" len="med"/>
+                      <a:tailEnd type="none" w="med" len="med"/>
+                    </a:lnR>
+                    <a:lnT w="12700" cap="flat" cmpd="sng" algn="ctr">
+                      <a:solidFill>
+                        <a:schemeClr val="tx1"/>
+                      </a:solidFill>
+                      <a:prstDash val="solid"/>
+                      <a:round/>
+                      <a:headEnd type="none" w="med" len="med"/>
+                      <a:tailEnd type="none" w="med" len="med"/>
+                    </a:lnT>
+                    <a:lnB w="12700" cap="flat" cmpd="sng" algn="ctr">
+                      <a:solidFill>
+                        <a:schemeClr val="tx1"/>
+                      </a:solidFill>
+                      <a:prstDash val="solid"/>
+                      <a:round/>
+                      <a:headEnd type="none" w="med" len="med"/>
+                      <a:tailEnd type="none" w="med" len="med"/>
+                    </a:lnB>
+                  </a:tcPr>
+                </a:tc>
+                <a:extLst>
+                  <a:ext uri="{0D108BD9-81ED-4DB2-BD59-A6C34878D82A}">
+                    <a16:rowId xmlns:a16="http://schemas.microsoft.com/office/drawing/2014/main" val="1736558512"/>
+                  </a:ext>
+                </a:extLst>
+              </a:tr>
+              <a:tr h="549753">
+                <a:tc>
+                  <a:txBody>
+                    <a:bodyPr/>
+                    <a:lstStyle/>
+                    <a:p>
+                      <a:pPr algn="ctr"/>
+                      <a:r>
+                        <a:rPr lang="en-US" sz="2800" dirty="0"/>
+                        <a:t>5</a:t>
+                      </a:r>
+                      <a:endParaRPr lang="en-IN" sz="2800" dirty="0"/>
+                    </a:p>
+                  </a:txBody>
+                  <a:tcPr>
+                    <a:lnL w="12700" cap="flat" cmpd="sng" algn="ctr">
+                      <a:solidFill>
+                        <a:schemeClr val="tx1"/>
+                      </a:solidFill>
+                      <a:prstDash val="solid"/>
+                      <a:round/>
+                      <a:headEnd type="none" w="med" len="med"/>
+                      <a:tailEnd type="none" w="med" len="med"/>
+                    </a:lnL>
+                    <a:lnR w="12700" cap="flat" cmpd="sng" algn="ctr">
+                      <a:solidFill>
+                        <a:schemeClr val="tx1"/>
+                      </a:solidFill>
+                      <a:prstDash val="solid"/>
+                      <a:round/>
+                      <a:headEnd type="none" w="med" len="med"/>
+                      <a:tailEnd type="none" w="med" len="med"/>
+                    </a:lnR>
+                    <a:lnT w="12700" cap="flat" cmpd="sng" algn="ctr">
+                      <a:solidFill>
+                        <a:schemeClr val="tx1"/>
+                      </a:solidFill>
+                      <a:prstDash val="solid"/>
+                      <a:round/>
+                      <a:headEnd type="none" w="med" len="med"/>
+                      <a:tailEnd type="none" w="med" len="med"/>
+                    </a:lnT>
+                    <a:lnB w="12700" cap="flat" cmpd="sng" algn="ctr">
+                      <a:solidFill>
+                        <a:schemeClr val="tx1"/>
+                      </a:solidFill>
+                      <a:prstDash val="solid"/>
+                      <a:round/>
+                      <a:headEnd type="none" w="med" len="med"/>
+                      <a:tailEnd type="none" w="med" len="med"/>
+                    </a:lnB>
+                  </a:tcPr>
+                </a:tc>
+                <a:tc>
+                  <a:txBody>
+                    <a:bodyPr/>
+                    <a:lstStyle/>
+                    <a:p>
+                      <a:pPr algn="ctr"/>
+                      <a:r>
+                        <a:rPr lang="en-US" sz="2800" dirty="0"/>
+                        <a:t>Modules</a:t>
+                      </a:r>
+                    </a:p>
+                  </a:txBody>
+                  <a:tcPr>
+                    <a:lnL w="12700" cap="flat" cmpd="sng" algn="ctr">
+                      <a:solidFill>
+                        <a:schemeClr val="tx1"/>
+                      </a:solidFill>
+                      <a:prstDash val="solid"/>
+                      <a:round/>
+                      <a:headEnd type="none" w="med" len="med"/>
+                      <a:tailEnd type="none" w="med" len="med"/>
+                    </a:lnL>
+                    <a:lnR w="12700" cap="flat" cmpd="sng" algn="ctr">
+                      <a:solidFill>
+                        <a:schemeClr val="tx1"/>
+                      </a:solidFill>
+                      <a:prstDash val="solid"/>
+                      <a:round/>
+                      <a:headEnd type="none" w="med" len="med"/>
+                      <a:tailEnd type="none" w="med" len="med"/>
+                    </a:lnR>
+                    <a:lnT w="12700" cap="flat" cmpd="sng" algn="ctr">
+                      <a:solidFill>
+                        <a:schemeClr val="tx1"/>
+                      </a:solidFill>
+                      <a:prstDash val="solid"/>
+                      <a:round/>
+                      <a:headEnd type="none" w="med" len="med"/>
+                      <a:tailEnd type="none" w="med" len="med"/>
+                    </a:lnT>
+                    <a:lnB w="12700" cap="flat" cmpd="sng" algn="ctr">
+                      <a:solidFill>
+                        <a:schemeClr val="tx1"/>
+                      </a:solidFill>
+                      <a:prstDash val="solid"/>
+                      <a:round/>
+                      <a:headEnd type="none" w="med" len="med"/>
+                      <a:tailEnd type="none" w="med" len="med"/>
+                    </a:lnB>
+                  </a:tcPr>
+                </a:tc>
+                <a:extLst>
+                  <a:ext uri="{0D108BD9-81ED-4DB2-BD59-A6C34878D82A}">
+                    <a16:rowId xmlns:a16="http://schemas.microsoft.com/office/drawing/2014/main" val="953439642"/>
+                  </a:ext>
+                </a:extLst>
+              </a:tr>
+              <a:tr h="549753">
+                <a:tc>
+                  <a:txBody>
+                    <a:bodyPr/>
+                    <a:lstStyle/>
+                    <a:p>
+                      <a:pPr algn="ctr"/>
+                      <a:r>
+                        <a:rPr lang="en-US" sz="2800" dirty="0"/>
+                        <a:t>6</a:t>
+                      </a:r>
+                      <a:endParaRPr lang="en-IN" sz="2800" dirty="0"/>
+                    </a:p>
+                  </a:txBody>
+                  <a:tcPr>
+                    <a:lnL w="12700" cap="flat" cmpd="sng" algn="ctr">
+                      <a:solidFill>
+                        <a:schemeClr val="tx1"/>
+                      </a:solidFill>
+                      <a:prstDash val="solid"/>
+                      <a:round/>
+                      <a:headEnd type="none" w="med" len="med"/>
+                      <a:tailEnd type="none" w="med" len="med"/>
+                    </a:lnL>
+                    <a:lnR w="12700" cap="flat" cmpd="sng" algn="ctr">
+                      <a:solidFill>
+                        <a:schemeClr val="tx1"/>
+                      </a:solidFill>
+                      <a:prstDash val="solid"/>
+                      <a:round/>
+                      <a:headEnd type="none" w="med" len="med"/>
+                      <a:tailEnd type="none" w="med" len="med"/>
+                    </a:lnR>
+                    <a:lnT w="12700" cap="flat" cmpd="sng" algn="ctr">
+                      <a:solidFill>
+                        <a:schemeClr val="tx1"/>
+                      </a:solidFill>
+                      <a:prstDash val="solid"/>
+                      <a:round/>
+                      <a:headEnd type="none" w="med" len="med"/>
+                      <a:tailEnd type="none" w="med" len="med"/>
+                    </a:lnT>
+                    <a:lnB w="12700" cap="flat" cmpd="sng" algn="ctr">
+                      <a:solidFill>
+                        <a:schemeClr val="tx1"/>
+                      </a:solidFill>
+                      <a:prstDash val="solid"/>
+                      <a:round/>
+                      <a:headEnd type="none" w="med" len="med"/>
+                      <a:tailEnd type="none" w="med" len="med"/>
+                    </a:lnB>
+                  </a:tcPr>
+                </a:tc>
+                <a:tc>
+                  <a:txBody>
+                    <a:bodyPr/>
+                    <a:lstStyle/>
+                    <a:p>
+                      <a:pPr algn="ctr"/>
+                      <a:r>
+                        <a:rPr lang="en-US" sz="2800" dirty="0"/>
+                        <a:t>Sample Screenshots</a:t>
+                      </a:r>
+                    </a:p>
+                  </a:txBody>
+                  <a:tcPr>
+                    <a:lnL w="12700" cap="flat" cmpd="sng" algn="ctr">
+                      <a:solidFill>
+                        <a:schemeClr val="tx1"/>
+                      </a:solidFill>
+                      <a:prstDash val="solid"/>
+                      <a:round/>
+                      <a:headEnd type="none" w="med" len="med"/>
+                      <a:tailEnd type="none" w="med" len="med"/>
+                    </a:lnL>
+                    <a:lnR w="12700" cap="flat" cmpd="sng" algn="ctr">
+                      <a:solidFill>
+                        <a:schemeClr val="tx1"/>
+                      </a:solidFill>
+                      <a:prstDash val="solid"/>
+                      <a:round/>
+                      <a:headEnd type="none" w="med" len="med"/>
+                      <a:tailEnd type="none" w="med" len="med"/>
+                    </a:lnR>
+                    <a:lnT w="12700" cap="flat" cmpd="sng" algn="ctr">
+                      <a:solidFill>
+                        <a:schemeClr val="tx1"/>
+                      </a:solidFill>
+                      <a:prstDash val="solid"/>
+                      <a:round/>
+                      <a:headEnd type="none" w="med" len="med"/>
+                      <a:tailEnd type="none" w="med" len="med"/>
+                    </a:lnT>
+                    <a:lnB w="12700" cap="flat" cmpd="sng" algn="ctr">
+                      <a:solidFill>
+                        <a:schemeClr val="tx1"/>
+                      </a:solidFill>
+                      <a:prstDash val="solid"/>
+                      <a:round/>
+                      <a:headEnd type="none" w="med" len="med"/>
+                      <a:tailEnd type="none" w="med" len="med"/>
+                    </a:lnB>
+                  </a:tcPr>
+                </a:tc>
+                <a:extLst>
+                  <a:ext uri="{0D108BD9-81ED-4DB2-BD59-A6C34878D82A}">
+                    <a16:rowId xmlns:a16="http://schemas.microsoft.com/office/drawing/2014/main" val="4291213970"/>
+                  </a:ext>
+                </a:extLst>
+              </a:tr>
+              <a:tr h="549753">
+                <a:tc>
+                  <a:txBody>
+                    <a:bodyPr/>
+                    <a:lstStyle/>
+                    <a:p>
+                      <a:pPr algn="ctr"/>
+                      <a:r>
+                        <a:rPr lang="en-US" sz="2800" dirty="0"/>
+                        <a:t>7</a:t>
+                      </a:r>
+                    </a:p>
+                  </a:txBody>
+                  <a:tcPr>
+                    <a:lnL w="12700" cap="flat" cmpd="sng" algn="ctr">
+                      <a:solidFill>
+                        <a:schemeClr val="tx1"/>
+                      </a:solidFill>
+                      <a:prstDash val="solid"/>
+                      <a:round/>
+                      <a:headEnd type="none" w="med" len="med"/>
+                      <a:tailEnd type="none" w="med" len="med"/>
+                    </a:lnL>
+                    <a:lnR w="12700" cap="flat" cmpd="sng" algn="ctr">
+                      <a:solidFill>
+                        <a:schemeClr val="tx1"/>
+                      </a:solidFill>
+                      <a:prstDash val="solid"/>
+                      <a:round/>
+                      <a:headEnd type="none" w="med" len="med"/>
+                      <a:tailEnd type="none" w="med" len="med"/>
+                    </a:lnR>
+                    <a:lnT w="12700" cap="flat" cmpd="sng" algn="ctr">
+                      <a:solidFill>
+                        <a:schemeClr val="tx1"/>
+                      </a:solidFill>
+                      <a:prstDash val="solid"/>
+                      <a:round/>
+                      <a:headEnd type="none" w="med" len="med"/>
+                      <a:tailEnd type="none" w="med" len="med"/>
+                    </a:lnT>
+                    <a:lnB w="12700" cap="flat" cmpd="sng" algn="ctr">
+                      <a:solidFill>
+                        <a:schemeClr val="tx1"/>
+                      </a:solidFill>
+                      <a:prstDash val="solid"/>
+                      <a:round/>
+                      <a:headEnd type="none" w="med" len="med"/>
+                      <a:tailEnd type="none" w="med" len="med"/>
+                    </a:lnB>
+                  </a:tcPr>
+                </a:tc>
+                <a:tc>
+                  <a:txBody>
+                    <a:bodyPr/>
+                    <a:lstStyle/>
+                    <a:p>
+                      <a:pPr algn="ctr"/>
+                      <a:r>
+                        <a:rPr lang="en-US" sz="2800" dirty="0"/>
+                        <a:t>Future Scope</a:t>
+                      </a:r>
+                    </a:p>
+                  </a:txBody>
+                  <a:tcPr>
+                    <a:lnL w="12700" cap="flat" cmpd="sng" algn="ctr">
+                      <a:solidFill>
+                        <a:schemeClr val="tx1"/>
+                      </a:solidFill>
+                      <a:prstDash val="solid"/>
+                      <a:round/>
+                      <a:headEnd type="none" w="med" len="med"/>
+                      <a:tailEnd type="none" w="med" len="med"/>
+                    </a:lnL>
+                    <a:lnR w="12700" cap="flat" cmpd="sng" algn="ctr">
+                      <a:solidFill>
+                        <a:schemeClr val="tx1"/>
+                      </a:solidFill>
+                      <a:prstDash val="solid"/>
+                      <a:round/>
+                      <a:headEnd type="none" w="med" len="med"/>
+                      <a:tailEnd type="none" w="med" len="med"/>
+                    </a:lnR>
+                    <a:lnT w="12700" cap="flat" cmpd="sng" algn="ctr">
+                      <a:solidFill>
+                        <a:schemeClr val="tx1"/>
+                      </a:solidFill>
+                      <a:prstDash val="solid"/>
+                      <a:round/>
+                      <a:headEnd type="none" w="med" len="med"/>
+                      <a:tailEnd type="none" w="med" len="med"/>
+                    </a:lnT>
+                    <a:lnB w="12700" cap="flat" cmpd="sng" algn="ctr">
+                      <a:solidFill>
+                        <a:schemeClr val="tx1"/>
+                      </a:solidFill>
+                      <a:prstDash val="solid"/>
+                      <a:round/>
+                      <a:headEnd type="none" w="med" len="med"/>
+                      <a:tailEnd type="none" w="med" len="med"/>
+                    </a:lnB>
+                  </a:tcPr>
+                </a:tc>
+                <a:extLst>
+                  <a:ext uri="{0D108BD9-81ED-4DB2-BD59-A6C34878D82A}">
+                    <a16:rowId xmlns:a16="http://schemas.microsoft.com/office/drawing/2014/main" val="39815199"/>
+                  </a:ext>
+                </a:extLst>
+              </a:tr>
+              <a:tr h="549753">
+                <a:tc>
+                  <a:txBody>
+                    <a:bodyPr/>
+                    <a:lstStyle/>
+                    <a:p>
+                      <a:pPr algn="ctr"/>
+                      <a:r>
+                        <a:rPr lang="en-US" sz="2800" dirty="0"/>
+                        <a:t>8</a:t>
+                      </a:r>
+                    </a:p>
+                  </a:txBody>
+                  <a:tcPr>
+                    <a:lnL w="12700" cap="flat" cmpd="sng" algn="ctr">
+                      <a:solidFill>
+                        <a:schemeClr val="tx1"/>
+                      </a:solidFill>
+                      <a:prstDash val="solid"/>
+                      <a:round/>
+                      <a:headEnd type="none" w="med" len="med"/>
+                      <a:tailEnd type="none" w="med" len="med"/>
+                    </a:lnL>
+                    <a:lnR w="12700" cap="flat" cmpd="sng" algn="ctr">
+                      <a:solidFill>
+                        <a:schemeClr val="tx1"/>
+                      </a:solidFill>
+                      <a:prstDash val="solid"/>
+                      <a:round/>
+                      <a:headEnd type="none" w="med" len="med"/>
+                      <a:tailEnd type="none" w="med" len="med"/>
+                    </a:lnR>
+                    <a:lnT w="12700" cap="flat" cmpd="sng" algn="ctr">
+                      <a:solidFill>
+                        <a:schemeClr val="tx1"/>
+                      </a:solidFill>
+                      <a:prstDash val="solid"/>
+                      <a:round/>
+                      <a:headEnd type="none" w="med" len="med"/>
+                      <a:tailEnd type="none" w="med" len="med"/>
+                    </a:lnT>
+                    <a:lnB w="12700" cap="flat" cmpd="sng" algn="ctr">
+                      <a:solidFill>
+                        <a:schemeClr val="tx1"/>
+                      </a:solidFill>
+                      <a:prstDash val="solid"/>
+                      <a:round/>
+                      <a:headEnd type="none" w="med" len="med"/>
+                      <a:tailEnd type="none" w="med" len="med"/>
+                    </a:lnB>
+                  </a:tcPr>
+                </a:tc>
+                <a:tc>
+                  <a:txBody>
+                    <a:bodyPr/>
+                    <a:lstStyle/>
+                    <a:p>
+                      <a:pPr algn="ctr"/>
+                      <a:r>
+                        <a:rPr lang="en-US" sz="2800" dirty="0"/>
+                        <a:t>References</a:t>
+                      </a:r>
+                    </a:p>
+                  </a:txBody>
+                  <a:tcPr>
+                    <a:lnL w="12700" cap="flat" cmpd="sng" algn="ctr">
+                      <a:solidFill>
+                        <a:schemeClr val="tx1"/>
+                      </a:solidFill>
+                      <a:prstDash val="solid"/>
+                      <a:round/>
+                      <a:headEnd type="none" w="med" len="med"/>
+                      <a:tailEnd type="none" w="med" len="med"/>
+                    </a:lnL>
+                    <a:lnR w="12700" cap="flat" cmpd="sng" algn="ctr">
+                      <a:solidFill>
+                        <a:schemeClr val="tx1"/>
+                      </a:solidFill>
+                      <a:prstDash val="solid"/>
+                      <a:round/>
+                      <a:headEnd type="none" w="med" len="med"/>
+                      <a:tailEnd type="none" w="med" len="med"/>
+                    </a:lnR>
+                    <a:lnT w="12700" cap="flat" cmpd="sng" algn="ctr">
+                      <a:solidFill>
+                        <a:schemeClr val="tx1"/>
+                      </a:solidFill>
+                      <a:prstDash val="solid"/>
+                      <a:round/>
+                      <a:headEnd type="none" w="med" len="med"/>
+                      <a:tailEnd type="none" w="med" len="med"/>
+                    </a:lnT>
+                    <a:lnB w="12700" cap="flat" cmpd="sng" algn="ctr">
+                      <a:solidFill>
+                        <a:schemeClr val="tx1"/>
+                      </a:solidFill>
+                      <a:prstDash val="solid"/>
+                      <a:round/>
+                      <a:headEnd type="none" w="med" len="med"/>
+                      <a:tailEnd type="none" w="med" len="med"/>
+                    </a:lnB>
+                  </a:tcPr>
+                </a:tc>
+                <a:extLst>
+                  <a:ext uri="{0D108BD9-81ED-4DB2-BD59-A6C34878D82A}">
+                    <a16:rowId xmlns:a16="http://schemas.microsoft.com/office/drawing/2014/main" val="242021722"/>
+                  </a:ext>
+                </a:extLst>
+              </a:tr>
+            </a:tbl>
+          </a:graphicData>
+        </a:graphic>
+      </p:graphicFrame>
     </p:spTree>
     <p:extLst>
       <p:ext uri="{BB962C8B-B14F-4D97-AF65-F5344CB8AC3E}">
-        <p14:creationId xmlns:p14="http://schemas.microsoft.com/office/powerpoint/2010/main" val="1473538032"/>
+        <p14:creationId xmlns:p14="http://schemas.microsoft.com/office/powerpoint/2010/main" val="64069733"/>
       </p:ext>
     </p:extLst>
   </p:cSld>
   <p:clrMapOvr>
     <a:masterClrMapping/>
   </p:clrMapOvr>
+  <mc:AlternateContent xmlns:mc="http://schemas.openxmlformats.org/markup-compatibility/2006">
+    <mc:Choice xmlns:p15="http://schemas.microsoft.com/office/powerpoint/2012/main" Requires="p15">
+      <p:transition xmlns:p14="http://schemas.microsoft.com/office/powerpoint/2010/main" spd="slow" p14:dur="2000">
+        <p15:prstTrans prst="drape"/>
+      </p:transition>
+    </mc:Choice>
+    <mc:Fallback>
+      <p:transition spd="slow">
+        <p:fade/>
+      </p:transition>
+    </mc:Fallback>
+  </mc:AlternateContent>
 </p:sld>
 </file>
 
-<file path=ppt/slides/slide4.xml><?xml version="1.0" encoding="utf-8"?>
-<p:sld xmlns:a="http://schemas.openxmlformats.org/drawingml/2006/main" xmlns:r="http://schemas.openxmlformats.org/officeDocument/2006/relationships" xmlns:p="http://schemas.openxmlformats.org/presentationml/2006/main" showMasterSp="0">
+<file path=ppt/slides/slide3.xml><?xml version="1.0" encoding="utf-8"?>
+<p:sld xmlns:a="http://schemas.openxmlformats.org/drawingml/2006/main" xmlns:r="http://schemas.openxmlformats.org/officeDocument/2006/relationships" xmlns:p="http://schemas.openxmlformats.org/presentationml/2006/main">
   <p:cSld>
     <p:spTree>
       <p:nvGrpSpPr>
@@ -5207,13 +6689,7 @@
       </p:grpSpPr>
       <p:sp>
         <p:nvSpPr>
-          <p:cNvPr id="2" name="Title 1">
-            <a:extLst>
-              <a:ext uri="{FF2B5EF4-FFF2-40B4-BE49-F238E27FC236}">
-                <a16:creationId xmlns:a16="http://schemas.microsoft.com/office/drawing/2014/main" id="{36EB037A-B54F-450E-BD35-BD13FF7AC75D}"/>
-              </a:ext>
-            </a:extLst>
-          </p:cNvPr>
+          <p:cNvPr id="2" name="Title 1"/>
           <p:cNvSpPr>
             <a:spLocks noGrp="1"/>
           </p:cNvSpPr>
@@ -5223,8 +6699,8 @@
         </p:nvSpPr>
         <p:spPr>
           <a:xfrm>
-            <a:off x="765820" y="116633"/>
-            <a:ext cx="10205394" cy="1008111"/>
+            <a:off x="549796" y="0"/>
+            <a:ext cx="9753600" cy="1325562"/>
           </a:xfrm>
         </p:spPr>
         <p:txBody>
@@ -5237,28 +6713,16 @@
             <a:r>
               <a:rPr lang="en-US" sz="6000" dirty="0">
                 <a:latin typeface="Times New Roman" panose="02020603050405020304" pitchFamily="18" charset="0"/>
-                <a:ea typeface="Tahoma" panose="020B0604030504040204" pitchFamily="34" charset="0"/>
                 <a:cs typeface="Times New Roman" panose="02020603050405020304" pitchFamily="18" charset="0"/>
               </a:rPr>
-              <a:t>Techniques used</a:t>
-            </a:r>
-            <a:endParaRPr lang="en-IN" sz="6000" dirty="0">
-              <a:latin typeface="Times New Roman" panose="02020603050405020304" pitchFamily="18" charset="0"/>
-              <a:ea typeface="Tahoma" panose="020B0604030504040204" pitchFamily="34" charset="0"/>
-              <a:cs typeface="Times New Roman" panose="02020603050405020304" pitchFamily="18" charset="0"/>
-            </a:endParaRPr>
-          </a:p>
-        </p:txBody>
-      </p:sp>
-      <p:sp>
-        <p:nvSpPr>
-          <p:cNvPr id="3" name="Content Placeholder 2">
-            <a:extLst>
-              <a:ext uri="{FF2B5EF4-FFF2-40B4-BE49-F238E27FC236}">
-                <a16:creationId xmlns:a16="http://schemas.microsoft.com/office/drawing/2014/main" id="{83B5835B-6238-48B7-A20A-3E4097E79CE4}"/>
-              </a:ext>
-            </a:extLst>
-          </p:cNvPr>
+              <a:t>Introduction</a:t>
+            </a:r>
+          </a:p>
+        </p:txBody>
+      </p:sp>
+      <p:sp>
+        <p:nvSpPr>
+          <p:cNvPr id="3" name="Content Placeholder 2"/>
           <p:cNvSpPr>
             <a:spLocks noGrp="1"/>
           </p:cNvSpPr>
@@ -5268,186 +6732,114 @@
         </p:nvSpPr>
         <p:spPr>
           <a:xfrm>
-            <a:off x="117748" y="1124744"/>
-            <a:ext cx="11881320" cy="6984776"/>
+            <a:off x="405780" y="1484784"/>
+            <a:ext cx="11089232" cy="4968552"/>
           </a:xfrm>
         </p:spPr>
         <p:txBody>
           <a:bodyPr>
-            <a:noAutofit/>
+            <a:normAutofit fontScale="92500" lnSpcReduction="10000"/>
           </a:bodyPr>
           <a:lstStyle/>
           <a:p>
-            <a:pPr marL="45720" indent="0" algn="just">
-              <a:buNone/>
+            <a:pPr algn="just">
+              <a:buFont typeface="Wingdings" panose="05000000000000000000" pitchFamily="2" charset="2"/>
+              <a:buChar char="§"/>
             </a:pPr>
             <a:r>
-              <a:rPr lang="en-US" sz="1800" b="1" dirty="0">
+              <a:rPr lang="en-US" dirty="0">
                 <a:latin typeface="Calibri" panose="020F0502020204030204" pitchFamily="34" charset="0"/>
                 <a:cs typeface="Calibri" panose="020F0502020204030204" pitchFamily="34" charset="0"/>
               </a:rPr>
-              <a:t>1. User Interface Design using Java Swing and AWT:</a:t>
-            </a:r>
-            <a:endParaRPr lang="en-US" sz="1800" dirty="0">
+              <a:t>The Travel Buddy is a Java-based project designed to streamline and automate various aspects of travel planning and management. By leveraging advanced technology and user-friendly interfaces, the Travel Buddy aims to enhance efficiency, convenience, and cost-effectiveness for both travelers and travel administrators.</a:t>
+            </a:r>
+          </a:p>
+          <a:p>
+            <a:pPr algn="just">
+              <a:buFont typeface="Wingdings" panose="05000000000000000000" pitchFamily="2" charset="2"/>
+              <a:buChar char="§"/>
+            </a:pPr>
+            <a:r>
+              <a:rPr lang="en-US" dirty="0">
+                <a:latin typeface="Calibri" panose="020F0502020204030204" pitchFamily="34" charset="0"/>
+                <a:cs typeface="Calibri" panose="020F0502020204030204" pitchFamily="34" charset="0"/>
+              </a:rPr>
+              <a:t>Moreover, the Travel Buddy simplifies the process of itinerary management by providing intuitive tools for booking flights, hotels, rental cars, and other travel services. </a:t>
+            </a:r>
+          </a:p>
+          <a:p>
+            <a:pPr algn="just">
+              <a:buFont typeface="Wingdings" panose="05000000000000000000" pitchFamily="2" charset="2"/>
+              <a:buChar char="§"/>
+            </a:pPr>
+            <a:r>
+              <a:rPr lang="en-US" dirty="0">
+                <a:latin typeface="Calibri" panose="020F0502020204030204" pitchFamily="34" charset="0"/>
+                <a:cs typeface="Calibri" panose="020F0502020204030204" pitchFamily="34" charset="0"/>
+              </a:rPr>
+              <a:t>At its core, Travel Buddy is more than just a booking platform; it’s a personalized travel solution tailored to meet your every need. Whether you’re a solo adventurer craving new experiences or a group of friends seeking the next unforgettable journey, Travel Buddy has something for everyone</a:t>
+            </a:r>
+            <a:r>
+              <a:rPr lang="en-US" dirty="0"/>
+              <a:t>.</a:t>
+            </a:r>
+            <a:endParaRPr lang="en-US" dirty="0">
               <a:latin typeface="Calibri" panose="020F0502020204030204" pitchFamily="34" charset="0"/>
               <a:cs typeface="Calibri" panose="020F0502020204030204" pitchFamily="34" charset="0"/>
             </a:endParaRPr>
           </a:p>
           <a:p>
-            <a:pPr lvl="1" algn="just"/>
-            <a:r>
-              <a:rPr lang="en-US" sz="1800" dirty="0">
+            <a:pPr algn="just">
+              <a:buFont typeface="Wingdings" panose="05000000000000000000" pitchFamily="2" charset="2"/>
+              <a:buChar char="§"/>
+            </a:pPr>
+            <a:r>
+              <a:rPr lang="en-US" dirty="0">
                 <a:latin typeface="Calibri" panose="020F0502020204030204" pitchFamily="34" charset="0"/>
                 <a:cs typeface="Calibri" panose="020F0502020204030204" pitchFamily="34" charset="0"/>
               </a:rPr>
-              <a:t>Java Swing and AWT are used to create a graphical user interface (GUI) with various components such as buttons, text fields, labels, and tables.</a:t>
-            </a:r>
-          </a:p>
-          <a:p>
-            <a:pPr lvl="1" algn="just"/>
-            <a:r>
-              <a:rPr lang="en-US" sz="1800" dirty="0">
-                <a:latin typeface="Calibri" panose="020F0502020204030204" pitchFamily="34" charset="0"/>
-                <a:cs typeface="Calibri" panose="020F0502020204030204" pitchFamily="34" charset="0"/>
-              </a:rPr>
-              <a:t>Swing's rich set of components and AWT's lightweight components are utilized to design an intuitive and responsive UI.</a:t>
-            </a:r>
-          </a:p>
-          <a:p>
-            <a:pPr marL="45720" indent="0" algn="just">
-              <a:buNone/>
+              <a:t>Overall, the Travel Management System offers a comprehensive solution for managing all aspects of corporate or personal travel. </a:t>
+            </a:r>
+          </a:p>
+          <a:p>
+            <a:pPr algn="just">
+              <a:buFont typeface="Wingdings" panose="05000000000000000000" pitchFamily="2" charset="2"/>
+              <a:buChar char="§"/>
             </a:pPr>
-            <a:r>
-              <a:rPr lang="en-US" sz="1800" b="1" dirty="0">
-                <a:latin typeface="Calibri" panose="020F0502020204030204" pitchFamily="34" charset="0"/>
-                <a:cs typeface="Calibri" panose="020F0502020204030204" pitchFamily="34" charset="0"/>
-              </a:rPr>
-              <a:t>2. Database Connectivity with SQL:</a:t>
-            </a:r>
-            <a:endParaRPr lang="en-US" sz="1800" dirty="0">
-              <a:latin typeface="Calibri" panose="020F0502020204030204" pitchFamily="34" charset="0"/>
-              <a:cs typeface="Calibri" panose="020F0502020204030204" pitchFamily="34" charset="0"/>
-            </a:endParaRPr>
-          </a:p>
-          <a:p>
-            <a:pPr lvl="1" algn="just"/>
-            <a:r>
-              <a:rPr lang="en-US" sz="1800" dirty="0">
-                <a:latin typeface="Calibri" panose="020F0502020204030204" pitchFamily="34" charset="0"/>
-                <a:cs typeface="Calibri" panose="020F0502020204030204" pitchFamily="34" charset="0"/>
-              </a:rPr>
-              <a:t>SQL (Structured Query Language) is employed for database management.</a:t>
-            </a:r>
-          </a:p>
-          <a:p>
-            <a:pPr lvl="1" algn="just"/>
-            <a:r>
-              <a:rPr lang="en-US" sz="1800" dirty="0">
-                <a:latin typeface="Calibri" panose="020F0502020204030204" pitchFamily="34" charset="0"/>
-                <a:cs typeface="Calibri" panose="020F0502020204030204" pitchFamily="34" charset="0"/>
-              </a:rPr>
-              <a:t>JDBC (Java Database Connectivity) API is utilized to establish a connection between the Java application and the SQL database..</a:t>
-            </a:r>
-          </a:p>
-          <a:p>
-            <a:pPr marL="45720" indent="0" algn="just">
-              <a:buNone/>
-            </a:pPr>
-            <a:r>
-              <a:rPr lang="en-US" sz="1800" b="1" dirty="0">
-                <a:latin typeface="Calibri" panose="020F0502020204030204" pitchFamily="34" charset="0"/>
-                <a:cs typeface="Calibri" panose="020F0502020204030204" pitchFamily="34" charset="0"/>
-              </a:rPr>
-              <a:t>3. Security Measures:</a:t>
-            </a:r>
-            <a:endParaRPr lang="en-US" sz="1800" dirty="0">
-              <a:latin typeface="Calibri" panose="020F0502020204030204" pitchFamily="34" charset="0"/>
-              <a:cs typeface="Calibri" panose="020F0502020204030204" pitchFamily="34" charset="0"/>
-            </a:endParaRPr>
-          </a:p>
-          <a:p>
-            <a:pPr lvl="1" algn="just"/>
-            <a:r>
-              <a:rPr lang="en-US" sz="1800" dirty="0">
-                <a:latin typeface="Calibri" panose="020F0502020204030204" pitchFamily="34" charset="0"/>
-                <a:cs typeface="Calibri" panose="020F0502020204030204" pitchFamily="34" charset="0"/>
-              </a:rPr>
-              <a:t>Password encryption: User passwords are encrypted before storing them in the database to ensure data security.</a:t>
-            </a:r>
-          </a:p>
-          <a:p>
-            <a:pPr lvl="1" algn="just"/>
-            <a:r>
-              <a:rPr lang="en-US" sz="1800" dirty="0">
-                <a:latin typeface="Calibri" panose="020F0502020204030204" pitchFamily="34" charset="0"/>
-                <a:cs typeface="Calibri" panose="020F0502020204030204" pitchFamily="34" charset="0"/>
-              </a:rPr>
-              <a:t>Role-based access control: Different user roles (e.g., admin, regular user) are implemented to control access to various functionalities and data within the system.</a:t>
-            </a:r>
-          </a:p>
-          <a:p>
-            <a:pPr marL="45720" indent="0" algn="just">
-              <a:buNone/>
-            </a:pPr>
-            <a:r>
-              <a:rPr lang="en-US" sz="1800" b="1" dirty="0">
-                <a:latin typeface="Calibri" panose="020F0502020204030204" pitchFamily="34" charset="0"/>
-                <a:cs typeface="Calibri" panose="020F0502020204030204" pitchFamily="34" charset="0"/>
-              </a:rPr>
-              <a:t>4. Error Handling and Validation:</a:t>
-            </a:r>
-            <a:endParaRPr lang="en-US" sz="1800" dirty="0">
-              <a:latin typeface="Calibri" panose="020F0502020204030204" pitchFamily="34" charset="0"/>
-              <a:cs typeface="Calibri" panose="020F0502020204030204" pitchFamily="34" charset="0"/>
-            </a:endParaRPr>
-          </a:p>
-          <a:p>
-            <a:pPr lvl="1" algn="just"/>
-            <a:r>
-              <a:rPr lang="en-US" sz="1800" dirty="0">
-                <a:latin typeface="Calibri" panose="020F0502020204030204" pitchFamily="34" charset="0"/>
-                <a:cs typeface="Calibri" panose="020F0502020204030204" pitchFamily="34" charset="0"/>
-              </a:rPr>
-              <a:t>Input validation: The system performs validation checks on user inputs to prevent incorrect or malicious data from being entered.</a:t>
-            </a:r>
-          </a:p>
-          <a:p>
-            <a:pPr lvl="1" algn="just"/>
-            <a:r>
-              <a:rPr lang="en-US" sz="1800" dirty="0">
-                <a:latin typeface="Calibri" panose="020F0502020204030204" pitchFamily="34" charset="0"/>
-                <a:cs typeface="Calibri" panose="020F0502020204030204" pitchFamily="34" charset="0"/>
-              </a:rPr>
-              <a:t>Error handling: Proper error handling mechanisms are implemented to gracefully handle exceptions and provide informative error messages to users.</a:t>
-            </a:r>
-          </a:p>
-          <a:p>
-            <a:pPr lvl="1" algn="just"/>
-            <a:endParaRPr lang="en-US" sz="1800" dirty="0">
-              <a:latin typeface="Calibri" panose="020F0502020204030204" pitchFamily="34" charset="0"/>
-              <a:cs typeface="Calibri" panose="020F0502020204030204" pitchFamily="34" charset="0"/>
-            </a:endParaRPr>
-          </a:p>
-          <a:p>
-            <a:endParaRPr lang="en-IN" sz="1800" dirty="0"/>
+            <a:endParaRPr lang="en-US" dirty="0"/>
+          </a:p>
+          <a:p>
+            <a:endParaRPr lang="en-US" dirty="0"/>
           </a:p>
         </p:txBody>
       </p:sp>
     </p:spTree>
     <p:extLst>
       <p:ext uri="{BB962C8B-B14F-4D97-AF65-F5344CB8AC3E}">
-        <p14:creationId xmlns:p14="http://schemas.microsoft.com/office/powerpoint/2010/main" val="3315439441"/>
+        <p14:creationId xmlns:p14="http://schemas.microsoft.com/office/powerpoint/2010/main" val="1413815826"/>
       </p:ext>
     </p:extLst>
   </p:cSld>
   <p:clrMapOvr>
     <a:masterClrMapping/>
   </p:clrMapOvr>
+  <mc:AlternateContent xmlns:mc="http://schemas.openxmlformats.org/markup-compatibility/2006">
+    <mc:Choice xmlns:p14="http://schemas.microsoft.com/office/powerpoint/2010/main" Requires="p14">
+      <p:transition spd="slow" p14:dur="3400">
+        <p14:reveal/>
+      </p:transition>
+    </mc:Choice>
+    <mc:Fallback>
+      <p:transition spd="slow">
+        <p:fade/>
+      </p:transition>
+    </mc:Fallback>
+  </mc:AlternateContent>
 </p:sld>
 </file>
 
-<file path=ppt/slides/slide5.xml><?xml version="1.0" encoding="utf-8"?>
-<p:sld xmlns:a="http://schemas.openxmlformats.org/drawingml/2006/main" xmlns:r="http://schemas.openxmlformats.org/officeDocument/2006/relationships" xmlns:p="http://schemas.openxmlformats.org/presentationml/2006/main" showMasterSp="0">
+<file path=ppt/slides/slide4.xml><?xml version="1.0" encoding="utf-8"?>
+<p:sld xmlns:a="http://schemas.openxmlformats.org/drawingml/2006/main" xmlns:r="http://schemas.openxmlformats.org/officeDocument/2006/relationships" xmlns:p="http://schemas.openxmlformats.org/presentationml/2006/main">
   <p:cSld>
     <p:spTree>
       <p:nvGrpSpPr>
@@ -5468,7 +6860,7 @@
           <p:cNvPr id="2" name="Title 1">
             <a:extLst>
               <a:ext uri="{FF2B5EF4-FFF2-40B4-BE49-F238E27FC236}">
-                <a16:creationId xmlns:a16="http://schemas.microsoft.com/office/drawing/2014/main" id="{AEAEB7BE-F3FB-4250-82EF-E6D590EB9514}"/>
+                <a16:creationId xmlns:a16="http://schemas.microsoft.com/office/drawing/2014/main" id="{EDEA65C5-6213-4911-ACD0-DC4199EB8F91}"/>
               </a:ext>
             </a:extLst>
           </p:cNvPr>
@@ -5481,79 +6873,119 @@
         </p:nvSpPr>
         <p:spPr>
           <a:xfrm>
-            <a:off x="1217614" y="274638"/>
-            <a:ext cx="9753600" cy="850106"/>
+            <a:off x="1209012" y="188640"/>
+            <a:ext cx="9753600" cy="1008112"/>
           </a:xfrm>
         </p:spPr>
         <p:txBody>
-          <a:bodyPr/>
+          <a:bodyPr>
+            <a:normAutofit/>
+          </a:bodyPr>
           <a:lstStyle/>
           <a:p>
             <a:pPr algn="ctr"/>
             <a:r>
-              <a:rPr lang="en-US" dirty="0">
+              <a:rPr lang="en-US" sz="6000" dirty="0">
                 <a:latin typeface="Times New Roman" panose="02020603050405020304" pitchFamily="18" charset="0"/>
                 <a:cs typeface="Times New Roman" panose="02020603050405020304" pitchFamily="18" charset="0"/>
               </a:rPr>
-              <a:t>Data flow diagram</a:t>
-            </a:r>
-            <a:endParaRPr lang="en-IN" dirty="0">
+              <a:t>Problem Statement</a:t>
+            </a:r>
+            <a:endParaRPr lang="en-IN" sz="6000" dirty="0">
               <a:latin typeface="Times New Roman" panose="02020603050405020304" pitchFamily="18" charset="0"/>
               <a:cs typeface="Times New Roman" panose="02020603050405020304" pitchFamily="18" charset="0"/>
             </a:endParaRPr>
           </a:p>
         </p:txBody>
       </p:sp>
-      <p:pic>
-        <p:nvPicPr>
-          <p:cNvPr id="5" name="Content Placeholder 4">
-            <a:extLst>
-              <a:ext uri="{FF2B5EF4-FFF2-40B4-BE49-F238E27FC236}">
-                <a16:creationId xmlns:a16="http://schemas.microsoft.com/office/drawing/2014/main" id="{89233EA8-3ED2-4418-85B6-96783576B19B}"/>
-              </a:ext>
-            </a:extLst>
-          </p:cNvPr>
-          <p:cNvPicPr>
-            <a:picLocks noGrp="1" noChangeAspect="1"/>
-          </p:cNvPicPr>
+      <p:sp>
+        <p:nvSpPr>
+          <p:cNvPr id="3" name="Content Placeholder 2">
+            <a:extLst>
+              <a:ext uri="{FF2B5EF4-FFF2-40B4-BE49-F238E27FC236}">
+                <a16:creationId xmlns:a16="http://schemas.microsoft.com/office/drawing/2014/main" id="{1E7BF937-486F-467A-8740-2A04E92F4806}"/>
+              </a:ext>
+            </a:extLst>
+          </p:cNvPr>
+          <p:cNvSpPr>
+            <a:spLocks noGrp="1"/>
+          </p:cNvSpPr>
           <p:nvPr>
             <p:ph idx="1"/>
           </p:nvPr>
-        </p:nvPicPr>
-        <p:blipFill>
-          <a:blip r:embed="rId2">
-            <a:extLst>
-              <a:ext uri="{28A0092B-C50C-407E-A947-70E740481C1C}">
-                <a14:useLocalDpi xmlns:a14="http://schemas.microsoft.com/office/drawing/2010/main" val="0"/>
-              </a:ext>
-            </a:extLst>
-          </a:blip>
-          <a:stretch>
-            <a:fillRect/>
-          </a:stretch>
-        </p:blipFill>
+        </p:nvSpPr>
         <p:spPr>
           <a:xfrm>
-            <a:off x="1773932" y="1340768"/>
-            <a:ext cx="7848872" cy="5112568"/>
+            <a:off x="361176" y="1628800"/>
+            <a:ext cx="11449272" cy="4351338"/>
           </a:xfrm>
         </p:spPr>
-      </p:pic>
+        <p:txBody>
+          <a:bodyPr>
+            <a:normAutofit/>
+          </a:bodyPr>
+          <a:lstStyle/>
+          <a:p>
+            <a:pPr marL="571500" indent="-571500" algn="just">
+              <a:buFont typeface="+mj-lt"/>
+              <a:buAutoNum type="romanUcPeriod"/>
+            </a:pPr>
+            <a:r>
+              <a:rPr lang="en-US" dirty="0"/>
+              <a:t>The purpose of website is established fact that Internet users are increasing today. Today One of the main purposes of the website is to facilitate the offline customer online because customers cannot spend their precious time in markets trying to find out the best deal.</a:t>
+            </a:r>
+          </a:p>
+          <a:p>
+            <a:pPr marL="571500" indent="-571500" algn="just">
+              <a:buFont typeface="+mj-lt"/>
+              <a:buAutoNum type="romanUcPeriod"/>
+            </a:pPr>
+            <a:r>
+              <a:rPr lang="en-US" dirty="0"/>
+              <a:t>Our priority will be our customers and their travel requirements.</a:t>
+            </a:r>
+          </a:p>
+          <a:p>
+            <a:pPr marL="571500" indent="-571500" algn="just">
+              <a:buFont typeface="+mj-lt"/>
+              <a:buAutoNum type="romanUcPeriod"/>
+            </a:pPr>
+            <a:r>
+              <a:rPr lang="en-US" dirty="0"/>
+              <a:t> There will be many users visiting the portal and hence we require a strong and reliable frontend which can withhold the users on our site.</a:t>
+            </a:r>
+          </a:p>
+          <a:p>
+            <a:pPr marL="571500" indent="-571500" algn="just">
+              <a:buFont typeface="+mj-lt"/>
+              <a:buAutoNum type="romanUcPeriod"/>
+            </a:pPr>
+            <a:r>
+              <a:rPr lang="en-US" dirty="0"/>
+              <a:t>We will be putting an effort to provide the right choice to the people when they plan a holiday and beware them from the false advertising.</a:t>
+            </a:r>
+            <a:endParaRPr lang="en-IN" dirty="0"/>
+          </a:p>
+        </p:txBody>
+      </p:sp>
     </p:spTree>
     <p:extLst>
       <p:ext uri="{BB962C8B-B14F-4D97-AF65-F5344CB8AC3E}">
-        <p14:creationId xmlns:p14="http://schemas.microsoft.com/office/powerpoint/2010/main" val="326854129"/>
+        <p14:creationId xmlns:p14="http://schemas.microsoft.com/office/powerpoint/2010/main" val="1473538032"/>
       </p:ext>
     </p:extLst>
   </p:cSld>
   <p:clrMapOvr>
     <a:masterClrMapping/>
   </p:clrMapOvr>
+  <p:transition spd="slow">
+    <p:wheel spokes="1"/>
+  </p:transition>
 </p:sld>
 </file>
 
-<file path=ppt/slides/slide6.xml><?xml version="1.0" encoding="utf-8"?>
-<p:sld xmlns:a="http://schemas.openxmlformats.org/drawingml/2006/main" xmlns:r="http://schemas.openxmlformats.org/officeDocument/2006/relationships" xmlns:p="http://schemas.openxmlformats.org/presentationml/2006/main" showMasterSp="0">
+<file path=ppt/slides/slide5.xml><?xml version="1.0" encoding="utf-8"?>
+<p:sld xmlns:a="http://schemas.openxmlformats.org/drawingml/2006/main" xmlns:r="http://schemas.openxmlformats.org/officeDocument/2006/relationships" xmlns:p="http://schemas.openxmlformats.org/presentationml/2006/main">
   <p:cSld>
     <p:spTree>
       <p:nvGrpSpPr>
@@ -5574,7 +7006,7 @@
           <p:cNvPr id="2" name="Title 1">
             <a:extLst>
               <a:ext uri="{FF2B5EF4-FFF2-40B4-BE49-F238E27FC236}">
-                <a16:creationId xmlns:a16="http://schemas.microsoft.com/office/drawing/2014/main" id="{8927534D-92C0-4F61-BEE0-37DA333CB157}"/>
+                <a16:creationId xmlns:a16="http://schemas.microsoft.com/office/drawing/2014/main" id="{36EB037A-B54F-450E-BD35-BD13FF7AC75D}"/>
               </a:ext>
             </a:extLst>
           </p:cNvPr>
@@ -5587,49 +7019,8 @@
         </p:nvSpPr>
         <p:spPr>
           <a:xfrm>
-            <a:off x="1217614" y="274638"/>
-            <a:ext cx="9753600" cy="850106"/>
-          </a:xfrm>
-        </p:spPr>
-        <p:txBody>
-          <a:bodyPr/>
-          <a:lstStyle/>
-          <a:p>
-            <a:pPr algn="ctr"/>
-            <a:r>
-              <a:rPr lang="en-US" dirty="0">
-                <a:latin typeface="Times New Roman" panose="02020603050405020304" pitchFamily="18" charset="0"/>
-                <a:cs typeface="Times New Roman" panose="02020603050405020304" pitchFamily="18" charset="0"/>
-              </a:rPr>
-              <a:t>Modules of project</a:t>
-            </a:r>
-            <a:endParaRPr lang="en-IN" dirty="0">
-              <a:latin typeface="Times New Roman" panose="02020603050405020304" pitchFamily="18" charset="0"/>
-              <a:cs typeface="Times New Roman" panose="02020603050405020304" pitchFamily="18" charset="0"/>
-            </a:endParaRPr>
-          </a:p>
-        </p:txBody>
-      </p:sp>
-      <p:sp>
-        <p:nvSpPr>
-          <p:cNvPr id="3" name="Content Placeholder 2">
-            <a:extLst>
-              <a:ext uri="{FF2B5EF4-FFF2-40B4-BE49-F238E27FC236}">
-                <a16:creationId xmlns:a16="http://schemas.microsoft.com/office/drawing/2014/main" id="{6C8691E3-A25E-4391-A21E-4F22C9DAC31B}"/>
-              </a:ext>
-            </a:extLst>
-          </p:cNvPr>
-          <p:cNvSpPr>
-            <a:spLocks noGrp="1"/>
-          </p:cNvSpPr>
-          <p:nvPr>
-            <p:ph sz="half" idx="1"/>
-          </p:nvPr>
-        </p:nvSpPr>
-        <p:spPr>
-          <a:xfrm>
-            <a:off x="333773" y="1828800"/>
-            <a:ext cx="5400600" cy="4343400"/>
+            <a:off x="765820" y="116633"/>
+            <a:ext cx="10205394" cy="1008111"/>
           </a:xfrm>
         </p:spPr>
         <p:txBody>
@@ -5638,223 +7029,233 @@
           </a:bodyPr>
           <a:lstStyle/>
           <a:p>
-            <a:pPr marL="45720" indent="0">
+            <a:pPr algn="ctr"/>
+            <a:r>
+              <a:rPr lang="en-US" sz="6000" dirty="0">
+                <a:latin typeface="Times New Roman" panose="02020603050405020304" pitchFamily="18" charset="0"/>
+                <a:ea typeface="Tahoma" panose="020B0604030504040204" pitchFamily="34" charset="0"/>
+                <a:cs typeface="Times New Roman" panose="02020603050405020304" pitchFamily="18" charset="0"/>
+              </a:rPr>
+              <a:t>Techniques Used</a:t>
+            </a:r>
+            <a:endParaRPr lang="en-IN" sz="6000" dirty="0">
+              <a:latin typeface="Times New Roman" panose="02020603050405020304" pitchFamily="18" charset="0"/>
+              <a:ea typeface="Tahoma" panose="020B0604030504040204" pitchFamily="34" charset="0"/>
+              <a:cs typeface="Times New Roman" panose="02020603050405020304" pitchFamily="18" charset="0"/>
+            </a:endParaRPr>
+          </a:p>
+        </p:txBody>
+      </p:sp>
+      <p:sp>
+        <p:nvSpPr>
+          <p:cNvPr id="3" name="Content Placeholder 2">
+            <a:extLst>
+              <a:ext uri="{FF2B5EF4-FFF2-40B4-BE49-F238E27FC236}">
+                <a16:creationId xmlns:a16="http://schemas.microsoft.com/office/drawing/2014/main" id="{83B5835B-6238-48B7-A20A-3E4097E79CE4}"/>
+              </a:ext>
+            </a:extLst>
+          </p:cNvPr>
+          <p:cNvSpPr>
+            <a:spLocks noGrp="1"/>
+          </p:cNvSpPr>
+          <p:nvPr>
+            <p:ph idx="1"/>
+          </p:nvPr>
+        </p:nvSpPr>
+        <p:spPr>
+          <a:xfrm>
+            <a:off x="290315" y="1484784"/>
+            <a:ext cx="11881320" cy="6984776"/>
+          </a:xfrm>
+        </p:spPr>
+        <p:txBody>
+          <a:bodyPr>
+            <a:noAutofit/>
+          </a:bodyPr>
+          <a:lstStyle/>
+          <a:p>
+            <a:pPr marL="45720" indent="0" algn="just">
               <a:buNone/>
             </a:pPr>
             <a:r>
-              <a:rPr lang="en-IN" sz="3200" u="sng" dirty="0">
-                <a:latin typeface="Bell MT" panose="02020503060305020303" pitchFamily="18" charset="0"/>
+              <a:rPr lang="en-US" sz="1700" b="1" dirty="0">
+                <a:latin typeface="Calibri" panose="020F0502020204030204" pitchFamily="34" charset="0"/>
                 <a:cs typeface="Calibri" panose="020F0502020204030204" pitchFamily="34" charset="0"/>
               </a:rPr>
-              <a:t>CUSTOMER</a:t>
-            </a:r>
-            <a:r>
-              <a:rPr lang="en-IN" sz="3200" dirty="0">
-                <a:latin typeface="Bell MT" panose="02020503060305020303" pitchFamily="18" charset="0"/>
+              <a:t>1. User Interface Design using Java Swing and AWT:</a:t>
+            </a:r>
+            <a:endParaRPr lang="en-US" sz="1700" dirty="0">
+              <a:latin typeface="Calibri" panose="020F0502020204030204" pitchFamily="34" charset="0"/>
+              <a:cs typeface="Calibri" panose="020F0502020204030204" pitchFamily="34" charset="0"/>
+            </a:endParaRPr>
+          </a:p>
+          <a:p>
+            <a:pPr lvl="1" algn="just"/>
+            <a:r>
+              <a:rPr lang="en-US" sz="1700" dirty="0">
+                <a:latin typeface="Calibri" panose="020F0502020204030204" pitchFamily="34" charset="0"/>
                 <a:cs typeface="Calibri" panose="020F0502020204030204" pitchFamily="34" charset="0"/>
               </a:rPr>
-              <a:t> :-</a:t>
-            </a:r>
-          </a:p>
-          <a:p>
-            <a:pPr marL="45720" indent="0">
+              <a:t>Java Swing and AWT are used to create a graphical user interface (GUI) with various components such as buttons, text fields, labels, and tables.</a:t>
+            </a:r>
+          </a:p>
+          <a:p>
+            <a:pPr lvl="1" algn="just"/>
+            <a:r>
+              <a:rPr lang="en-US" sz="1700" dirty="0">
+                <a:latin typeface="Calibri" panose="020F0502020204030204" pitchFamily="34" charset="0"/>
+                <a:cs typeface="Calibri" panose="020F0502020204030204" pitchFamily="34" charset="0"/>
+              </a:rPr>
+              <a:t>Swing's rich set of components and AWT's lightweight components are utilized to design an intuitive and responsive UI.</a:t>
+            </a:r>
+          </a:p>
+          <a:p>
+            <a:pPr marL="45720" indent="0" algn="just">
               <a:buNone/>
             </a:pPr>
             <a:r>
-              <a:rPr lang="en-IN" dirty="0"/>
-              <a:t>	1. REGISTRATION </a:t>
-            </a:r>
-          </a:p>
-          <a:p>
-            <a:pPr marL="45720" indent="0">
+              <a:rPr lang="en-US" sz="1700" b="1" dirty="0">
+                <a:latin typeface="Calibri" panose="020F0502020204030204" pitchFamily="34" charset="0"/>
+                <a:cs typeface="Calibri" panose="020F0502020204030204" pitchFamily="34" charset="0"/>
+              </a:rPr>
+              <a:t>2. Database Connectivity with SQL:</a:t>
+            </a:r>
+            <a:endParaRPr lang="en-US" sz="1700" dirty="0">
+              <a:latin typeface="Calibri" panose="020F0502020204030204" pitchFamily="34" charset="0"/>
+              <a:cs typeface="Calibri" panose="020F0502020204030204" pitchFamily="34" charset="0"/>
+            </a:endParaRPr>
+          </a:p>
+          <a:p>
+            <a:pPr lvl="1" algn="just"/>
+            <a:r>
+              <a:rPr lang="en-US" sz="1700" dirty="0">
+                <a:latin typeface="Calibri" panose="020F0502020204030204" pitchFamily="34" charset="0"/>
+                <a:cs typeface="Calibri" panose="020F0502020204030204" pitchFamily="34" charset="0"/>
+              </a:rPr>
+              <a:t>SQL (Structured Query Language) is employed for database management.</a:t>
+            </a:r>
+          </a:p>
+          <a:p>
+            <a:pPr lvl="1" algn="just"/>
+            <a:r>
+              <a:rPr lang="en-US" sz="1700" dirty="0">
+                <a:latin typeface="Calibri" panose="020F0502020204030204" pitchFamily="34" charset="0"/>
+                <a:cs typeface="Calibri" panose="020F0502020204030204" pitchFamily="34" charset="0"/>
+              </a:rPr>
+              <a:t>JDBC (Java Database Connectivity) API is utilized to establish a connection between the Java application and the SQL database..</a:t>
+            </a:r>
+          </a:p>
+          <a:p>
+            <a:pPr marL="45720" indent="0" algn="just">
               <a:buNone/>
             </a:pPr>
             <a:r>
-              <a:rPr lang="en-IN" dirty="0"/>
-              <a:t>	2. VIEW PACKAGES</a:t>
-            </a:r>
-          </a:p>
-          <a:p>
-            <a:pPr marL="45720" indent="0">
+              <a:rPr lang="en-US" sz="1700" b="1" dirty="0">
+                <a:latin typeface="Calibri" panose="020F0502020204030204" pitchFamily="34" charset="0"/>
+                <a:cs typeface="Calibri" panose="020F0502020204030204" pitchFamily="34" charset="0"/>
+              </a:rPr>
+              <a:t>3. Security Measures:</a:t>
+            </a:r>
+            <a:endParaRPr lang="en-US" sz="1700" dirty="0">
+              <a:latin typeface="Calibri" panose="020F0502020204030204" pitchFamily="34" charset="0"/>
+              <a:cs typeface="Calibri" panose="020F0502020204030204" pitchFamily="34" charset="0"/>
+            </a:endParaRPr>
+          </a:p>
+          <a:p>
+            <a:pPr lvl="1" algn="just"/>
+            <a:r>
+              <a:rPr lang="en-US" sz="1700" dirty="0">
+                <a:latin typeface="Calibri" panose="020F0502020204030204" pitchFamily="34" charset="0"/>
+                <a:cs typeface="Calibri" panose="020F0502020204030204" pitchFamily="34" charset="0"/>
+              </a:rPr>
+              <a:t>Password encryption: User passwords are encrypted before storing them in the database to ensure data security.</a:t>
+            </a:r>
+          </a:p>
+          <a:p>
+            <a:pPr lvl="1" algn="just"/>
+            <a:r>
+              <a:rPr lang="en-US" sz="1700" dirty="0">
+                <a:latin typeface="Calibri" panose="020F0502020204030204" pitchFamily="34" charset="0"/>
+                <a:cs typeface="Calibri" panose="020F0502020204030204" pitchFamily="34" charset="0"/>
+              </a:rPr>
+              <a:t>Role-based access control: Different user roles (e.g., admin, regular user) are implemented to control access to various functionalities and data within the system.</a:t>
+            </a:r>
+          </a:p>
+          <a:p>
+            <a:pPr marL="45720" indent="0" algn="just">
               <a:buNone/>
             </a:pPr>
             <a:r>
-              <a:rPr lang="en-IN" dirty="0"/>
-              <a:t>	3. BOOKING</a:t>
-            </a:r>
-          </a:p>
-          <a:p>
-            <a:pPr marL="45720" indent="0">
-              <a:buNone/>
-            </a:pPr>
-            <a:r>
-              <a:rPr lang="en-US" dirty="0"/>
-              <a:t>	</a:t>
-            </a:r>
-            <a:r>
-              <a:rPr lang="en-IN" dirty="0"/>
-              <a:t>4. DESTINATION</a:t>
-            </a:r>
-          </a:p>
-          <a:p>
-            <a:pPr marL="45720" indent="0">
-              <a:buNone/>
-            </a:pPr>
-            <a:r>
-              <a:rPr lang="en-IN" dirty="0"/>
-              <a:t>	5. GIVE E-PAYMENT</a:t>
-            </a:r>
-          </a:p>
-          <a:p>
-            <a:pPr marL="45720" indent="0">
-              <a:buNone/>
-            </a:pPr>
-            <a:r>
-              <a:rPr lang="en-IN" dirty="0"/>
-              <a:t>	6. BOOKING CANCELLATION</a:t>
-            </a:r>
-          </a:p>
-          <a:p>
-            <a:pPr marL="45720" indent="0">
-              <a:buNone/>
-            </a:pPr>
-            <a:r>
-              <a:rPr lang="en-IN" dirty="0"/>
-              <a:t>	7. GIVE FEEDBACK</a:t>
-            </a:r>
-          </a:p>
-        </p:txBody>
-      </p:sp>
-      <p:sp>
-        <p:nvSpPr>
-          <p:cNvPr id="4" name="Content Placeholder 3">
-            <a:extLst>
-              <a:ext uri="{FF2B5EF4-FFF2-40B4-BE49-F238E27FC236}">
-                <a16:creationId xmlns:a16="http://schemas.microsoft.com/office/drawing/2014/main" id="{755E5D4D-A77F-4D12-A410-639BEAF6A1E2}"/>
-              </a:ext>
-            </a:extLst>
-          </p:cNvPr>
-          <p:cNvSpPr>
-            <a:spLocks noGrp="1"/>
-          </p:cNvSpPr>
-          <p:nvPr>
-            <p:ph sz="half" idx="2"/>
-          </p:nvPr>
-        </p:nvSpPr>
-        <p:spPr>
-          <a:xfrm>
-            <a:off x="5734374" y="1828800"/>
-            <a:ext cx="6264694" cy="4343400"/>
-          </a:xfrm>
-        </p:spPr>
-        <p:txBody>
-          <a:bodyPr>
-            <a:normAutofit/>
-          </a:bodyPr>
-          <a:lstStyle/>
-          <a:p>
-            <a:pPr marL="45720" indent="0">
-              <a:buNone/>
-            </a:pPr>
-            <a:r>
-              <a:rPr lang="en-IN" sz="3200" u="sng" dirty="0">
-                <a:latin typeface="Bell MT" panose="02020503060305020303" pitchFamily="18" charset="0"/>
+              <a:rPr lang="en-US" sz="1700" b="1" dirty="0">
+                <a:latin typeface="Calibri" panose="020F0502020204030204" pitchFamily="34" charset="0"/>
+                <a:cs typeface="Calibri" panose="020F0502020204030204" pitchFamily="34" charset="0"/>
               </a:rPr>
-              <a:t>ADMIN</a:t>
-            </a:r>
-            <a:r>
-              <a:rPr lang="en-IN" sz="3200" dirty="0">
-                <a:latin typeface="Bell MT" panose="02020503060305020303" pitchFamily="18" charset="0"/>
+              <a:t>4. Error Handling and Validation:</a:t>
+            </a:r>
+            <a:endParaRPr lang="en-US" sz="1700" dirty="0">
+              <a:latin typeface="Calibri" panose="020F0502020204030204" pitchFamily="34" charset="0"/>
+              <a:cs typeface="Calibri" panose="020F0502020204030204" pitchFamily="34" charset="0"/>
+            </a:endParaRPr>
+          </a:p>
+          <a:p>
+            <a:pPr lvl="1" algn="just"/>
+            <a:r>
+              <a:rPr lang="en-US" sz="1700" dirty="0">
+                <a:latin typeface="Calibri" panose="020F0502020204030204" pitchFamily="34" charset="0"/>
+                <a:cs typeface="Calibri" panose="020F0502020204030204" pitchFamily="34" charset="0"/>
               </a:rPr>
-              <a:t> :-</a:t>
-            </a:r>
-            <a:endParaRPr lang="en-US" sz="3200" dirty="0">
-              <a:latin typeface="Bell MT" panose="02020503060305020303" pitchFamily="18" charset="0"/>
+              <a:t>Input validation: The system performs validation checks on user inputs to prevent incorrect or malicious data </a:t>
+            </a:r>
+          </a:p>
+          <a:p>
+            <a:pPr lvl="1" algn="just"/>
+            <a:r>
+              <a:rPr lang="en-US" sz="1700" dirty="0">
+                <a:latin typeface="Calibri" panose="020F0502020204030204" pitchFamily="34" charset="0"/>
+                <a:cs typeface="Calibri" panose="020F0502020204030204" pitchFamily="34" charset="0"/>
+              </a:rPr>
+              <a:t>Error handling: Proper error handling mechanisms are implemented to gracefully handle exceptions.</a:t>
+            </a:r>
+          </a:p>
+          <a:p>
+            <a:pPr lvl="1" algn="just"/>
+            <a:endParaRPr lang="en-US" sz="1700" dirty="0">
+              <a:latin typeface="Calibri" panose="020F0502020204030204" pitchFamily="34" charset="0"/>
+              <a:cs typeface="Calibri" panose="020F0502020204030204" pitchFamily="34" charset="0"/>
             </a:endParaRPr>
           </a:p>
           <a:p>
-            <a:pPr marL="45720" indent="0">
-              <a:buNone/>
-            </a:pPr>
-            <a:r>
-              <a:rPr lang="en-IN" dirty="0"/>
-              <a:t>	1. REGISTRATION (LOGIN)</a:t>
-            </a:r>
-          </a:p>
-          <a:p>
-            <a:pPr marL="45720" indent="0">
-              <a:buNone/>
-            </a:pPr>
-            <a:r>
-              <a:rPr lang="en-IN" dirty="0"/>
-              <a:t>	2. MANAGING USER</a:t>
-            </a:r>
-          </a:p>
-          <a:p>
-            <a:pPr marL="45720" indent="0">
-              <a:buNone/>
-            </a:pPr>
-            <a:r>
-              <a:rPr lang="en-IN" dirty="0"/>
-              <a:t>	3. MANAGE TOUR PACKAGES </a:t>
-            </a:r>
-          </a:p>
-          <a:p>
-            <a:pPr marL="45720" indent="0">
-              <a:buNone/>
-            </a:pPr>
-            <a:r>
-              <a:rPr lang="en-IN" dirty="0"/>
-              <a:t>	4. MANAGE TICKET BOOKING</a:t>
-            </a:r>
-          </a:p>
-          <a:p>
-            <a:pPr marL="45720" indent="0">
-              <a:buNone/>
-            </a:pPr>
-            <a:r>
-              <a:rPr lang="en-IN" dirty="0"/>
-              <a:t>	5. MANAGE E-PAYMENT</a:t>
-            </a:r>
-          </a:p>
-          <a:p>
-            <a:pPr marL="45720" indent="0">
-              <a:buNone/>
-            </a:pPr>
-            <a:r>
-              <a:rPr lang="en-IN" dirty="0"/>
-              <a:t>	6. VIEW CANCELLATION</a:t>
-            </a:r>
-          </a:p>
-          <a:p>
-            <a:pPr marL="45720" indent="0">
-              <a:buNone/>
-            </a:pPr>
-            <a:r>
-              <a:rPr lang="en-IN" dirty="0"/>
-              <a:t>	7. VIEW FEEDBACK</a:t>
-            </a:r>
-          </a:p>
-          <a:p>
-            <a:endParaRPr lang="en-IN" dirty="0"/>
+            <a:endParaRPr lang="en-IN" sz="1700" dirty="0"/>
           </a:p>
         </p:txBody>
       </p:sp>
     </p:spTree>
     <p:extLst>
       <p:ext uri="{BB962C8B-B14F-4D97-AF65-F5344CB8AC3E}">
-        <p14:creationId xmlns:p14="http://schemas.microsoft.com/office/powerpoint/2010/main" val="1585338210"/>
+        <p14:creationId xmlns:p14="http://schemas.microsoft.com/office/powerpoint/2010/main" val="3315439441"/>
       </p:ext>
     </p:extLst>
   </p:cSld>
   <p:clrMapOvr>
     <a:masterClrMapping/>
   </p:clrMapOvr>
+  <mc:AlternateContent xmlns:mc="http://schemas.openxmlformats.org/markup-compatibility/2006">
+    <mc:Choice xmlns:p14="http://schemas.microsoft.com/office/powerpoint/2010/main" Requires="p14">
+      <p:transition spd="slow" p14:dur="800">
+        <p14:flythrough/>
+      </p:transition>
+    </mc:Choice>
+    <mc:Fallback>
+      <p:transition spd="slow">
+        <p:fade/>
+      </p:transition>
+    </mc:Fallback>
+  </mc:AlternateContent>
 </p:sld>
 </file>
 
-<file path=ppt/slides/slide7.xml><?xml version="1.0" encoding="utf-8"?>
-<p:sld xmlns:a="http://schemas.openxmlformats.org/drawingml/2006/main" xmlns:r="http://schemas.openxmlformats.org/officeDocument/2006/relationships" xmlns:p="http://schemas.openxmlformats.org/presentationml/2006/main" showMasterSp="0">
+<file path=ppt/slides/slide6.xml><?xml version="1.0" encoding="utf-8"?>
+<p:sld xmlns:a="http://schemas.openxmlformats.org/drawingml/2006/main" xmlns:r="http://schemas.openxmlformats.org/officeDocument/2006/relationships" xmlns:p="http://schemas.openxmlformats.org/presentationml/2006/main">
   <p:cSld>
     <p:spTree>
       <p:nvGrpSpPr>
@@ -5943,7 +7344,7 @@
         </p:blipFill>
         <p:spPr>
           <a:xfrm>
-            <a:off x="0" y="908720"/>
+            <a:off x="202890" y="1025962"/>
             <a:ext cx="11783044" cy="5760639"/>
           </a:xfrm>
         </p:spPr>
@@ -5958,11 +7359,23 @@
   <p:clrMapOvr>
     <a:masterClrMapping/>
   </p:clrMapOvr>
+  <mc:AlternateContent xmlns:mc="http://schemas.openxmlformats.org/markup-compatibility/2006">
+    <mc:Choice xmlns:p14="http://schemas.microsoft.com/office/powerpoint/2010/main" Requires="p14">
+      <p:transition spd="slow" p14:dur="1400">
+        <p14:doors dir="vert"/>
+      </p:transition>
+    </mc:Choice>
+    <mc:Fallback>
+      <p:transition spd="slow">
+        <p:fade/>
+      </p:transition>
+    </mc:Fallback>
+  </mc:AlternateContent>
 </p:sld>
 </file>
 
-<file path=ppt/slides/slide8.xml><?xml version="1.0" encoding="utf-8"?>
-<p:sld xmlns:a="http://schemas.openxmlformats.org/drawingml/2006/main" xmlns:r="http://schemas.openxmlformats.org/officeDocument/2006/relationships" xmlns:p="http://schemas.openxmlformats.org/presentationml/2006/main" showMasterSp="0">
+<file path=ppt/slides/slide7.xml><?xml version="1.0" encoding="utf-8"?>
+<p:sld xmlns:a="http://schemas.openxmlformats.org/drawingml/2006/main" xmlns:r="http://schemas.openxmlformats.org/officeDocument/2006/relationships" xmlns:p="http://schemas.openxmlformats.org/presentationml/2006/main">
   <p:cSld>
     <p:spTree>
       <p:nvGrpSpPr>
@@ -5980,10 +7393,10 @@
       </p:grpSpPr>
       <p:sp>
         <p:nvSpPr>
-          <p:cNvPr id="5" name="Title 4">
-            <a:extLst>
-              <a:ext uri="{FF2B5EF4-FFF2-40B4-BE49-F238E27FC236}">
-                <a16:creationId xmlns:a16="http://schemas.microsoft.com/office/drawing/2014/main" id="{92385B50-F978-4141-A49F-E9CF5823D4D4}"/>
+          <p:cNvPr id="2" name="Title 1">
+            <a:extLst>
+              <a:ext uri="{FF2B5EF4-FFF2-40B4-BE49-F238E27FC236}">
+                <a16:creationId xmlns:a16="http://schemas.microsoft.com/office/drawing/2014/main" id="{AEAEB7BE-F3FB-4250-82EF-E6D590EB9514}"/>
               </a:ext>
             </a:extLst>
           </p:cNvPr>
@@ -5996,21 +7409,48 @@
         </p:nvSpPr>
         <p:spPr>
           <a:xfrm>
-            <a:off x="1217614" y="274638"/>
-            <a:ext cx="9753600" cy="838201"/>
+            <a:off x="189757" y="0"/>
+            <a:ext cx="10781457" cy="1124744"/>
           </a:xfrm>
         </p:spPr>
         <p:txBody>
-          <a:bodyPr/>
+          <a:bodyPr>
+            <a:normAutofit fontScale="90000"/>
+          </a:bodyPr>
           <a:lstStyle/>
           <a:p>
-            <a:pPr algn="ctr"/>
             <a:r>
               <a:rPr lang="en-US" dirty="0">
                 <a:latin typeface="Times New Roman" panose="02020603050405020304" pitchFamily="18" charset="0"/>
                 <a:cs typeface="Times New Roman" panose="02020603050405020304" pitchFamily="18" charset="0"/>
               </a:rPr>
-              <a:t>PROJECT SCREENSHOTS</a:t>
+              <a:t>                                     </a:t>
+            </a:r>
+            <a:r>
+              <a:rPr lang="en-US" sz="3600" b="1" dirty="0">
+                <a:latin typeface="Times New Roman" panose="02020603050405020304" pitchFamily="18" charset="0"/>
+                <a:cs typeface="Times New Roman" panose="02020603050405020304" pitchFamily="18" charset="0"/>
+              </a:rPr>
+              <a:t>Data flow diagram</a:t>
+            </a:r>
+            <a:br>
+              <a:rPr lang="en-US" sz="3200" dirty="0">
+                <a:latin typeface="Times New Roman" panose="02020603050405020304" pitchFamily="18" charset="0"/>
+                <a:cs typeface="Times New Roman" panose="02020603050405020304" pitchFamily="18" charset="0"/>
+              </a:rPr>
+            </a:br>
+            <a:br>
+              <a:rPr lang="en-US" dirty="0">
+                <a:latin typeface="Times New Roman" panose="02020603050405020304" pitchFamily="18" charset="0"/>
+                <a:cs typeface="Times New Roman" panose="02020603050405020304" pitchFamily="18" charset="0"/>
+              </a:rPr>
+            </a:br>
+            <a:r>
+              <a:rPr lang="en-US" sz="1800" dirty="0">
+                <a:latin typeface="Times New Roman" panose="02020603050405020304" pitchFamily="18" charset="0"/>
+                <a:cs typeface="Times New Roman" panose="02020603050405020304" pitchFamily="18" charset="0"/>
+              </a:rPr>
+              <a:t> DFD For Admin:-</a:t>
             </a:r>
             <a:endParaRPr lang="en-IN" dirty="0">
               <a:latin typeface="Times New Roman" panose="02020603050405020304" pitchFamily="18" charset="0"/>
@@ -6019,52 +7459,12 @@
           </a:p>
         </p:txBody>
       </p:sp>
-      <p:sp>
-        <p:nvSpPr>
-          <p:cNvPr id="7" name="Text Placeholder 6">
-            <a:extLst>
-              <a:ext uri="{FF2B5EF4-FFF2-40B4-BE49-F238E27FC236}">
-                <a16:creationId xmlns:a16="http://schemas.microsoft.com/office/drawing/2014/main" id="{46933066-71BB-4578-BC0F-42F8030C9EE6}"/>
-              </a:ext>
-            </a:extLst>
-          </p:cNvPr>
-          <p:cNvSpPr>
-            <a:spLocks noGrp="1"/>
-          </p:cNvSpPr>
-          <p:nvPr>
-            <p:ph type="body" idx="1"/>
-          </p:nvPr>
-        </p:nvSpPr>
-        <p:spPr>
-          <a:xfrm>
-            <a:off x="979767" y="1412776"/>
-            <a:ext cx="4709160" cy="436477"/>
-          </a:xfrm>
-        </p:spPr>
-        <p:txBody>
-          <a:bodyPr>
-            <a:normAutofit/>
-          </a:bodyPr>
-          <a:lstStyle/>
-          <a:p>
-            <a:r>
-              <a:rPr lang="en-US" dirty="0">
-                <a:latin typeface="Bell MT" panose="02020503060305020303" pitchFamily="18" charset="0"/>
-              </a:rPr>
-              <a:t>LOGIN PAGE :-</a:t>
-            </a:r>
-            <a:endParaRPr lang="en-IN" dirty="0">
-              <a:latin typeface="Bell MT" panose="02020503060305020303" pitchFamily="18" charset="0"/>
-            </a:endParaRPr>
-          </a:p>
-        </p:txBody>
-      </p:sp>
       <p:pic>
         <p:nvPicPr>
-          <p:cNvPr id="12" name="Content Placeholder 11">
-            <a:extLst>
-              <a:ext uri="{FF2B5EF4-FFF2-40B4-BE49-F238E27FC236}">
-                <a16:creationId xmlns:a16="http://schemas.microsoft.com/office/drawing/2014/main" id="{BF94A858-ED4F-4C02-8258-9983BF737775}"/>
+          <p:cNvPr id="8" name="Content Placeholder 7">
+            <a:extLst>
+              <a:ext uri="{FF2B5EF4-FFF2-40B4-BE49-F238E27FC236}">
+                <a16:creationId xmlns:a16="http://schemas.microsoft.com/office/drawing/2014/main" id="{54FF389A-A2AF-4320-9E60-02F39A3E3A14}"/>
               </a:ext>
             </a:extLst>
           </p:cNvPr>
@@ -6072,7 +7472,7 @@
             <a:picLocks noGrp="1" noChangeAspect="1"/>
           </p:cNvPicPr>
           <p:nvPr>
-            <p:ph sz="half" idx="2"/>
+            <p:ph idx="1"/>
           </p:nvPr>
         </p:nvPicPr>
         <p:blipFill>
@@ -6089,68 +7489,29 @@
         </p:blipFill>
         <p:spPr>
           <a:xfrm>
-            <a:off x="1053852" y="1772816"/>
-            <a:ext cx="9217024" cy="4105808"/>
+            <a:off x="2205980" y="1106420"/>
+            <a:ext cx="7200800" cy="5634947"/>
           </a:xfrm>
         </p:spPr>
       </p:pic>
-      <p:sp>
-        <p:nvSpPr>
-          <p:cNvPr id="9" name="Text Placeholder 8">
-            <a:extLst>
-              <a:ext uri="{FF2B5EF4-FFF2-40B4-BE49-F238E27FC236}">
-                <a16:creationId xmlns:a16="http://schemas.microsoft.com/office/drawing/2014/main" id="{C3094028-2E10-4589-96F5-0DFE37E98F71}"/>
-              </a:ext>
-            </a:extLst>
-          </p:cNvPr>
-          <p:cNvSpPr>
-            <a:spLocks noGrp="1"/>
-          </p:cNvSpPr>
-          <p:nvPr>
-            <p:ph type="body" sz="quarter" idx="3"/>
-          </p:nvPr>
-        </p:nvSpPr>
-        <p:spPr>
-          <a:xfrm>
-            <a:off x="1006330" y="5878624"/>
-            <a:ext cx="11161240" cy="838201"/>
-          </a:xfrm>
-        </p:spPr>
-        <p:txBody>
-          <a:bodyPr>
-            <a:normAutofit/>
-          </a:bodyPr>
-          <a:lstStyle/>
-          <a:p>
-            <a:r>
-              <a:rPr lang="en-US" dirty="0">
-                <a:latin typeface="Calibri" panose="020F0502020204030204" pitchFamily="34" charset="0"/>
-                <a:cs typeface="Calibri" panose="020F0502020204030204" pitchFamily="34" charset="0"/>
-              </a:rPr>
-              <a:t>DESCRIPTION:-Login page of tour and travel management system</a:t>
-            </a:r>
-            <a:endParaRPr lang="en-IN" dirty="0">
-              <a:latin typeface="Calibri" panose="020F0502020204030204" pitchFamily="34" charset="0"/>
-              <a:cs typeface="Calibri" panose="020F0502020204030204" pitchFamily="34" charset="0"/>
-            </a:endParaRPr>
-          </a:p>
-        </p:txBody>
-      </p:sp>
     </p:spTree>
     <p:extLst>
       <p:ext uri="{BB962C8B-B14F-4D97-AF65-F5344CB8AC3E}">
-        <p14:creationId xmlns:p14="http://schemas.microsoft.com/office/powerpoint/2010/main" val="370328437"/>
+        <p14:creationId xmlns:p14="http://schemas.microsoft.com/office/powerpoint/2010/main" val="326854129"/>
       </p:ext>
     </p:extLst>
   </p:cSld>
   <p:clrMapOvr>
     <a:masterClrMapping/>
   </p:clrMapOvr>
+  <p:transition spd="slow">
+    <p:push dir="u"/>
+  </p:transition>
 </p:sld>
 </file>
 
-<file path=ppt/slides/slide9.xml><?xml version="1.0" encoding="utf-8"?>
-<p:sld xmlns:a="http://schemas.openxmlformats.org/drawingml/2006/main" xmlns:r="http://schemas.openxmlformats.org/officeDocument/2006/relationships" xmlns:p="http://schemas.openxmlformats.org/presentationml/2006/main" showMasterSp="0">
+<file path=ppt/slides/slide8.xml><?xml version="1.0" encoding="utf-8"?>
+<p:sld xmlns:a="http://schemas.openxmlformats.org/drawingml/2006/main" xmlns:r="http://schemas.openxmlformats.org/officeDocument/2006/relationships" xmlns:p="http://schemas.openxmlformats.org/presentationml/2006/main">
   <p:cSld>
     <p:spTree>
       <p:nvGrpSpPr>
@@ -6171,7 +7532,7 @@
           <p:cNvPr id="2" name="Title 1">
             <a:extLst>
               <a:ext uri="{FF2B5EF4-FFF2-40B4-BE49-F238E27FC236}">
-                <a16:creationId xmlns:a16="http://schemas.microsoft.com/office/drawing/2014/main" id="{97006F3E-30FE-4407-9891-17C5F5385799}"/>
+                <a16:creationId xmlns:a16="http://schemas.microsoft.com/office/drawing/2014/main" id="{AEAEB7BE-F3FB-4250-82EF-E6D590EB9514}"/>
               </a:ext>
             </a:extLst>
           </p:cNvPr>
@@ -6184,43 +7545,69 @@
         </p:nvSpPr>
         <p:spPr>
           <a:xfrm>
-            <a:off x="334913" y="-158832"/>
-            <a:ext cx="3763995" cy="995544"/>
+            <a:off x="189757" y="0"/>
+            <a:ext cx="10781457" cy="1124744"/>
           </a:xfrm>
         </p:spPr>
         <p:txBody>
           <a:bodyPr>
-            <a:normAutofit/>
+            <a:normAutofit fontScale="90000"/>
           </a:bodyPr>
           <a:lstStyle/>
           <a:p>
             <a:r>
-              <a:rPr lang="en-US" sz="2400" dirty="0">
-                <a:latin typeface="Bell MT" panose="02020503060305020303" pitchFamily="18" charset="0"/>
+              <a:rPr lang="en-US" dirty="0">
+                <a:latin typeface="Times New Roman" panose="02020603050405020304" pitchFamily="18" charset="0"/>
+                <a:cs typeface="Times New Roman" panose="02020603050405020304" pitchFamily="18" charset="0"/>
               </a:rPr>
-              <a:t>HOME PAGE :-</a:t>
-            </a:r>
-            <a:endParaRPr lang="en-IN" sz="2400" dirty="0">
-              <a:latin typeface="Bell MT" panose="02020503060305020303" pitchFamily="18" charset="0"/>
+              <a:t>                                  </a:t>
+            </a:r>
+            <a:r>
+              <a:rPr lang="en-US" sz="3600" b="1" dirty="0">
+                <a:latin typeface="Times New Roman" panose="02020603050405020304" pitchFamily="18" charset="0"/>
+                <a:cs typeface="Times New Roman" panose="02020603050405020304" pitchFamily="18" charset="0"/>
+              </a:rPr>
+              <a:t>Data flow diagram</a:t>
+            </a:r>
+            <a:br>
+              <a:rPr lang="en-US" sz="3200" dirty="0">
+                <a:latin typeface="Times New Roman" panose="02020603050405020304" pitchFamily="18" charset="0"/>
+                <a:cs typeface="Times New Roman" panose="02020603050405020304" pitchFamily="18" charset="0"/>
+              </a:rPr>
+            </a:br>
+            <a:br>
+              <a:rPr lang="en-US" sz="3200" dirty="0">
+                <a:latin typeface="Times New Roman" panose="02020603050405020304" pitchFamily="18" charset="0"/>
+                <a:cs typeface="Times New Roman" panose="02020603050405020304" pitchFamily="18" charset="0"/>
+              </a:rPr>
+            </a:br>
+            <a:r>
+              <a:rPr lang="en-US" sz="1800" dirty="0">
+                <a:latin typeface="Times New Roman" panose="02020603050405020304" pitchFamily="18" charset="0"/>
+                <a:cs typeface="Times New Roman" panose="02020603050405020304" pitchFamily="18" charset="0"/>
+              </a:rPr>
+              <a:t> DFD For User:-</a:t>
+            </a:r>
+            <a:endParaRPr lang="en-IN" dirty="0">
+              <a:latin typeface="Times New Roman" panose="02020603050405020304" pitchFamily="18" charset="0"/>
+              <a:cs typeface="Times New Roman" panose="02020603050405020304" pitchFamily="18" charset="0"/>
             </a:endParaRPr>
           </a:p>
         </p:txBody>
       </p:sp>
       <p:pic>
         <p:nvPicPr>
-          <p:cNvPr id="9" name="Content Placeholder 8">
-            <a:extLst>
-              <a:ext uri="{FF2B5EF4-FFF2-40B4-BE49-F238E27FC236}">
-                <a16:creationId xmlns:a16="http://schemas.microsoft.com/office/drawing/2014/main" id="{AF616A64-0DDF-422B-80D1-5F4C5C236C8C}"/>
+          <p:cNvPr id="9" name="Picture 8">
+            <a:extLst>
+              <a:ext uri="{FF2B5EF4-FFF2-40B4-BE49-F238E27FC236}">
+                <a16:creationId xmlns:a16="http://schemas.microsoft.com/office/drawing/2014/main" id="{D0BB05E5-4506-4E17-B3A3-446A2EABAB08}"/>
               </a:ext>
             </a:extLst>
           </p:cNvPr>
           <p:cNvPicPr>
-            <a:picLocks noGrp="1" noChangeAspect="1"/>
+            <a:picLocks noChangeAspect="1"/>
           </p:cNvPicPr>
-          <p:nvPr>
-            <p:ph sz="half" idx="1"/>
-          </p:nvPr>
+          <p:nvPr/>
         </p:nvPicPr>
         <p:blipFill>
           <a:blip r:embed="rId2">
@@ -6236,66 +7623,349 @@
         </p:blipFill>
         <p:spPr>
           <a:xfrm>
-            <a:off x="333772" y="548680"/>
-            <a:ext cx="11305256" cy="5472608"/>
+            <a:off x="2494012" y="1196752"/>
+            <a:ext cx="6984776" cy="5400600"/>
           </a:xfrm>
+          <a:prstGeom prst="rect">
+            <a:avLst/>
+          </a:prstGeom>
         </p:spPr>
       </p:pic>
-      <p:sp>
-        <p:nvSpPr>
-          <p:cNvPr id="7" name="Content Placeholder 6">
-            <a:extLst>
-              <a:ext uri="{FF2B5EF4-FFF2-40B4-BE49-F238E27FC236}">
-                <a16:creationId xmlns:a16="http://schemas.microsoft.com/office/drawing/2014/main" id="{8B5254E7-DD96-44DC-A5B0-B6F291A643EC}"/>
-              </a:ext>
-            </a:extLst>
-          </p:cNvPr>
-          <p:cNvSpPr>
-            <a:spLocks noGrp="1"/>
-          </p:cNvSpPr>
-          <p:nvPr>
-            <p:ph sz="half" idx="2"/>
-          </p:nvPr>
-        </p:nvSpPr>
-        <p:spPr>
-          <a:xfrm>
-            <a:off x="1197868" y="6189783"/>
-            <a:ext cx="11305256" cy="692696"/>
-          </a:xfrm>
-        </p:spPr>
-        <p:txBody>
-          <a:bodyPr>
-            <a:normAutofit/>
-          </a:bodyPr>
-          <a:lstStyle/>
-          <a:p>
-            <a:pPr marL="45720" indent="0">
-              <a:buNone/>
-            </a:pPr>
-            <a:r>
-              <a:rPr lang="en-US" dirty="0">
-                <a:latin typeface="Calibri" panose="020F0502020204030204" pitchFamily="34" charset="0"/>
-                <a:cs typeface="Calibri" panose="020F0502020204030204" pitchFamily="34" charset="0"/>
-              </a:rPr>
-              <a:t>DESCRIPTION:- HOME PAGE OF TOUR AND TRAVEL MANAGEMENT SYSTEM</a:t>
-            </a:r>
-            <a:endParaRPr lang="en-IN" dirty="0">
-              <a:latin typeface="Calibri" panose="020F0502020204030204" pitchFamily="34" charset="0"/>
-              <a:cs typeface="Calibri" panose="020F0502020204030204" pitchFamily="34" charset="0"/>
-            </a:endParaRPr>
-          </a:p>
-        </p:txBody>
-      </p:sp>
     </p:spTree>
     <p:extLst>
       <p:ext uri="{BB962C8B-B14F-4D97-AF65-F5344CB8AC3E}">
-        <p14:creationId xmlns:p14="http://schemas.microsoft.com/office/powerpoint/2010/main" val="732604892"/>
+        <p14:creationId xmlns:p14="http://schemas.microsoft.com/office/powerpoint/2010/main" val="3389464817"/>
       </p:ext>
     </p:extLst>
   </p:cSld>
   <p:clrMapOvr>
     <a:masterClrMapping/>
   </p:clrMapOvr>
+  <mc:AlternateContent xmlns:mc="http://schemas.openxmlformats.org/markup-compatibility/2006">
+    <mc:Choice xmlns:p14="http://schemas.microsoft.com/office/powerpoint/2010/main" Requires="p14">
+      <p:transition spd="slow" p14:dur="1250">
+        <p14:flip dir="r"/>
+      </p:transition>
+    </mc:Choice>
+    <mc:Fallback>
+      <p:transition spd="slow">
+        <p:fade/>
+      </p:transition>
+    </mc:Fallback>
+  </mc:AlternateContent>
+</p:sld>
+</file>
+
+<file path=ppt/slides/slide9.xml><?xml version="1.0" encoding="utf-8"?>
+<p:sld xmlns:a="http://schemas.openxmlformats.org/drawingml/2006/main" xmlns:r="http://schemas.openxmlformats.org/officeDocument/2006/relationships" xmlns:p="http://schemas.openxmlformats.org/presentationml/2006/main">
+  <p:cSld>
+    <p:spTree>
+      <p:nvGrpSpPr>
+        <p:cNvPr id="1" name=""/>
+        <p:cNvGrpSpPr/>
+        <p:nvPr/>
+      </p:nvGrpSpPr>
+      <p:grpSpPr>
+        <a:xfrm>
+          <a:off x="0" y="0"/>
+          <a:ext cx="0" cy="0"/>
+          <a:chOff x="0" y="0"/>
+          <a:chExt cx="0" cy="0"/>
+        </a:xfrm>
+      </p:grpSpPr>
+      <p:sp>
+        <p:nvSpPr>
+          <p:cNvPr id="2" name="Title 1">
+            <a:extLst>
+              <a:ext uri="{FF2B5EF4-FFF2-40B4-BE49-F238E27FC236}">
+                <a16:creationId xmlns:a16="http://schemas.microsoft.com/office/drawing/2014/main" id="{8927534D-92C0-4F61-BEE0-37DA333CB157}"/>
+              </a:ext>
+            </a:extLst>
+          </p:cNvPr>
+          <p:cNvSpPr>
+            <a:spLocks noGrp="1"/>
+          </p:cNvSpPr>
+          <p:nvPr>
+            <p:ph type="title"/>
+          </p:nvPr>
+        </p:nvSpPr>
+        <p:spPr>
+          <a:xfrm>
+            <a:off x="1217614" y="274638"/>
+            <a:ext cx="9753600" cy="850106"/>
+          </a:xfrm>
+        </p:spPr>
+        <p:txBody>
+          <a:bodyPr/>
+          <a:lstStyle/>
+          <a:p>
+            <a:pPr algn="ctr"/>
+            <a:r>
+              <a:rPr lang="en-US" dirty="0">
+                <a:latin typeface="Times New Roman" panose="02020603050405020304" pitchFamily="18" charset="0"/>
+                <a:cs typeface="Times New Roman" panose="02020603050405020304" pitchFamily="18" charset="0"/>
+              </a:rPr>
+              <a:t>Modules of project</a:t>
+            </a:r>
+            <a:endParaRPr lang="en-IN" dirty="0">
+              <a:latin typeface="Times New Roman" panose="02020603050405020304" pitchFamily="18" charset="0"/>
+              <a:cs typeface="Times New Roman" panose="02020603050405020304" pitchFamily="18" charset="0"/>
+            </a:endParaRPr>
+          </a:p>
+        </p:txBody>
+      </p:sp>
+      <p:sp>
+        <p:nvSpPr>
+          <p:cNvPr id="3" name="Content Placeholder 2">
+            <a:extLst>
+              <a:ext uri="{FF2B5EF4-FFF2-40B4-BE49-F238E27FC236}">
+                <a16:creationId xmlns:a16="http://schemas.microsoft.com/office/drawing/2014/main" id="{6C8691E3-A25E-4391-A21E-4F22C9DAC31B}"/>
+              </a:ext>
+            </a:extLst>
+          </p:cNvPr>
+          <p:cNvSpPr>
+            <a:spLocks noGrp="1"/>
+          </p:cNvSpPr>
+          <p:nvPr>
+            <p:ph sz="half" idx="1"/>
+          </p:nvPr>
+        </p:nvSpPr>
+        <p:spPr>
+          <a:xfrm>
+            <a:off x="333773" y="1828800"/>
+            <a:ext cx="5400600" cy="4343400"/>
+          </a:xfrm>
+        </p:spPr>
+        <p:txBody>
+          <a:bodyPr>
+            <a:normAutofit/>
+          </a:bodyPr>
+          <a:lstStyle/>
+          <a:p>
+            <a:pPr marL="45720" indent="0">
+              <a:buNone/>
+            </a:pPr>
+            <a:r>
+              <a:rPr lang="en-IN" sz="3200" u="sng" dirty="0">
+                <a:latin typeface="Bell MT" panose="02020503060305020303" pitchFamily="18" charset="0"/>
+                <a:cs typeface="Calibri" panose="020F0502020204030204" pitchFamily="34" charset="0"/>
+              </a:rPr>
+              <a:t>CUSTOMER</a:t>
+            </a:r>
+            <a:r>
+              <a:rPr lang="en-IN" sz="3200" dirty="0">
+                <a:latin typeface="Bell MT" panose="02020503060305020303" pitchFamily="18" charset="0"/>
+                <a:cs typeface="Calibri" panose="020F0502020204030204" pitchFamily="34" charset="0"/>
+              </a:rPr>
+              <a:t> :-</a:t>
+            </a:r>
+          </a:p>
+          <a:p>
+            <a:pPr marL="45720" indent="0">
+              <a:buNone/>
+            </a:pPr>
+            <a:r>
+              <a:rPr lang="en-IN" dirty="0"/>
+              <a:t>	1. REGISTRATION </a:t>
+            </a:r>
+          </a:p>
+          <a:p>
+            <a:pPr marL="45720" indent="0">
+              <a:buNone/>
+            </a:pPr>
+            <a:r>
+              <a:rPr lang="en-IN" dirty="0"/>
+              <a:t>	2. VIEW PACKAGES</a:t>
+            </a:r>
+          </a:p>
+          <a:p>
+            <a:pPr marL="45720" indent="0">
+              <a:buNone/>
+            </a:pPr>
+            <a:r>
+              <a:rPr lang="en-IN" dirty="0"/>
+              <a:t>	3. BOOKING</a:t>
+            </a:r>
+          </a:p>
+          <a:p>
+            <a:pPr marL="45720" indent="0">
+              <a:buNone/>
+            </a:pPr>
+            <a:r>
+              <a:rPr lang="en-US" dirty="0"/>
+              <a:t>	</a:t>
+            </a:r>
+            <a:r>
+              <a:rPr lang="en-IN" dirty="0"/>
+              <a:t>4. DESTINATION</a:t>
+            </a:r>
+          </a:p>
+          <a:p>
+            <a:pPr marL="45720" indent="0">
+              <a:buNone/>
+            </a:pPr>
+            <a:r>
+              <a:rPr lang="en-IN" dirty="0"/>
+              <a:t>	5. GIVE E-PAYMENT</a:t>
+            </a:r>
+          </a:p>
+          <a:p>
+            <a:pPr marL="45720" indent="0">
+              <a:buNone/>
+            </a:pPr>
+            <a:r>
+              <a:rPr lang="en-IN" dirty="0"/>
+              <a:t>	6. BOOKING CANCELLATION</a:t>
+            </a:r>
+          </a:p>
+          <a:p>
+            <a:pPr marL="45720" indent="0">
+              <a:buNone/>
+            </a:pPr>
+            <a:r>
+              <a:rPr lang="en-IN" dirty="0"/>
+              <a:t>	7. GIVE FEEDBACK</a:t>
+            </a:r>
+          </a:p>
+        </p:txBody>
+      </p:sp>
+      <p:sp>
+        <p:nvSpPr>
+          <p:cNvPr id="4" name="Content Placeholder 3">
+            <a:extLst>
+              <a:ext uri="{FF2B5EF4-FFF2-40B4-BE49-F238E27FC236}">
+                <a16:creationId xmlns:a16="http://schemas.microsoft.com/office/drawing/2014/main" id="{755E5D4D-A77F-4D12-A410-639BEAF6A1E2}"/>
+              </a:ext>
+            </a:extLst>
+          </p:cNvPr>
+          <p:cNvSpPr>
+            <a:spLocks noGrp="1"/>
+          </p:cNvSpPr>
+          <p:nvPr>
+            <p:ph sz="half" idx="2"/>
+          </p:nvPr>
+        </p:nvSpPr>
+        <p:spPr>
+          <a:xfrm>
+            <a:off x="5734374" y="1828800"/>
+            <a:ext cx="6264694" cy="4343400"/>
+          </a:xfrm>
+        </p:spPr>
+        <p:txBody>
+          <a:bodyPr>
+            <a:normAutofit/>
+          </a:bodyPr>
+          <a:lstStyle/>
+          <a:p>
+            <a:pPr marL="45720" indent="0">
+              <a:buNone/>
+            </a:pPr>
+            <a:r>
+              <a:rPr lang="en-IN" sz="3200" u="sng" dirty="0">
+                <a:latin typeface="Bell MT" panose="02020503060305020303" pitchFamily="18" charset="0"/>
+              </a:rPr>
+              <a:t>ADMIN</a:t>
+            </a:r>
+            <a:r>
+              <a:rPr lang="en-IN" sz="3200" dirty="0">
+                <a:latin typeface="Bell MT" panose="02020503060305020303" pitchFamily="18" charset="0"/>
+              </a:rPr>
+              <a:t> :-</a:t>
+            </a:r>
+            <a:endParaRPr lang="en-US" sz="3200" dirty="0">
+              <a:latin typeface="Bell MT" panose="02020503060305020303" pitchFamily="18" charset="0"/>
+            </a:endParaRPr>
+          </a:p>
+          <a:p>
+            <a:pPr marL="45720" indent="0">
+              <a:buNone/>
+            </a:pPr>
+            <a:r>
+              <a:rPr lang="en-IN" dirty="0"/>
+              <a:t>	1. REGISTRATION (LOGIN)</a:t>
+            </a:r>
+          </a:p>
+          <a:p>
+            <a:pPr marL="45720" indent="0">
+              <a:buNone/>
+            </a:pPr>
+            <a:r>
+              <a:rPr lang="en-IN" dirty="0"/>
+              <a:t>	2. MANAGING USER</a:t>
+            </a:r>
+          </a:p>
+          <a:p>
+            <a:pPr marL="45720" indent="0">
+              <a:buNone/>
+            </a:pPr>
+            <a:r>
+              <a:rPr lang="en-IN" dirty="0"/>
+              <a:t>	3. MANAGE TOUR PACKAGES </a:t>
+            </a:r>
+          </a:p>
+          <a:p>
+            <a:pPr marL="45720" indent="0">
+              <a:buNone/>
+            </a:pPr>
+            <a:r>
+              <a:rPr lang="en-IN" dirty="0"/>
+              <a:t>	4. MANAGE TICKET BOOKING</a:t>
+            </a:r>
+          </a:p>
+          <a:p>
+            <a:pPr marL="45720" indent="0">
+              <a:buNone/>
+            </a:pPr>
+            <a:r>
+              <a:rPr lang="en-IN" dirty="0"/>
+              <a:t>	5. MANAGE E-PAYMENT</a:t>
+            </a:r>
+          </a:p>
+          <a:p>
+            <a:pPr marL="45720" indent="0">
+              <a:buNone/>
+            </a:pPr>
+            <a:r>
+              <a:rPr lang="en-IN" dirty="0"/>
+              <a:t>	6. VIEW CANCELLATION</a:t>
+            </a:r>
+          </a:p>
+          <a:p>
+            <a:pPr marL="45720" indent="0">
+              <a:buNone/>
+            </a:pPr>
+            <a:r>
+              <a:rPr lang="en-IN" dirty="0"/>
+              <a:t>	7. VIEW FEEDBACK</a:t>
+            </a:r>
+          </a:p>
+          <a:p>
+            <a:endParaRPr lang="en-IN" dirty="0"/>
+          </a:p>
+        </p:txBody>
+      </p:sp>
+    </p:spTree>
+    <p:extLst>
+      <p:ext uri="{BB962C8B-B14F-4D97-AF65-F5344CB8AC3E}">
+        <p14:creationId xmlns:p14="http://schemas.microsoft.com/office/powerpoint/2010/main" val="1585338210"/>
+      </p:ext>
+    </p:extLst>
+  </p:cSld>
+  <p:clrMapOvr>
+    <a:masterClrMapping/>
+  </p:clrMapOvr>
+  <mc:AlternateContent xmlns:mc="http://schemas.openxmlformats.org/markup-compatibility/2006">
+    <mc:Choice xmlns:p14="http://schemas.microsoft.com/office/powerpoint/2010/main" Requires="p14">
+      <p:transition spd="slow" p14:dur="1500">
+        <p:split orient="vert"/>
+      </p:transition>
+    </mc:Choice>
+    <mc:Fallback>
+      <p:transition spd="slow">
+        <p:split orient="vert"/>
+      </p:transition>
+    </mc:Fallback>
+  </mc:AlternateContent>
 </p:sld>
 </file>
 
